--- a/expt/img/stim1.jpg.pptx
+++ b/expt/img/stim1.jpg.pptx
@@ -5,11 +5,102 @@
     <p:sldMasterId id="2147483660" r:id="rId1"/>
   </p:sldMasterIdLst>
   <p:sldIdLst>
-    <p:sldId id="256" r:id="rId2"/>
-    <p:sldId id="257" r:id="rId3"/>
-    <p:sldId id="258" r:id="rId4"/>
+    <p:sldId id="281" r:id="rId2"/>
+    <p:sldId id="324" r:id="rId3"/>
+    <p:sldId id="333" r:id="rId4"/>
     <p:sldId id="259" r:id="rId5"/>
-    <p:sldId id="260" r:id="rId6"/>
+    <p:sldId id="334" r:id="rId6"/>
+    <p:sldId id="335" r:id="rId7"/>
+    <p:sldId id="336" r:id="rId8"/>
+    <p:sldId id="337" r:id="rId9"/>
+    <p:sldId id="338" r:id="rId10"/>
+    <p:sldId id="339" r:id="rId11"/>
+    <p:sldId id="340" r:id="rId12"/>
+    <p:sldId id="341" r:id="rId13"/>
+    <p:sldId id="323" r:id="rId14"/>
+    <p:sldId id="342" r:id="rId15"/>
+    <p:sldId id="343" r:id="rId16"/>
+    <p:sldId id="344" r:id="rId17"/>
+    <p:sldId id="345" r:id="rId18"/>
+    <p:sldId id="346" r:id="rId19"/>
+    <p:sldId id="347" r:id="rId20"/>
+    <p:sldId id="348" r:id="rId21"/>
+    <p:sldId id="349" r:id="rId22"/>
+    <p:sldId id="297" r:id="rId23"/>
+    <p:sldId id="298" r:id="rId24"/>
+    <p:sldId id="299" r:id="rId25"/>
+    <p:sldId id="290" r:id="rId26"/>
+    <p:sldId id="300" r:id="rId27"/>
+    <p:sldId id="291" r:id="rId28"/>
+    <p:sldId id="301" r:id="rId29"/>
+    <p:sldId id="276" r:id="rId30"/>
+    <p:sldId id="286" r:id="rId31"/>
+    <p:sldId id="296" r:id="rId32"/>
+    <p:sldId id="305" r:id="rId33"/>
+    <p:sldId id="282" r:id="rId34"/>
+    <p:sldId id="321" r:id="rId35"/>
+    <p:sldId id="283" r:id="rId36"/>
+    <p:sldId id="322" r:id="rId37"/>
+    <p:sldId id="280" r:id="rId38"/>
+    <p:sldId id="287" r:id="rId39"/>
+    <p:sldId id="304" r:id="rId40"/>
+    <p:sldId id="306" r:id="rId41"/>
+    <p:sldId id="307" r:id="rId42"/>
+    <p:sldId id="308" r:id="rId43"/>
+    <p:sldId id="309" r:id="rId44"/>
+    <p:sldId id="325" r:id="rId45"/>
+    <p:sldId id="278" r:id="rId46"/>
+    <p:sldId id="310" r:id="rId47"/>
+    <p:sldId id="279" r:id="rId48"/>
+    <p:sldId id="332" r:id="rId49"/>
+    <p:sldId id="256" r:id="rId50"/>
+    <p:sldId id="292" r:id="rId51"/>
+    <p:sldId id="331" r:id="rId52"/>
+    <p:sldId id="272" r:id="rId53"/>
+    <p:sldId id="330" r:id="rId54"/>
+    <p:sldId id="293" r:id="rId55"/>
+    <p:sldId id="257" r:id="rId56"/>
+    <p:sldId id="311" r:id="rId57"/>
+    <p:sldId id="258" r:id="rId58"/>
+    <p:sldId id="273" r:id="rId59"/>
+    <p:sldId id="326" r:id="rId60"/>
+    <p:sldId id="274" r:id="rId61"/>
+    <p:sldId id="260" r:id="rId62"/>
+    <p:sldId id="284" r:id="rId63"/>
+    <p:sldId id="285" r:id="rId64"/>
+    <p:sldId id="271" r:id="rId65"/>
+    <p:sldId id="261" r:id="rId66"/>
+    <p:sldId id="312" r:id="rId67"/>
+    <p:sldId id="275" r:id="rId68"/>
+    <p:sldId id="329" r:id="rId69"/>
+    <p:sldId id="262" r:id="rId70"/>
+    <p:sldId id="313" r:id="rId71"/>
+    <p:sldId id="314" r:id="rId72"/>
+    <p:sldId id="263" r:id="rId73"/>
+    <p:sldId id="264" r:id="rId74"/>
+    <p:sldId id="320" r:id="rId75"/>
+    <p:sldId id="316" r:id="rId76"/>
+    <p:sldId id="303" r:id="rId77"/>
+    <p:sldId id="328" r:id="rId78"/>
+    <p:sldId id="315" r:id="rId79"/>
+    <p:sldId id="265" r:id="rId80"/>
+    <p:sldId id="288" r:id="rId81"/>
+    <p:sldId id="277" r:id="rId82"/>
+    <p:sldId id="289" r:id="rId83"/>
+    <p:sldId id="266" r:id="rId84"/>
+    <p:sldId id="270" r:id="rId85"/>
+    <p:sldId id="327" r:id="rId86"/>
+    <p:sldId id="302" r:id="rId87"/>
+    <p:sldId id="350" r:id="rId88"/>
+    <p:sldId id="351" r:id="rId89"/>
+    <p:sldId id="267" r:id="rId90"/>
+    <p:sldId id="319" r:id="rId91"/>
+    <p:sldId id="269" r:id="rId92"/>
+    <p:sldId id="318" r:id="rId93"/>
+    <p:sldId id="268" r:id="rId94"/>
+    <p:sldId id="294" r:id="rId95"/>
+    <p:sldId id="317" r:id="rId96"/>
+    <p:sldId id="295" r:id="rId97"/>
   </p:sldIdLst>
   <p:sldSz cx="9144000" cy="6858000" type="screen4x3"/>
   <p:notesSz cx="6858000" cy="9144000"/>
@@ -251,7 +342,7 @@
           <a:p>
             <a:fld id="{4E95AE80-254C-4611-8652-5529B52F0554}" type="datetimeFigureOut">
               <a:rPr lang="en-US" smtClean="0"/>
-              <a:t>10/18/2017</a:t>
+              <a:t>11/5/2017</a:t>
             </a:fld>
             <a:endParaRPr lang="en-US"/>
           </a:p>
@@ -421,7 +512,7 @@
           <a:p>
             <a:fld id="{4E95AE80-254C-4611-8652-5529B52F0554}" type="datetimeFigureOut">
               <a:rPr lang="en-US" smtClean="0"/>
-              <a:t>10/18/2017</a:t>
+              <a:t>11/5/2017</a:t>
             </a:fld>
             <a:endParaRPr lang="en-US"/>
           </a:p>
@@ -601,7 +692,7 @@
           <a:p>
             <a:fld id="{4E95AE80-254C-4611-8652-5529B52F0554}" type="datetimeFigureOut">
               <a:rPr lang="en-US" smtClean="0"/>
-              <a:t>10/18/2017</a:t>
+              <a:t>11/5/2017</a:t>
             </a:fld>
             <a:endParaRPr lang="en-US"/>
           </a:p>
@@ -771,7 +862,7 @@
           <a:p>
             <a:fld id="{4E95AE80-254C-4611-8652-5529B52F0554}" type="datetimeFigureOut">
               <a:rPr lang="en-US" smtClean="0"/>
-              <a:t>10/18/2017</a:t>
+              <a:t>11/5/2017</a:t>
             </a:fld>
             <a:endParaRPr lang="en-US"/>
           </a:p>
@@ -1015,7 +1106,7 @@
           <a:p>
             <a:fld id="{4E95AE80-254C-4611-8652-5529B52F0554}" type="datetimeFigureOut">
               <a:rPr lang="en-US" smtClean="0"/>
-              <a:t>10/18/2017</a:t>
+              <a:t>11/5/2017</a:t>
             </a:fld>
             <a:endParaRPr lang="en-US"/>
           </a:p>
@@ -1247,7 +1338,7 @@
           <a:p>
             <a:fld id="{4E95AE80-254C-4611-8652-5529B52F0554}" type="datetimeFigureOut">
               <a:rPr lang="en-US" smtClean="0"/>
-              <a:t>10/18/2017</a:t>
+              <a:t>11/5/2017</a:t>
             </a:fld>
             <a:endParaRPr lang="en-US"/>
           </a:p>
@@ -1614,7 +1705,7 @@
           <a:p>
             <a:fld id="{4E95AE80-254C-4611-8652-5529B52F0554}" type="datetimeFigureOut">
               <a:rPr lang="en-US" smtClean="0"/>
-              <a:t>10/18/2017</a:t>
+              <a:t>11/5/2017</a:t>
             </a:fld>
             <a:endParaRPr lang="en-US"/>
           </a:p>
@@ -1732,7 +1823,7 @@
           <a:p>
             <a:fld id="{4E95AE80-254C-4611-8652-5529B52F0554}" type="datetimeFigureOut">
               <a:rPr lang="en-US" smtClean="0"/>
-              <a:t>10/18/2017</a:t>
+              <a:t>11/5/2017</a:t>
             </a:fld>
             <a:endParaRPr lang="en-US"/>
           </a:p>
@@ -1827,7 +1918,7 @@
           <a:p>
             <a:fld id="{4E95AE80-254C-4611-8652-5529B52F0554}" type="datetimeFigureOut">
               <a:rPr lang="en-US" smtClean="0"/>
-              <a:t>10/18/2017</a:t>
+              <a:t>11/5/2017</a:t>
             </a:fld>
             <a:endParaRPr lang="en-US"/>
           </a:p>
@@ -2104,7 +2195,7 @@
           <a:p>
             <a:fld id="{4E95AE80-254C-4611-8652-5529B52F0554}" type="datetimeFigureOut">
               <a:rPr lang="en-US" smtClean="0"/>
-              <a:t>10/18/2017</a:t>
+              <a:t>11/5/2017</a:t>
             </a:fld>
             <a:endParaRPr lang="en-US"/>
           </a:p>
@@ -2361,7 +2452,7 @@
           <a:p>
             <a:fld id="{4E95AE80-254C-4611-8652-5529B52F0554}" type="datetimeFigureOut">
               <a:rPr lang="en-US" smtClean="0"/>
-              <a:t>10/18/2017</a:t>
+              <a:t>11/5/2017</a:t>
             </a:fld>
             <a:endParaRPr lang="en-US"/>
           </a:p>
@@ -2574,7 +2665,7 @@
           <a:p>
             <a:fld id="{4E95AE80-254C-4611-8652-5529B52F0554}" type="datetimeFigureOut">
               <a:rPr lang="en-US" smtClean="0"/>
-              <a:t>10/18/2017</a:t>
+              <a:t>11/5/2017</a:t>
             </a:fld>
             <a:endParaRPr lang="en-US"/>
           </a:p>
@@ -2989,47 +3080,946 @@
       </p:grpSpPr>
       <p:sp>
         <p:nvSpPr>
-          <p:cNvPr id="2" name="TextBox 1">
+          <p:cNvPr id="2" name="Trapezoid 1">
             <a:extLst>
               <a:ext uri="{FF2B5EF4-FFF2-40B4-BE49-F238E27FC236}">
-                <a16:creationId xmlns:a16="http://schemas.microsoft.com/office/drawing/2014/main" id="{C9FF5DBF-5293-4990-9257-375ECC42B401}"/>
+                <a16:creationId xmlns:a16="http://schemas.microsoft.com/office/drawing/2014/main" id="{0FCF5DDC-75B2-4601-9B69-C5C9703AA188}"/>
               </a:ext>
             </a:extLst>
           </p:cNvPr>
-          <p:cNvSpPr txBox="1"/>
+          <p:cNvSpPr/>
           <p:nvPr/>
         </p:nvSpPr>
         <p:spPr>
           <a:xfrm>
-            <a:off x="415738" y="2274838"/>
-            <a:ext cx="8312524" cy="2308324"/>
+            <a:off x="2939970" y="2194367"/>
+            <a:ext cx="3302643" cy="2469266"/>
           </a:xfrm>
-          <a:prstGeom prst="rect">
+          <a:prstGeom prst="trapezoid">
             <a:avLst/>
           </a:prstGeom>
-          <a:noFill/>
         </p:spPr>
-        <p:txBody>
-          <a:bodyPr wrap="square" rtlCol="0">
-            <a:spAutoFit/>
-          </a:bodyPr>
-          <a:lstStyle/>
-          <a:p>
-            <a:r>
-              <a:rPr lang="en-US" sz="7200" dirty="0">
-                <a:solidFill>
-                  <a:schemeClr val="bg1"/>
-                </a:solidFill>
-              </a:rPr>
-              <a:t>How would you feel if you DON’T WIN?</a:t>
-            </a:r>
+        <p:style>
+          <a:lnRef idx="2">
+            <a:schemeClr val="accent1">
+              <a:shade val="50000"/>
+            </a:schemeClr>
+          </a:lnRef>
+          <a:fillRef idx="1">
+            <a:schemeClr val="accent1"/>
+          </a:fillRef>
+          <a:effectRef idx="0">
+            <a:schemeClr val="accent1"/>
+          </a:effectRef>
+          <a:fontRef idx="minor">
+            <a:schemeClr val="lt1"/>
+          </a:fontRef>
+        </p:style>
+        <p:txBody>
+          <a:bodyPr rtlCol="0" anchor="ctr"/>
+          <a:lstStyle/>
+          <a:p>
+            <a:pPr algn="ctr"/>
+            <a:endParaRPr lang="en-US"/>
           </a:p>
         </p:txBody>
       </p:sp>
     </p:spTree>
     <p:extLst>
       <p:ext uri="{BB962C8B-B14F-4D97-AF65-F5344CB8AC3E}">
-        <p14:creationId xmlns:p14="http://schemas.microsoft.com/office/powerpoint/2010/main" val="2027257490"/>
+        <p14:creationId xmlns:p14="http://schemas.microsoft.com/office/powerpoint/2010/main" val="231726648"/>
+      </p:ext>
+    </p:extLst>
+  </p:cSld>
+  <p:clrMapOvr>
+    <a:masterClrMapping/>
+  </p:clrMapOvr>
+</p:sld>
+</file>
+
+<file path=ppt/slides/slide10.xml><?xml version="1.0" encoding="utf-8"?>
+<p:sld xmlns:a="http://schemas.openxmlformats.org/drawingml/2006/main" xmlns:r="http://schemas.openxmlformats.org/officeDocument/2006/relationships" xmlns:p="http://schemas.openxmlformats.org/presentationml/2006/main">
+  <p:cSld>
+    <p:bg>
+      <p:bgPr>
+        <a:solidFill>
+          <a:schemeClr val="tx1"/>
+        </a:solidFill>
+        <a:effectLst/>
+      </p:bgPr>
+    </p:bg>
+    <p:spTree>
+      <p:nvGrpSpPr>
+        <p:cNvPr id="1" name=""/>
+        <p:cNvGrpSpPr/>
+        <p:nvPr/>
+      </p:nvGrpSpPr>
+      <p:grpSpPr>
+        <a:xfrm>
+          <a:off x="0" y="0"/>
+          <a:ext cx="0" cy="0"/>
+          <a:chOff x="0" y="0"/>
+          <a:chExt cx="0" cy="0"/>
+        </a:xfrm>
+      </p:grpSpPr>
+      <p:sp>
+        <p:nvSpPr>
+          <p:cNvPr id="3" name="Plaque 2">
+            <a:extLst>
+              <a:ext uri="{FF2B5EF4-FFF2-40B4-BE49-F238E27FC236}">
+                <a16:creationId xmlns:a16="http://schemas.microsoft.com/office/drawing/2014/main" id="{02566730-B4A5-4076-BF2E-FF2629D1987C}"/>
+              </a:ext>
+            </a:extLst>
+          </p:cNvPr>
+          <p:cNvSpPr/>
+          <p:nvPr/>
+        </p:nvSpPr>
+        <p:spPr>
+          <a:xfrm>
+            <a:off x="2808790" y="1773821"/>
+            <a:ext cx="3526420" cy="3310359"/>
+          </a:xfrm>
+          <a:prstGeom prst="plaque">
+            <a:avLst>
+              <a:gd name="adj" fmla="val 32518"/>
+            </a:avLst>
+          </a:prstGeom>
+          <a:solidFill>
+            <a:srgbClr val="D3BBD9"/>
+          </a:solidFill>
+        </p:spPr>
+        <p:style>
+          <a:lnRef idx="2">
+            <a:schemeClr val="accent1">
+              <a:shade val="50000"/>
+            </a:schemeClr>
+          </a:lnRef>
+          <a:fillRef idx="1">
+            <a:schemeClr val="accent1"/>
+          </a:fillRef>
+          <a:effectRef idx="0">
+            <a:schemeClr val="accent1"/>
+          </a:effectRef>
+          <a:fontRef idx="minor">
+            <a:schemeClr val="lt1"/>
+          </a:fontRef>
+        </p:style>
+        <p:txBody>
+          <a:bodyPr rtlCol="0" anchor="ctr"/>
+          <a:lstStyle/>
+          <a:p>
+            <a:pPr algn="ctr"/>
+            <a:endParaRPr lang="en-US" dirty="0"/>
+          </a:p>
+        </p:txBody>
+      </p:sp>
+    </p:spTree>
+    <p:extLst>
+      <p:ext uri="{BB962C8B-B14F-4D97-AF65-F5344CB8AC3E}">
+        <p14:creationId xmlns:p14="http://schemas.microsoft.com/office/powerpoint/2010/main" val="993802757"/>
+      </p:ext>
+    </p:extLst>
+  </p:cSld>
+  <p:clrMapOvr>
+    <a:masterClrMapping/>
+  </p:clrMapOvr>
+</p:sld>
+</file>
+
+<file path=ppt/slides/slide11.xml><?xml version="1.0" encoding="utf-8"?>
+<p:sld xmlns:a="http://schemas.openxmlformats.org/drawingml/2006/main" xmlns:r="http://schemas.openxmlformats.org/officeDocument/2006/relationships" xmlns:p="http://schemas.openxmlformats.org/presentationml/2006/main">
+  <p:cSld>
+    <p:bg>
+      <p:bgPr>
+        <a:solidFill>
+          <a:schemeClr val="tx1"/>
+        </a:solidFill>
+        <a:effectLst/>
+      </p:bgPr>
+    </p:bg>
+    <p:spTree>
+      <p:nvGrpSpPr>
+        <p:cNvPr id="1" name=""/>
+        <p:cNvGrpSpPr/>
+        <p:nvPr/>
+      </p:nvGrpSpPr>
+      <p:grpSpPr>
+        <a:xfrm>
+          <a:off x="0" y="0"/>
+          <a:ext cx="0" cy="0"/>
+          <a:chOff x="0" y="0"/>
+          <a:chExt cx="0" cy="0"/>
+        </a:xfrm>
+      </p:grpSpPr>
+      <p:sp>
+        <p:nvSpPr>
+          <p:cNvPr id="3" name="Plaque 2">
+            <a:extLst>
+              <a:ext uri="{FF2B5EF4-FFF2-40B4-BE49-F238E27FC236}">
+                <a16:creationId xmlns:a16="http://schemas.microsoft.com/office/drawing/2014/main" id="{02566730-B4A5-4076-BF2E-FF2629D1987C}"/>
+              </a:ext>
+            </a:extLst>
+          </p:cNvPr>
+          <p:cNvSpPr/>
+          <p:nvPr/>
+        </p:nvSpPr>
+        <p:spPr>
+          <a:xfrm>
+            <a:off x="2808790" y="1773821"/>
+            <a:ext cx="3526420" cy="3310359"/>
+          </a:xfrm>
+          <a:prstGeom prst="plaque">
+            <a:avLst>
+              <a:gd name="adj" fmla="val 32518"/>
+            </a:avLst>
+          </a:prstGeom>
+          <a:solidFill>
+            <a:srgbClr val="CEF1A3"/>
+          </a:solidFill>
+          <a:ln>
+            <a:noFill/>
+          </a:ln>
+        </p:spPr>
+        <p:style>
+          <a:lnRef idx="2">
+            <a:schemeClr val="accent1">
+              <a:shade val="50000"/>
+            </a:schemeClr>
+          </a:lnRef>
+          <a:fillRef idx="1">
+            <a:schemeClr val="accent1"/>
+          </a:fillRef>
+          <a:effectRef idx="0">
+            <a:schemeClr val="accent1"/>
+          </a:effectRef>
+          <a:fontRef idx="minor">
+            <a:schemeClr val="lt1"/>
+          </a:fontRef>
+        </p:style>
+        <p:txBody>
+          <a:bodyPr rtlCol="0" anchor="ctr"/>
+          <a:lstStyle/>
+          <a:p>
+            <a:pPr algn="ctr"/>
+            <a:endParaRPr lang="en-US" dirty="0"/>
+          </a:p>
+        </p:txBody>
+      </p:sp>
+    </p:spTree>
+    <p:extLst>
+      <p:ext uri="{BB962C8B-B14F-4D97-AF65-F5344CB8AC3E}">
+        <p14:creationId xmlns:p14="http://schemas.microsoft.com/office/powerpoint/2010/main" val="2181186830"/>
+      </p:ext>
+    </p:extLst>
+  </p:cSld>
+  <p:clrMapOvr>
+    <a:masterClrMapping/>
+  </p:clrMapOvr>
+</p:sld>
+</file>
+
+<file path=ppt/slides/slide12.xml><?xml version="1.0" encoding="utf-8"?>
+<p:sld xmlns:a="http://schemas.openxmlformats.org/drawingml/2006/main" xmlns:r="http://schemas.openxmlformats.org/officeDocument/2006/relationships" xmlns:p="http://schemas.openxmlformats.org/presentationml/2006/main">
+  <p:cSld>
+    <p:bg>
+      <p:bgPr>
+        <a:solidFill>
+          <a:schemeClr val="tx1"/>
+        </a:solidFill>
+        <a:effectLst/>
+      </p:bgPr>
+    </p:bg>
+    <p:spTree>
+      <p:nvGrpSpPr>
+        <p:cNvPr id="1" name=""/>
+        <p:cNvGrpSpPr/>
+        <p:nvPr/>
+      </p:nvGrpSpPr>
+      <p:grpSpPr>
+        <a:xfrm>
+          <a:off x="0" y="0"/>
+          <a:ext cx="0" cy="0"/>
+          <a:chOff x="0" y="0"/>
+          <a:chExt cx="0" cy="0"/>
+        </a:xfrm>
+      </p:grpSpPr>
+      <p:sp>
+        <p:nvSpPr>
+          <p:cNvPr id="3" name="Plaque 2">
+            <a:extLst>
+              <a:ext uri="{FF2B5EF4-FFF2-40B4-BE49-F238E27FC236}">
+                <a16:creationId xmlns:a16="http://schemas.microsoft.com/office/drawing/2014/main" id="{02566730-B4A5-4076-BF2E-FF2629D1987C}"/>
+              </a:ext>
+            </a:extLst>
+          </p:cNvPr>
+          <p:cNvSpPr/>
+          <p:nvPr/>
+        </p:nvSpPr>
+        <p:spPr>
+          <a:xfrm>
+            <a:off x="2808790" y="1773821"/>
+            <a:ext cx="3526420" cy="3310359"/>
+          </a:xfrm>
+          <a:prstGeom prst="plaque">
+            <a:avLst>
+              <a:gd name="adj" fmla="val 32518"/>
+            </a:avLst>
+          </a:prstGeom>
+          <a:solidFill>
+            <a:schemeClr val="accent2">
+              <a:lumMod val="75000"/>
+            </a:schemeClr>
+          </a:solidFill>
+          <a:ln>
+            <a:noFill/>
+          </a:ln>
+        </p:spPr>
+        <p:style>
+          <a:lnRef idx="2">
+            <a:schemeClr val="accent1">
+              <a:shade val="50000"/>
+            </a:schemeClr>
+          </a:lnRef>
+          <a:fillRef idx="1">
+            <a:schemeClr val="accent1"/>
+          </a:fillRef>
+          <a:effectRef idx="0">
+            <a:schemeClr val="accent1"/>
+          </a:effectRef>
+          <a:fontRef idx="minor">
+            <a:schemeClr val="lt1"/>
+          </a:fontRef>
+        </p:style>
+        <p:txBody>
+          <a:bodyPr rtlCol="0" anchor="ctr"/>
+          <a:lstStyle/>
+          <a:p>
+            <a:pPr algn="ctr"/>
+            <a:endParaRPr lang="en-US" dirty="0"/>
+          </a:p>
+        </p:txBody>
+      </p:sp>
+    </p:spTree>
+    <p:extLst>
+      <p:ext uri="{BB962C8B-B14F-4D97-AF65-F5344CB8AC3E}">
+        <p14:creationId xmlns:p14="http://schemas.microsoft.com/office/powerpoint/2010/main" val="283864596"/>
+      </p:ext>
+    </p:extLst>
+  </p:cSld>
+  <p:clrMapOvr>
+    <a:masterClrMapping/>
+  </p:clrMapOvr>
+</p:sld>
+</file>
+
+<file path=ppt/slides/slide13.xml><?xml version="1.0" encoding="utf-8"?>
+<p:sld xmlns:a="http://schemas.openxmlformats.org/drawingml/2006/main" xmlns:r="http://schemas.openxmlformats.org/officeDocument/2006/relationships" xmlns:p="http://schemas.openxmlformats.org/presentationml/2006/main">
+  <p:cSld>
+    <p:bg>
+      <p:bgPr>
+        <a:solidFill>
+          <a:schemeClr val="tx1"/>
+        </a:solidFill>
+        <a:effectLst/>
+      </p:bgPr>
+    </p:bg>
+    <p:spTree>
+      <p:nvGrpSpPr>
+        <p:cNvPr id="1" name=""/>
+        <p:cNvGrpSpPr/>
+        <p:nvPr/>
+      </p:nvGrpSpPr>
+      <p:grpSpPr>
+        <a:xfrm>
+          <a:off x="0" y="0"/>
+          <a:ext cx="0" cy="0"/>
+          <a:chOff x="0" y="0"/>
+          <a:chExt cx="0" cy="0"/>
+        </a:xfrm>
+      </p:grpSpPr>
+      <p:sp>
+        <p:nvSpPr>
+          <p:cNvPr id="4" name="Right Triangle 3">
+            <a:extLst>
+              <a:ext uri="{FF2B5EF4-FFF2-40B4-BE49-F238E27FC236}">
+                <a16:creationId xmlns:a16="http://schemas.microsoft.com/office/drawing/2014/main" id="{B2DA9C65-8238-4DE6-B92F-72973B43DB63}"/>
+              </a:ext>
+            </a:extLst>
+          </p:cNvPr>
+          <p:cNvSpPr/>
+          <p:nvPr/>
+        </p:nvSpPr>
+        <p:spPr>
+          <a:xfrm>
+            <a:off x="2805953" y="1640541"/>
+            <a:ext cx="3532094" cy="3299012"/>
+          </a:xfrm>
+          <a:prstGeom prst="rtTriangle">
+            <a:avLst/>
+          </a:prstGeom>
+          <a:solidFill>
+            <a:schemeClr val="accent5">
+              <a:lumMod val="75000"/>
+            </a:schemeClr>
+          </a:solidFill>
+          <a:ln>
+            <a:noFill/>
+          </a:ln>
+        </p:spPr>
+        <p:style>
+          <a:lnRef idx="2">
+            <a:schemeClr val="accent6">
+              <a:shade val="50000"/>
+            </a:schemeClr>
+          </a:lnRef>
+          <a:fillRef idx="1">
+            <a:schemeClr val="accent6"/>
+          </a:fillRef>
+          <a:effectRef idx="0">
+            <a:schemeClr val="accent6"/>
+          </a:effectRef>
+          <a:fontRef idx="minor">
+            <a:schemeClr val="lt1"/>
+          </a:fontRef>
+        </p:style>
+        <p:txBody>
+          <a:bodyPr rtlCol="0" anchor="ctr"/>
+          <a:lstStyle/>
+          <a:p>
+            <a:pPr algn="ctr"/>
+            <a:endParaRPr lang="en-US" dirty="0"/>
+          </a:p>
+        </p:txBody>
+      </p:sp>
+    </p:spTree>
+    <p:extLst>
+      <p:ext uri="{BB962C8B-B14F-4D97-AF65-F5344CB8AC3E}">
+        <p14:creationId xmlns:p14="http://schemas.microsoft.com/office/powerpoint/2010/main" val="3560852778"/>
+      </p:ext>
+    </p:extLst>
+  </p:cSld>
+  <p:clrMapOvr>
+    <a:masterClrMapping/>
+  </p:clrMapOvr>
+</p:sld>
+</file>
+
+<file path=ppt/slides/slide14.xml><?xml version="1.0" encoding="utf-8"?>
+<p:sld xmlns:a="http://schemas.openxmlformats.org/drawingml/2006/main" xmlns:r="http://schemas.openxmlformats.org/officeDocument/2006/relationships" xmlns:p="http://schemas.openxmlformats.org/presentationml/2006/main">
+  <p:cSld>
+    <p:bg>
+      <p:bgPr>
+        <a:solidFill>
+          <a:schemeClr val="tx1"/>
+        </a:solidFill>
+        <a:effectLst/>
+      </p:bgPr>
+    </p:bg>
+    <p:spTree>
+      <p:nvGrpSpPr>
+        <p:cNvPr id="1" name=""/>
+        <p:cNvGrpSpPr/>
+        <p:nvPr/>
+      </p:nvGrpSpPr>
+      <p:grpSpPr>
+        <a:xfrm>
+          <a:off x="0" y="0"/>
+          <a:ext cx="0" cy="0"/>
+          <a:chOff x="0" y="0"/>
+          <a:chExt cx="0" cy="0"/>
+        </a:xfrm>
+      </p:grpSpPr>
+      <p:sp>
+        <p:nvSpPr>
+          <p:cNvPr id="2" name="Flowchart: Delay 1">
+            <a:extLst>
+              <a:ext uri="{FF2B5EF4-FFF2-40B4-BE49-F238E27FC236}">
+                <a16:creationId xmlns:a16="http://schemas.microsoft.com/office/drawing/2014/main" id="{04680D5E-419A-4434-B508-651461A71B8B}"/>
+              </a:ext>
+            </a:extLst>
+          </p:cNvPr>
+          <p:cNvSpPr/>
+          <p:nvPr/>
+        </p:nvSpPr>
+        <p:spPr>
+          <a:xfrm>
+            <a:off x="3127094" y="1760317"/>
+            <a:ext cx="2889812" cy="3337367"/>
+          </a:xfrm>
+          <a:prstGeom prst="flowChartDelay">
+            <a:avLst/>
+          </a:prstGeom>
+        </p:spPr>
+        <p:style>
+          <a:lnRef idx="2">
+            <a:schemeClr val="accent1">
+              <a:shade val="50000"/>
+            </a:schemeClr>
+          </a:lnRef>
+          <a:fillRef idx="1">
+            <a:schemeClr val="accent1"/>
+          </a:fillRef>
+          <a:effectRef idx="0">
+            <a:schemeClr val="accent1"/>
+          </a:effectRef>
+          <a:fontRef idx="minor">
+            <a:schemeClr val="lt1"/>
+          </a:fontRef>
+        </p:style>
+        <p:txBody>
+          <a:bodyPr rtlCol="0" anchor="ctr"/>
+          <a:lstStyle/>
+          <a:p>
+            <a:pPr algn="ctr"/>
+            <a:endParaRPr lang="en-US"/>
+          </a:p>
+        </p:txBody>
+      </p:sp>
+    </p:spTree>
+    <p:extLst>
+      <p:ext uri="{BB962C8B-B14F-4D97-AF65-F5344CB8AC3E}">
+        <p14:creationId xmlns:p14="http://schemas.microsoft.com/office/powerpoint/2010/main" val="1658702972"/>
+      </p:ext>
+    </p:extLst>
+  </p:cSld>
+  <p:clrMapOvr>
+    <a:masterClrMapping/>
+  </p:clrMapOvr>
+</p:sld>
+</file>
+
+<file path=ppt/slides/slide15.xml><?xml version="1.0" encoding="utf-8"?>
+<p:sld xmlns:a="http://schemas.openxmlformats.org/drawingml/2006/main" xmlns:r="http://schemas.openxmlformats.org/officeDocument/2006/relationships" xmlns:p="http://schemas.openxmlformats.org/presentationml/2006/main">
+  <p:cSld>
+    <p:bg>
+      <p:bgPr>
+        <a:solidFill>
+          <a:schemeClr val="tx1"/>
+        </a:solidFill>
+        <a:effectLst/>
+      </p:bgPr>
+    </p:bg>
+    <p:spTree>
+      <p:nvGrpSpPr>
+        <p:cNvPr id="1" name=""/>
+        <p:cNvGrpSpPr/>
+        <p:nvPr/>
+      </p:nvGrpSpPr>
+      <p:grpSpPr>
+        <a:xfrm>
+          <a:off x="0" y="0"/>
+          <a:ext cx="0" cy="0"/>
+          <a:chOff x="0" y="0"/>
+          <a:chExt cx="0" cy="0"/>
+        </a:xfrm>
+      </p:grpSpPr>
+      <p:sp>
+        <p:nvSpPr>
+          <p:cNvPr id="2" name="Flowchart: Delay 1">
+            <a:extLst>
+              <a:ext uri="{FF2B5EF4-FFF2-40B4-BE49-F238E27FC236}">
+                <a16:creationId xmlns:a16="http://schemas.microsoft.com/office/drawing/2014/main" id="{04680D5E-419A-4434-B508-651461A71B8B}"/>
+              </a:ext>
+            </a:extLst>
+          </p:cNvPr>
+          <p:cNvSpPr/>
+          <p:nvPr/>
+        </p:nvSpPr>
+        <p:spPr>
+          <a:xfrm>
+            <a:off x="3127094" y="1760317"/>
+            <a:ext cx="2889812" cy="3337367"/>
+          </a:xfrm>
+          <a:prstGeom prst="flowChartDelay">
+            <a:avLst/>
+          </a:prstGeom>
+          <a:solidFill>
+            <a:srgbClr val="D3BBD9"/>
+          </a:solidFill>
+        </p:spPr>
+        <p:style>
+          <a:lnRef idx="2">
+            <a:schemeClr val="accent1">
+              <a:shade val="50000"/>
+            </a:schemeClr>
+          </a:lnRef>
+          <a:fillRef idx="1">
+            <a:schemeClr val="accent1"/>
+          </a:fillRef>
+          <a:effectRef idx="0">
+            <a:schemeClr val="accent1"/>
+          </a:effectRef>
+          <a:fontRef idx="minor">
+            <a:schemeClr val="lt1"/>
+          </a:fontRef>
+        </p:style>
+        <p:txBody>
+          <a:bodyPr rtlCol="0" anchor="ctr"/>
+          <a:lstStyle/>
+          <a:p>
+            <a:pPr algn="ctr"/>
+            <a:endParaRPr lang="en-US"/>
+          </a:p>
+        </p:txBody>
+      </p:sp>
+    </p:spTree>
+    <p:extLst>
+      <p:ext uri="{BB962C8B-B14F-4D97-AF65-F5344CB8AC3E}">
+        <p14:creationId xmlns:p14="http://schemas.microsoft.com/office/powerpoint/2010/main" val="1388701392"/>
+      </p:ext>
+    </p:extLst>
+  </p:cSld>
+  <p:clrMapOvr>
+    <a:masterClrMapping/>
+  </p:clrMapOvr>
+</p:sld>
+</file>
+
+<file path=ppt/slides/slide16.xml><?xml version="1.0" encoding="utf-8"?>
+<p:sld xmlns:a="http://schemas.openxmlformats.org/drawingml/2006/main" xmlns:r="http://schemas.openxmlformats.org/officeDocument/2006/relationships" xmlns:p="http://schemas.openxmlformats.org/presentationml/2006/main">
+  <p:cSld>
+    <p:bg>
+      <p:bgPr>
+        <a:solidFill>
+          <a:schemeClr val="tx1"/>
+        </a:solidFill>
+        <a:effectLst/>
+      </p:bgPr>
+    </p:bg>
+    <p:spTree>
+      <p:nvGrpSpPr>
+        <p:cNvPr id="1" name=""/>
+        <p:cNvGrpSpPr/>
+        <p:nvPr/>
+      </p:nvGrpSpPr>
+      <p:grpSpPr>
+        <a:xfrm>
+          <a:off x="0" y="0"/>
+          <a:ext cx="0" cy="0"/>
+          <a:chOff x="0" y="0"/>
+          <a:chExt cx="0" cy="0"/>
+        </a:xfrm>
+      </p:grpSpPr>
+      <p:sp>
+        <p:nvSpPr>
+          <p:cNvPr id="2" name="Flowchart: Delay 1">
+            <a:extLst>
+              <a:ext uri="{FF2B5EF4-FFF2-40B4-BE49-F238E27FC236}">
+                <a16:creationId xmlns:a16="http://schemas.microsoft.com/office/drawing/2014/main" id="{04680D5E-419A-4434-B508-651461A71B8B}"/>
+              </a:ext>
+            </a:extLst>
+          </p:cNvPr>
+          <p:cNvSpPr/>
+          <p:nvPr/>
+        </p:nvSpPr>
+        <p:spPr>
+          <a:xfrm>
+            <a:off x="3127094" y="1760317"/>
+            <a:ext cx="2889812" cy="3337367"/>
+          </a:xfrm>
+          <a:prstGeom prst="flowChartDelay">
+            <a:avLst/>
+          </a:prstGeom>
+          <a:solidFill>
+            <a:srgbClr val="CEF1A3"/>
+          </a:solidFill>
+        </p:spPr>
+        <p:style>
+          <a:lnRef idx="2">
+            <a:schemeClr val="accent1">
+              <a:shade val="50000"/>
+            </a:schemeClr>
+          </a:lnRef>
+          <a:fillRef idx="1">
+            <a:schemeClr val="accent1"/>
+          </a:fillRef>
+          <a:effectRef idx="0">
+            <a:schemeClr val="accent1"/>
+          </a:effectRef>
+          <a:fontRef idx="minor">
+            <a:schemeClr val="lt1"/>
+          </a:fontRef>
+        </p:style>
+        <p:txBody>
+          <a:bodyPr rtlCol="0" anchor="ctr"/>
+          <a:lstStyle/>
+          <a:p>
+            <a:pPr algn="ctr"/>
+            <a:endParaRPr lang="en-US"/>
+          </a:p>
+        </p:txBody>
+      </p:sp>
+    </p:spTree>
+    <p:extLst>
+      <p:ext uri="{BB962C8B-B14F-4D97-AF65-F5344CB8AC3E}">
+        <p14:creationId xmlns:p14="http://schemas.microsoft.com/office/powerpoint/2010/main" val="141051869"/>
+      </p:ext>
+    </p:extLst>
+  </p:cSld>
+  <p:clrMapOvr>
+    <a:masterClrMapping/>
+  </p:clrMapOvr>
+</p:sld>
+</file>
+
+<file path=ppt/slides/slide17.xml><?xml version="1.0" encoding="utf-8"?>
+<p:sld xmlns:a="http://schemas.openxmlformats.org/drawingml/2006/main" xmlns:r="http://schemas.openxmlformats.org/officeDocument/2006/relationships" xmlns:p="http://schemas.openxmlformats.org/presentationml/2006/main">
+  <p:cSld>
+    <p:bg>
+      <p:bgPr>
+        <a:solidFill>
+          <a:schemeClr val="tx1"/>
+        </a:solidFill>
+        <a:effectLst/>
+      </p:bgPr>
+    </p:bg>
+    <p:spTree>
+      <p:nvGrpSpPr>
+        <p:cNvPr id="1" name=""/>
+        <p:cNvGrpSpPr/>
+        <p:nvPr/>
+      </p:nvGrpSpPr>
+      <p:grpSpPr>
+        <a:xfrm>
+          <a:off x="0" y="0"/>
+          <a:ext cx="0" cy="0"/>
+          <a:chOff x="0" y="0"/>
+          <a:chExt cx="0" cy="0"/>
+        </a:xfrm>
+      </p:grpSpPr>
+      <p:sp>
+        <p:nvSpPr>
+          <p:cNvPr id="2" name="Flowchart: Delay 1">
+            <a:extLst>
+              <a:ext uri="{FF2B5EF4-FFF2-40B4-BE49-F238E27FC236}">
+                <a16:creationId xmlns:a16="http://schemas.microsoft.com/office/drawing/2014/main" id="{04680D5E-419A-4434-B508-651461A71B8B}"/>
+              </a:ext>
+            </a:extLst>
+          </p:cNvPr>
+          <p:cNvSpPr/>
+          <p:nvPr/>
+        </p:nvSpPr>
+        <p:spPr>
+          <a:xfrm>
+            <a:off x="3127094" y="1760317"/>
+            <a:ext cx="2889812" cy="3337367"/>
+          </a:xfrm>
+          <a:prstGeom prst="flowChartDelay">
+            <a:avLst/>
+          </a:prstGeom>
+          <a:solidFill>
+            <a:srgbClr val="FFC000"/>
+          </a:solidFill>
+        </p:spPr>
+        <p:style>
+          <a:lnRef idx="2">
+            <a:schemeClr val="accent1">
+              <a:shade val="50000"/>
+            </a:schemeClr>
+          </a:lnRef>
+          <a:fillRef idx="1">
+            <a:schemeClr val="accent1"/>
+          </a:fillRef>
+          <a:effectRef idx="0">
+            <a:schemeClr val="accent1"/>
+          </a:effectRef>
+          <a:fontRef idx="minor">
+            <a:schemeClr val="lt1"/>
+          </a:fontRef>
+        </p:style>
+        <p:txBody>
+          <a:bodyPr rtlCol="0" anchor="ctr"/>
+          <a:lstStyle/>
+          <a:p>
+            <a:pPr algn="ctr"/>
+            <a:endParaRPr lang="en-US"/>
+          </a:p>
+        </p:txBody>
+      </p:sp>
+    </p:spTree>
+    <p:extLst>
+      <p:ext uri="{BB962C8B-B14F-4D97-AF65-F5344CB8AC3E}">
+        <p14:creationId xmlns:p14="http://schemas.microsoft.com/office/powerpoint/2010/main" val="3912389721"/>
+      </p:ext>
+    </p:extLst>
+  </p:cSld>
+  <p:clrMapOvr>
+    <a:masterClrMapping/>
+  </p:clrMapOvr>
+</p:sld>
+</file>
+
+<file path=ppt/slides/slide18.xml><?xml version="1.0" encoding="utf-8"?>
+<p:sld xmlns:a="http://schemas.openxmlformats.org/drawingml/2006/main" xmlns:r="http://schemas.openxmlformats.org/officeDocument/2006/relationships" xmlns:p="http://schemas.openxmlformats.org/presentationml/2006/main">
+  <p:cSld>
+    <p:bg>
+      <p:bgPr>
+        <a:solidFill>
+          <a:schemeClr val="tx1"/>
+        </a:solidFill>
+        <a:effectLst/>
+      </p:bgPr>
+    </p:bg>
+    <p:spTree>
+      <p:nvGrpSpPr>
+        <p:cNvPr id="1" name=""/>
+        <p:cNvGrpSpPr/>
+        <p:nvPr/>
+      </p:nvGrpSpPr>
+      <p:grpSpPr>
+        <a:xfrm>
+          <a:off x="0" y="0"/>
+          <a:ext cx="0" cy="0"/>
+          <a:chOff x="0" y="0"/>
+          <a:chExt cx="0" cy="0"/>
+        </a:xfrm>
+      </p:grpSpPr>
+      <p:sp>
+        <p:nvSpPr>
+          <p:cNvPr id="2" name="Flowchart: Delay 1">
+            <a:extLst>
+              <a:ext uri="{FF2B5EF4-FFF2-40B4-BE49-F238E27FC236}">
+                <a16:creationId xmlns:a16="http://schemas.microsoft.com/office/drawing/2014/main" id="{04680D5E-419A-4434-B508-651461A71B8B}"/>
+              </a:ext>
+            </a:extLst>
+          </p:cNvPr>
+          <p:cNvSpPr/>
+          <p:nvPr/>
+        </p:nvSpPr>
+        <p:spPr>
+          <a:xfrm>
+            <a:off x="3127094" y="1760317"/>
+            <a:ext cx="2889812" cy="3337367"/>
+          </a:xfrm>
+          <a:prstGeom prst="flowChartDelay">
+            <a:avLst/>
+          </a:prstGeom>
+          <a:solidFill>
+            <a:schemeClr val="accent1">
+              <a:lumMod val="60000"/>
+              <a:lumOff val="40000"/>
+            </a:schemeClr>
+          </a:solidFill>
+        </p:spPr>
+        <p:style>
+          <a:lnRef idx="2">
+            <a:schemeClr val="accent1">
+              <a:shade val="50000"/>
+            </a:schemeClr>
+          </a:lnRef>
+          <a:fillRef idx="1">
+            <a:schemeClr val="accent1"/>
+          </a:fillRef>
+          <a:effectRef idx="0">
+            <a:schemeClr val="accent1"/>
+          </a:effectRef>
+          <a:fontRef idx="minor">
+            <a:schemeClr val="lt1"/>
+          </a:fontRef>
+        </p:style>
+        <p:txBody>
+          <a:bodyPr rtlCol="0" anchor="ctr"/>
+          <a:lstStyle/>
+          <a:p>
+            <a:pPr algn="ctr"/>
+            <a:endParaRPr lang="en-US"/>
+          </a:p>
+        </p:txBody>
+      </p:sp>
+    </p:spTree>
+    <p:extLst>
+      <p:ext uri="{BB962C8B-B14F-4D97-AF65-F5344CB8AC3E}">
+        <p14:creationId xmlns:p14="http://schemas.microsoft.com/office/powerpoint/2010/main" val="1998003000"/>
+      </p:ext>
+    </p:extLst>
+  </p:cSld>
+  <p:clrMapOvr>
+    <a:masterClrMapping/>
+  </p:clrMapOvr>
+</p:sld>
+</file>
+
+<file path=ppt/slides/slide19.xml><?xml version="1.0" encoding="utf-8"?>
+<p:sld xmlns:a="http://schemas.openxmlformats.org/drawingml/2006/main" xmlns:r="http://schemas.openxmlformats.org/officeDocument/2006/relationships" xmlns:p="http://schemas.openxmlformats.org/presentationml/2006/main">
+  <p:cSld>
+    <p:bg>
+      <p:bgPr>
+        <a:solidFill>
+          <a:schemeClr val="tx1"/>
+        </a:solidFill>
+        <a:effectLst/>
+      </p:bgPr>
+    </p:bg>
+    <p:spTree>
+      <p:nvGrpSpPr>
+        <p:cNvPr id="1" name=""/>
+        <p:cNvGrpSpPr/>
+        <p:nvPr/>
+      </p:nvGrpSpPr>
+      <p:grpSpPr>
+        <a:xfrm>
+          <a:off x="0" y="0"/>
+          <a:ext cx="0" cy="0"/>
+          <a:chOff x="0" y="0"/>
+          <a:chExt cx="0" cy="0"/>
+        </a:xfrm>
+      </p:grpSpPr>
+      <p:sp>
+        <p:nvSpPr>
+          <p:cNvPr id="2" name="Flowchart: Delay 1">
+            <a:extLst>
+              <a:ext uri="{FF2B5EF4-FFF2-40B4-BE49-F238E27FC236}">
+                <a16:creationId xmlns:a16="http://schemas.microsoft.com/office/drawing/2014/main" id="{04680D5E-419A-4434-B508-651461A71B8B}"/>
+              </a:ext>
+            </a:extLst>
+          </p:cNvPr>
+          <p:cNvSpPr/>
+          <p:nvPr/>
+        </p:nvSpPr>
+        <p:spPr>
+          <a:xfrm rot="10800000">
+            <a:off x="3127094" y="1760317"/>
+            <a:ext cx="2889812" cy="3337367"/>
+          </a:xfrm>
+          <a:prstGeom prst="flowChartDelay">
+            <a:avLst/>
+          </a:prstGeom>
+          <a:solidFill>
+            <a:srgbClr val="CE2652"/>
+          </a:solidFill>
+          <a:ln>
+            <a:noFill/>
+          </a:ln>
+        </p:spPr>
+        <p:style>
+          <a:lnRef idx="2">
+            <a:schemeClr val="accent1">
+              <a:shade val="50000"/>
+            </a:schemeClr>
+          </a:lnRef>
+          <a:fillRef idx="1">
+            <a:schemeClr val="accent1"/>
+          </a:fillRef>
+          <a:effectRef idx="0">
+            <a:schemeClr val="accent1"/>
+          </a:effectRef>
+          <a:fontRef idx="minor">
+            <a:schemeClr val="lt1"/>
+          </a:fontRef>
+        </p:style>
+        <p:txBody>
+          <a:bodyPr rtlCol="0" anchor="ctr"/>
+          <a:lstStyle/>
+          <a:p>
+            <a:pPr algn="ctr"/>
+            <a:endParaRPr lang="en-US"/>
+          </a:p>
+        </p:txBody>
+      </p:sp>
+    </p:spTree>
+    <p:extLst>
+      <p:ext uri="{BB962C8B-B14F-4D97-AF65-F5344CB8AC3E}">
+        <p14:creationId xmlns:p14="http://schemas.microsoft.com/office/powerpoint/2010/main" val="2340149959"/>
       </p:ext>
     </p:extLst>
   </p:cSld>
@@ -3066,47 +4056,966 @@
       </p:grpSpPr>
       <p:sp>
         <p:nvSpPr>
-          <p:cNvPr id="2" name="TextBox 1">
+          <p:cNvPr id="2" name="Trapezoid 1">
             <a:extLst>
               <a:ext uri="{FF2B5EF4-FFF2-40B4-BE49-F238E27FC236}">
-                <a16:creationId xmlns:a16="http://schemas.microsoft.com/office/drawing/2014/main" id="{C9FF5DBF-5293-4990-9257-375ECC42B401}"/>
+                <a16:creationId xmlns:a16="http://schemas.microsoft.com/office/drawing/2014/main" id="{0FCF5DDC-75B2-4601-9B69-C5C9703AA188}"/>
               </a:ext>
             </a:extLst>
           </p:cNvPr>
-          <p:cNvSpPr txBox="1"/>
+          <p:cNvSpPr/>
           <p:nvPr/>
         </p:nvSpPr>
         <p:spPr>
           <a:xfrm>
-            <a:off x="415738" y="2274838"/>
-            <a:ext cx="8312524" cy="2308324"/>
+            <a:off x="2939970" y="2194367"/>
+            <a:ext cx="3302643" cy="2469266"/>
           </a:xfrm>
-          <a:prstGeom prst="rect">
+          <a:prstGeom prst="trapezoid">
             <a:avLst/>
           </a:prstGeom>
-          <a:noFill/>
+          <a:solidFill>
+            <a:srgbClr val="D3BBD9"/>
+          </a:solidFill>
         </p:spPr>
-        <p:txBody>
-          <a:bodyPr wrap="square" rtlCol="0">
-            <a:spAutoFit/>
-          </a:bodyPr>
-          <a:lstStyle/>
-          <a:p>
-            <a:r>
-              <a:rPr lang="en-US" sz="7200" dirty="0">
-                <a:solidFill>
-                  <a:schemeClr val="bg1"/>
-                </a:solidFill>
-              </a:rPr>
-              <a:t>How would you feel if you DON’T LOSE?</a:t>
-            </a:r>
+        <p:style>
+          <a:lnRef idx="2">
+            <a:schemeClr val="accent1">
+              <a:shade val="50000"/>
+            </a:schemeClr>
+          </a:lnRef>
+          <a:fillRef idx="1">
+            <a:schemeClr val="accent1"/>
+          </a:fillRef>
+          <a:effectRef idx="0">
+            <a:schemeClr val="accent1"/>
+          </a:effectRef>
+          <a:fontRef idx="minor">
+            <a:schemeClr val="lt1"/>
+          </a:fontRef>
+        </p:style>
+        <p:txBody>
+          <a:bodyPr rtlCol="0" anchor="ctr"/>
+          <a:lstStyle/>
+          <a:p>
+            <a:pPr algn="ctr"/>
+            <a:endParaRPr lang="en-US"/>
           </a:p>
         </p:txBody>
       </p:sp>
     </p:spTree>
     <p:extLst>
       <p:ext uri="{BB962C8B-B14F-4D97-AF65-F5344CB8AC3E}">
-        <p14:creationId xmlns:p14="http://schemas.microsoft.com/office/powerpoint/2010/main" val="4228550559"/>
+        <p14:creationId xmlns:p14="http://schemas.microsoft.com/office/powerpoint/2010/main" val="2420054554"/>
+      </p:ext>
+    </p:extLst>
+  </p:cSld>
+  <p:clrMapOvr>
+    <a:masterClrMapping/>
+  </p:clrMapOvr>
+</p:sld>
+</file>
+
+<file path=ppt/slides/slide20.xml><?xml version="1.0" encoding="utf-8"?>
+<p:sld xmlns:a="http://schemas.openxmlformats.org/drawingml/2006/main" xmlns:r="http://schemas.openxmlformats.org/officeDocument/2006/relationships" xmlns:p="http://schemas.openxmlformats.org/presentationml/2006/main">
+  <p:cSld>
+    <p:bg>
+      <p:bgPr>
+        <a:solidFill>
+          <a:schemeClr val="tx1"/>
+        </a:solidFill>
+        <a:effectLst/>
+      </p:bgPr>
+    </p:bg>
+    <p:spTree>
+      <p:nvGrpSpPr>
+        <p:cNvPr id="1" name=""/>
+        <p:cNvGrpSpPr/>
+        <p:nvPr/>
+      </p:nvGrpSpPr>
+      <p:grpSpPr>
+        <a:xfrm>
+          <a:off x="0" y="0"/>
+          <a:ext cx="0" cy="0"/>
+          <a:chOff x="0" y="0"/>
+          <a:chExt cx="0" cy="0"/>
+        </a:xfrm>
+      </p:grpSpPr>
+      <p:sp>
+        <p:nvSpPr>
+          <p:cNvPr id="2" name="Flowchart: Delay 1">
+            <a:extLst>
+              <a:ext uri="{FF2B5EF4-FFF2-40B4-BE49-F238E27FC236}">
+                <a16:creationId xmlns:a16="http://schemas.microsoft.com/office/drawing/2014/main" id="{04680D5E-419A-4434-B508-651461A71B8B}"/>
+              </a:ext>
+            </a:extLst>
+          </p:cNvPr>
+          <p:cNvSpPr/>
+          <p:nvPr/>
+        </p:nvSpPr>
+        <p:spPr>
+          <a:xfrm rot="10800000">
+            <a:off x="3127094" y="1760317"/>
+            <a:ext cx="2889812" cy="3337367"/>
+          </a:xfrm>
+          <a:prstGeom prst="flowChartDelay">
+            <a:avLst/>
+          </a:prstGeom>
+          <a:solidFill>
+            <a:srgbClr val="A07B44"/>
+          </a:solidFill>
+          <a:ln>
+            <a:noFill/>
+          </a:ln>
+        </p:spPr>
+        <p:style>
+          <a:lnRef idx="2">
+            <a:schemeClr val="accent1">
+              <a:shade val="50000"/>
+            </a:schemeClr>
+          </a:lnRef>
+          <a:fillRef idx="1">
+            <a:schemeClr val="accent1"/>
+          </a:fillRef>
+          <a:effectRef idx="0">
+            <a:schemeClr val="accent1"/>
+          </a:effectRef>
+          <a:fontRef idx="minor">
+            <a:schemeClr val="lt1"/>
+          </a:fontRef>
+        </p:style>
+        <p:txBody>
+          <a:bodyPr rtlCol="0" anchor="ctr"/>
+          <a:lstStyle/>
+          <a:p>
+            <a:pPr algn="ctr"/>
+            <a:endParaRPr lang="en-US"/>
+          </a:p>
+        </p:txBody>
+      </p:sp>
+    </p:spTree>
+    <p:extLst>
+      <p:ext uri="{BB962C8B-B14F-4D97-AF65-F5344CB8AC3E}">
+        <p14:creationId xmlns:p14="http://schemas.microsoft.com/office/powerpoint/2010/main" val="4152236354"/>
+      </p:ext>
+    </p:extLst>
+  </p:cSld>
+  <p:clrMapOvr>
+    <a:masterClrMapping/>
+  </p:clrMapOvr>
+</p:sld>
+</file>
+
+<file path=ppt/slides/slide21.xml><?xml version="1.0" encoding="utf-8"?>
+<p:sld xmlns:a="http://schemas.openxmlformats.org/drawingml/2006/main" xmlns:r="http://schemas.openxmlformats.org/officeDocument/2006/relationships" xmlns:p="http://schemas.openxmlformats.org/presentationml/2006/main">
+  <p:cSld>
+    <p:bg>
+      <p:bgPr>
+        <a:solidFill>
+          <a:schemeClr val="tx1"/>
+        </a:solidFill>
+        <a:effectLst/>
+      </p:bgPr>
+    </p:bg>
+    <p:spTree>
+      <p:nvGrpSpPr>
+        <p:cNvPr id="1" name=""/>
+        <p:cNvGrpSpPr/>
+        <p:nvPr/>
+      </p:nvGrpSpPr>
+      <p:grpSpPr>
+        <a:xfrm>
+          <a:off x="0" y="0"/>
+          <a:ext cx="0" cy="0"/>
+          <a:chOff x="0" y="0"/>
+          <a:chExt cx="0" cy="0"/>
+        </a:xfrm>
+      </p:grpSpPr>
+      <p:sp>
+        <p:nvSpPr>
+          <p:cNvPr id="2" name="Flowchart: Delay 1">
+            <a:extLst>
+              <a:ext uri="{FF2B5EF4-FFF2-40B4-BE49-F238E27FC236}">
+                <a16:creationId xmlns:a16="http://schemas.microsoft.com/office/drawing/2014/main" id="{04680D5E-419A-4434-B508-651461A71B8B}"/>
+              </a:ext>
+            </a:extLst>
+          </p:cNvPr>
+          <p:cNvSpPr/>
+          <p:nvPr/>
+        </p:nvSpPr>
+        <p:spPr>
+          <a:xfrm rot="10800000">
+            <a:off x="3127094" y="1760317"/>
+            <a:ext cx="2889812" cy="3337367"/>
+          </a:xfrm>
+          <a:prstGeom prst="flowChartDelay">
+            <a:avLst/>
+          </a:prstGeom>
+          <a:solidFill>
+            <a:schemeClr val="accent6">
+              <a:lumMod val="75000"/>
+            </a:schemeClr>
+          </a:solidFill>
+          <a:ln>
+            <a:noFill/>
+          </a:ln>
+        </p:spPr>
+        <p:style>
+          <a:lnRef idx="2">
+            <a:schemeClr val="accent1">
+              <a:shade val="50000"/>
+            </a:schemeClr>
+          </a:lnRef>
+          <a:fillRef idx="1">
+            <a:schemeClr val="accent1"/>
+          </a:fillRef>
+          <a:effectRef idx="0">
+            <a:schemeClr val="accent1"/>
+          </a:effectRef>
+          <a:fontRef idx="minor">
+            <a:schemeClr val="lt1"/>
+          </a:fontRef>
+        </p:style>
+        <p:txBody>
+          <a:bodyPr rtlCol="0" anchor="ctr"/>
+          <a:lstStyle/>
+          <a:p>
+            <a:pPr algn="ctr"/>
+            <a:endParaRPr lang="en-US"/>
+          </a:p>
+        </p:txBody>
+      </p:sp>
+    </p:spTree>
+    <p:extLst>
+      <p:ext uri="{BB962C8B-B14F-4D97-AF65-F5344CB8AC3E}">
+        <p14:creationId xmlns:p14="http://schemas.microsoft.com/office/powerpoint/2010/main" val="2561247626"/>
+      </p:ext>
+    </p:extLst>
+  </p:cSld>
+  <p:clrMapOvr>
+    <a:masterClrMapping/>
+  </p:clrMapOvr>
+</p:sld>
+</file>
+
+<file path=ppt/slides/slide22.xml><?xml version="1.0" encoding="utf-8"?>
+<p:sld xmlns:a="http://schemas.openxmlformats.org/drawingml/2006/main" xmlns:r="http://schemas.openxmlformats.org/officeDocument/2006/relationships" xmlns:p="http://schemas.openxmlformats.org/presentationml/2006/main">
+  <p:cSld>
+    <p:bg>
+      <p:bgPr>
+        <a:solidFill>
+          <a:schemeClr val="tx1"/>
+        </a:solidFill>
+        <a:effectLst/>
+      </p:bgPr>
+    </p:bg>
+    <p:spTree>
+      <p:nvGrpSpPr>
+        <p:cNvPr id="1" name=""/>
+        <p:cNvGrpSpPr/>
+        <p:nvPr/>
+      </p:nvGrpSpPr>
+      <p:grpSpPr>
+        <a:xfrm>
+          <a:off x="0" y="0"/>
+          <a:ext cx="0" cy="0"/>
+          <a:chOff x="0" y="0"/>
+          <a:chExt cx="0" cy="0"/>
+        </a:xfrm>
+      </p:grpSpPr>
+      <p:sp>
+        <p:nvSpPr>
+          <p:cNvPr id="4" name="Right Triangle 3">
+            <a:extLst>
+              <a:ext uri="{FF2B5EF4-FFF2-40B4-BE49-F238E27FC236}">
+                <a16:creationId xmlns:a16="http://schemas.microsoft.com/office/drawing/2014/main" id="{B2DA9C65-8238-4DE6-B92F-72973B43DB63}"/>
+              </a:ext>
+            </a:extLst>
+          </p:cNvPr>
+          <p:cNvSpPr/>
+          <p:nvPr/>
+        </p:nvSpPr>
+        <p:spPr>
+          <a:xfrm rot="16200000">
+            <a:off x="2805953" y="1640541"/>
+            <a:ext cx="3532094" cy="3299012"/>
+          </a:xfrm>
+          <a:prstGeom prst="rtTriangle">
+            <a:avLst/>
+          </a:prstGeom>
+          <a:solidFill>
+            <a:srgbClr val="CE2652"/>
+          </a:solidFill>
+          <a:ln>
+            <a:solidFill>
+              <a:srgbClr val="CE2652"/>
+            </a:solidFill>
+          </a:ln>
+        </p:spPr>
+        <p:style>
+          <a:lnRef idx="2">
+            <a:schemeClr val="accent6">
+              <a:shade val="50000"/>
+            </a:schemeClr>
+          </a:lnRef>
+          <a:fillRef idx="1">
+            <a:schemeClr val="accent6"/>
+          </a:fillRef>
+          <a:effectRef idx="0">
+            <a:schemeClr val="accent6"/>
+          </a:effectRef>
+          <a:fontRef idx="minor">
+            <a:schemeClr val="lt1"/>
+          </a:fontRef>
+        </p:style>
+        <p:txBody>
+          <a:bodyPr rtlCol="0" anchor="ctr"/>
+          <a:lstStyle/>
+          <a:p>
+            <a:pPr algn="ctr"/>
+            <a:endParaRPr lang="en-US" dirty="0"/>
+          </a:p>
+        </p:txBody>
+      </p:sp>
+    </p:spTree>
+    <p:extLst>
+      <p:ext uri="{BB962C8B-B14F-4D97-AF65-F5344CB8AC3E}">
+        <p14:creationId xmlns:p14="http://schemas.microsoft.com/office/powerpoint/2010/main" val="1247874092"/>
+      </p:ext>
+    </p:extLst>
+  </p:cSld>
+  <p:clrMapOvr>
+    <a:masterClrMapping/>
+  </p:clrMapOvr>
+</p:sld>
+</file>
+
+<file path=ppt/slides/slide23.xml><?xml version="1.0" encoding="utf-8"?>
+<p:sld xmlns:a="http://schemas.openxmlformats.org/drawingml/2006/main" xmlns:r="http://schemas.openxmlformats.org/officeDocument/2006/relationships" xmlns:p="http://schemas.openxmlformats.org/presentationml/2006/main">
+  <p:cSld>
+    <p:bg>
+      <p:bgPr>
+        <a:solidFill>
+          <a:schemeClr val="tx1"/>
+        </a:solidFill>
+        <a:effectLst/>
+      </p:bgPr>
+    </p:bg>
+    <p:spTree>
+      <p:nvGrpSpPr>
+        <p:cNvPr id="1" name=""/>
+        <p:cNvGrpSpPr/>
+        <p:nvPr/>
+      </p:nvGrpSpPr>
+      <p:grpSpPr>
+        <a:xfrm>
+          <a:off x="0" y="0"/>
+          <a:ext cx="0" cy="0"/>
+          <a:chOff x="0" y="0"/>
+          <a:chExt cx="0" cy="0"/>
+        </a:xfrm>
+      </p:grpSpPr>
+      <p:sp>
+        <p:nvSpPr>
+          <p:cNvPr id="4" name="Right Triangle 3">
+            <a:extLst>
+              <a:ext uri="{FF2B5EF4-FFF2-40B4-BE49-F238E27FC236}">
+                <a16:creationId xmlns:a16="http://schemas.microsoft.com/office/drawing/2014/main" id="{B2DA9C65-8238-4DE6-B92F-72973B43DB63}"/>
+              </a:ext>
+            </a:extLst>
+          </p:cNvPr>
+          <p:cNvSpPr/>
+          <p:nvPr/>
+        </p:nvSpPr>
+        <p:spPr>
+          <a:xfrm rot="10800000">
+            <a:off x="2805953" y="1640541"/>
+            <a:ext cx="3532094" cy="3299012"/>
+          </a:xfrm>
+          <a:prstGeom prst="rtTriangle">
+            <a:avLst/>
+          </a:prstGeom>
+          <a:solidFill>
+            <a:schemeClr val="accent3">
+              <a:lumMod val="60000"/>
+              <a:lumOff val="40000"/>
+            </a:schemeClr>
+          </a:solidFill>
+          <a:ln>
+            <a:noFill/>
+          </a:ln>
+        </p:spPr>
+        <p:style>
+          <a:lnRef idx="2">
+            <a:schemeClr val="accent6">
+              <a:shade val="50000"/>
+            </a:schemeClr>
+          </a:lnRef>
+          <a:fillRef idx="1">
+            <a:schemeClr val="accent6"/>
+          </a:fillRef>
+          <a:effectRef idx="0">
+            <a:schemeClr val="accent6"/>
+          </a:effectRef>
+          <a:fontRef idx="minor">
+            <a:schemeClr val="lt1"/>
+          </a:fontRef>
+        </p:style>
+        <p:txBody>
+          <a:bodyPr rtlCol="0" anchor="ctr"/>
+          <a:lstStyle/>
+          <a:p>
+            <a:pPr algn="ctr"/>
+            <a:endParaRPr lang="en-US" dirty="0"/>
+          </a:p>
+        </p:txBody>
+      </p:sp>
+    </p:spTree>
+    <p:extLst>
+      <p:ext uri="{BB962C8B-B14F-4D97-AF65-F5344CB8AC3E}">
+        <p14:creationId xmlns:p14="http://schemas.microsoft.com/office/powerpoint/2010/main" val="1845828288"/>
+      </p:ext>
+    </p:extLst>
+  </p:cSld>
+  <p:clrMapOvr>
+    <a:masterClrMapping/>
+  </p:clrMapOvr>
+</p:sld>
+</file>
+
+<file path=ppt/slides/slide24.xml><?xml version="1.0" encoding="utf-8"?>
+<p:sld xmlns:a="http://schemas.openxmlformats.org/drawingml/2006/main" xmlns:r="http://schemas.openxmlformats.org/officeDocument/2006/relationships" xmlns:p="http://schemas.openxmlformats.org/presentationml/2006/main">
+  <p:cSld>
+    <p:bg>
+      <p:bgPr>
+        <a:solidFill>
+          <a:schemeClr val="tx1"/>
+        </a:solidFill>
+        <a:effectLst/>
+      </p:bgPr>
+    </p:bg>
+    <p:spTree>
+      <p:nvGrpSpPr>
+        <p:cNvPr id="1" name=""/>
+        <p:cNvGrpSpPr/>
+        <p:nvPr/>
+      </p:nvGrpSpPr>
+      <p:grpSpPr>
+        <a:xfrm>
+          <a:off x="0" y="0"/>
+          <a:ext cx="0" cy="0"/>
+          <a:chOff x="0" y="0"/>
+          <a:chExt cx="0" cy="0"/>
+        </a:xfrm>
+      </p:grpSpPr>
+      <p:sp>
+        <p:nvSpPr>
+          <p:cNvPr id="4" name="Right Triangle 3">
+            <a:extLst>
+              <a:ext uri="{FF2B5EF4-FFF2-40B4-BE49-F238E27FC236}">
+                <a16:creationId xmlns:a16="http://schemas.microsoft.com/office/drawing/2014/main" id="{B2DA9C65-8238-4DE6-B92F-72973B43DB63}"/>
+              </a:ext>
+            </a:extLst>
+          </p:cNvPr>
+          <p:cNvSpPr/>
+          <p:nvPr/>
+        </p:nvSpPr>
+        <p:spPr>
+          <a:xfrm rot="5400000">
+            <a:off x="2805953" y="1640541"/>
+            <a:ext cx="3532094" cy="3299012"/>
+          </a:xfrm>
+          <a:prstGeom prst="rtTriangle">
+            <a:avLst/>
+          </a:prstGeom>
+          <a:solidFill>
+            <a:srgbClr val="9FF1F3"/>
+          </a:solidFill>
+          <a:ln>
+            <a:noFill/>
+          </a:ln>
+        </p:spPr>
+        <p:style>
+          <a:lnRef idx="2">
+            <a:schemeClr val="accent6">
+              <a:shade val="50000"/>
+            </a:schemeClr>
+          </a:lnRef>
+          <a:fillRef idx="1">
+            <a:schemeClr val="accent6"/>
+          </a:fillRef>
+          <a:effectRef idx="0">
+            <a:schemeClr val="accent6"/>
+          </a:effectRef>
+          <a:fontRef idx="minor">
+            <a:schemeClr val="lt1"/>
+          </a:fontRef>
+        </p:style>
+        <p:txBody>
+          <a:bodyPr rtlCol="0" anchor="ctr"/>
+          <a:lstStyle/>
+          <a:p>
+            <a:pPr algn="ctr"/>
+            <a:endParaRPr lang="en-US" dirty="0"/>
+          </a:p>
+        </p:txBody>
+      </p:sp>
+    </p:spTree>
+    <p:extLst>
+      <p:ext uri="{BB962C8B-B14F-4D97-AF65-F5344CB8AC3E}">
+        <p14:creationId xmlns:p14="http://schemas.microsoft.com/office/powerpoint/2010/main" val="2267064238"/>
+      </p:ext>
+    </p:extLst>
+  </p:cSld>
+  <p:clrMapOvr>
+    <a:masterClrMapping/>
+  </p:clrMapOvr>
+</p:sld>
+</file>
+
+<file path=ppt/slides/slide25.xml><?xml version="1.0" encoding="utf-8"?>
+<p:sld xmlns:a="http://schemas.openxmlformats.org/drawingml/2006/main" xmlns:r="http://schemas.openxmlformats.org/officeDocument/2006/relationships" xmlns:p="http://schemas.openxmlformats.org/presentationml/2006/main">
+  <p:cSld>
+    <p:bg>
+      <p:bgPr>
+        <a:solidFill>
+          <a:schemeClr val="tx1"/>
+        </a:solidFill>
+        <a:effectLst/>
+      </p:bgPr>
+    </p:bg>
+    <p:spTree>
+      <p:nvGrpSpPr>
+        <p:cNvPr id="1" name=""/>
+        <p:cNvGrpSpPr/>
+        <p:nvPr/>
+      </p:nvGrpSpPr>
+      <p:grpSpPr>
+        <a:xfrm>
+          <a:off x="0" y="0"/>
+          <a:ext cx="0" cy="0"/>
+          <a:chOff x="0" y="0"/>
+          <a:chExt cx="0" cy="0"/>
+        </a:xfrm>
+      </p:grpSpPr>
+      <p:sp>
+        <p:nvSpPr>
+          <p:cNvPr id="4" name="Right Triangle 3">
+            <a:extLst>
+              <a:ext uri="{FF2B5EF4-FFF2-40B4-BE49-F238E27FC236}">
+                <a16:creationId xmlns:a16="http://schemas.microsoft.com/office/drawing/2014/main" id="{B2DA9C65-8238-4DE6-B92F-72973B43DB63}"/>
+              </a:ext>
+            </a:extLst>
+          </p:cNvPr>
+          <p:cNvSpPr/>
+          <p:nvPr/>
+        </p:nvSpPr>
+        <p:spPr>
+          <a:xfrm rot="8250435">
+            <a:off x="2805953" y="1640541"/>
+            <a:ext cx="3532094" cy="3299012"/>
+          </a:xfrm>
+          <a:prstGeom prst="rtTriangle">
+            <a:avLst/>
+          </a:prstGeom>
+          <a:solidFill>
+            <a:srgbClr val="F1D503"/>
+          </a:solidFill>
+        </p:spPr>
+        <p:style>
+          <a:lnRef idx="2">
+            <a:schemeClr val="accent6">
+              <a:shade val="50000"/>
+            </a:schemeClr>
+          </a:lnRef>
+          <a:fillRef idx="1">
+            <a:schemeClr val="accent6"/>
+          </a:fillRef>
+          <a:effectRef idx="0">
+            <a:schemeClr val="accent6"/>
+          </a:effectRef>
+          <a:fontRef idx="minor">
+            <a:schemeClr val="lt1"/>
+          </a:fontRef>
+        </p:style>
+        <p:txBody>
+          <a:bodyPr rtlCol="0" anchor="ctr"/>
+          <a:lstStyle/>
+          <a:p>
+            <a:pPr algn="ctr"/>
+            <a:endParaRPr lang="en-US" dirty="0"/>
+          </a:p>
+        </p:txBody>
+      </p:sp>
+    </p:spTree>
+    <p:extLst>
+      <p:ext uri="{BB962C8B-B14F-4D97-AF65-F5344CB8AC3E}">
+        <p14:creationId xmlns:p14="http://schemas.microsoft.com/office/powerpoint/2010/main" val="4220053391"/>
+      </p:ext>
+    </p:extLst>
+  </p:cSld>
+  <p:clrMapOvr>
+    <a:masterClrMapping/>
+  </p:clrMapOvr>
+</p:sld>
+</file>
+
+<file path=ppt/slides/slide26.xml><?xml version="1.0" encoding="utf-8"?>
+<p:sld xmlns:a="http://schemas.openxmlformats.org/drawingml/2006/main" xmlns:r="http://schemas.openxmlformats.org/officeDocument/2006/relationships" xmlns:p="http://schemas.openxmlformats.org/presentationml/2006/main">
+  <p:cSld>
+    <p:bg>
+      <p:bgPr>
+        <a:solidFill>
+          <a:schemeClr val="tx1"/>
+        </a:solidFill>
+        <a:effectLst/>
+      </p:bgPr>
+    </p:bg>
+    <p:spTree>
+      <p:nvGrpSpPr>
+        <p:cNvPr id="1" name=""/>
+        <p:cNvGrpSpPr/>
+        <p:nvPr/>
+      </p:nvGrpSpPr>
+      <p:grpSpPr>
+        <a:xfrm>
+          <a:off x="0" y="0"/>
+          <a:ext cx="0" cy="0"/>
+          <a:chOff x="0" y="0"/>
+          <a:chExt cx="0" cy="0"/>
+        </a:xfrm>
+      </p:grpSpPr>
+      <p:sp>
+        <p:nvSpPr>
+          <p:cNvPr id="4" name="Right Triangle 3">
+            <a:extLst>
+              <a:ext uri="{FF2B5EF4-FFF2-40B4-BE49-F238E27FC236}">
+                <a16:creationId xmlns:a16="http://schemas.microsoft.com/office/drawing/2014/main" id="{B2DA9C65-8238-4DE6-B92F-72973B43DB63}"/>
+              </a:ext>
+            </a:extLst>
+          </p:cNvPr>
+          <p:cNvSpPr/>
+          <p:nvPr/>
+        </p:nvSpPr>
+        <p:spPr>
+          <a:xfrm rot="2726960">
+            <a:off x="2805953" y="1640541"/>
+            <a:ext cx="3532094" cy="3299012"/>
+          </a:xfrm>
+          <a:prstGeom prst="rtTriangle">
+            <a:avLst/>
+          </a:prstGeom>
+          <a:solidFill>
+            <a:schemeClr val="accent2">
+              <a:lumMod val="40000"/>
+              <a:lumOff val="60000"/>
+            </a:schemeClr>
+          </a:solidFill>
+        </p:spPr>
+        <p:style>
+          <a:lnRef idx="2">
+            <a:schemeClr val="accent6">
+              <a:shade val="50000"/>
+            </a:schemeClr>
+          </a:lnRef>
+          <a:fillRef idx="1">
+            <a:schemeClr val="accent6"/>
+          </a:fillRef>
+          <a:effectRef idx="0">
+            <a:schemeClr val="accent6"/>
+          </a:effectRef>
+          <a:fontRef idx="minor">
+            <a:schemeClr val="lt1"/>
+          </a:fontRef>
+        </p:style>
+        <p:txBody>
+          <a:bodyPr rtlCol="0" anchor="ctr"/>
+          <a:lstStyle/>
+          <a:p>
+            <a:pPr algn="ctr"/>
+            <a:endParaRPr lang="en-US" dirty="0"/>
+          </a:p>
+        </p:txBody>
+      </p:sp>
+    </p:spTree>
+    <p:extLst>
+      <p:ext uri="{BB962C8B-B14F-4D97-AF65-F5344CB8AC3E}">
+        <p14:creationId xmlns:p14="http://schemas.microsoft.com/office/powerpoint/2010/main" val="465118011"/>
+      </p:ext>
+    </p:extLst>
+  </p:cSld>
+  <p:clrMapOvr>
+    <a:masterClrMapping/>
+  </p:clrMapOvr>
+</p:sld>
+</file>
+
+<file path=ppt/slides/slide27.xml><?xml version="1.0" encoding="utf-8"?>
+<p:sld xmlns:a="http://schemas.openxmlformats.org/drawingml/2006/main" xmlns:r="http://schemas.openxmlformats.org/officeDocument/2006/relationships" xmlns:p="http://schemas.openxmlformats.org/presentationml/2006/main">
+  <p:cSld>
+    <p:bg>
+      <p:bgPr>
+        <a:solidFill>
+          <a:schemeClr val="tx1"/>
+        </a:solidFill>
+        <a:effectLst/>
+      </p:bgPr>
+    </p:bg>
+    <p:spTree>
+      <p:nvGrpSpPr>
+        <p:cNvPr id="1" name=""/>
+        <p:cNvGrpSpPr/>
+        <p:nvPr/>
+      </p:nvGrpSpPr>
+      <p:grpSpPr>
+        <a:xfrm>
+          <a:off x="0" y="0"/>
+          <a:ext cx="0" cy="0"/>
+          <a:chOff x="0" y="0"/>
+          <a:chExt cx="0" cy="0"/>
+        </a:xfrm>
+      </p:grpSpPr>
+      <p:sp>
+        <p:nvSpPr>
+          <p:cNvPr id="4" name="Right Triangle 3">
+            <a:extLst>
+              <a:ext uri="{FF2B5EF4-FFF2-40B4-BE49-F238E27FC236}">
+                <a16:creationId xmlns:a16="http://schemas.microsoft.com/office/drawing/2014/main" id="{B2DA9C65-8238-4DE6-B92F-72973B43DB63}"/>
+              </a:ext>
+            </a:extLst>
+          </p:cNvPr>
+          <p:cNvSpPr/>
+          <p:nvPr/>
+        </p:nvSpPr>
+        <p:spPr>
+          <a:xfrm rot="19040060">
+            <a:off x="2805953" y="1640541"/>
+            <a:ext cx="3532094" cy="3299012"/>
+          </a:xfrm>
+          <a:prstGeom prst="rtTriangle">
+            <a:avLst/>
+          </a:prstGeom>
+          <a:solidFill>
+            <a:schemeClr val="accent2">
+              <a:lumMod val="75000"/>
+            </a:schemeClr>
+          </a:solidFill>
+          <a:ln>
+            <a:noFill/>
+          </a:ln>
+        </p:spPr>
+        <p:style>
+          <a:lnRef idx="2">
+            <a:schemeClr val="accent6">
+              <a:shade val="50000"/>
+            </a:schemeClr>
+          </a:lnRef>
+          <a:fillRef idx="1">
+            <a:schemeClr val="accent6"/>
+          </a:fillRef>
+          <a:effectRef idx="0">
+            <a:schemeClr val="accent6"/>
+          </a:effectRef>
+          <a:fontRef idx="minor">
+            <a:schemeClr val="lt1"/>
+          </a:fontRef>
+        </p:style>
+        <p:txBody>
+          <a:bodyPr rtlCol="0" anchor="ctr"/>
+          <a:lstStyle/>
+          <a:p>
+            <a:pPr algn="ctr"/>
+            <a:endParaRPr lang="en-US" dirty="0"/>
+          </a:p>
+        </p:txBody>
+      </p:sp>
+    </p:spTree>
+    <p:extLst>
+      <p:ext uri="{BB962C8B-B14F-4D97-AF65-F5344CB8AC3E}">
+        <p14:creationId xmlns:p14="http://schemas.microsoft.com/office/powerpoint/2010/main" val="17922153"/>
+      </p:ext>
+    </p:extLst>
+  </p:cSld>
+  <p:clrMapOvr>
+    <a:masterClrMapping/>
+  </p:clrMapOvr>
+</p:sld>
+</file>
+
+<file path=ppt/slides/slide28.xml><?xml version="1.0" encoding="utf-8"?>
+<p:sld xmlns:a="http://schemas.openxmlformats.org/drawingml/2006/main" xmlns:r="http://schemas.openxmlformats.org/officeDocument/2006/relationships" xmlns:p="http://schemas.openxmlformats.org/presentationml/2006/main">
+  <p:cSld>
+    <p:bg>
+      <p:bgPr>
+        <a:solidFill>
+          <a:schemeClr val="tx1"/>
+        </a:solidFill>
+        <a:effectLst/>
+      </p:bgPr>
+    </p:bg>
+    <p:spTree>
+      <p:nvGrpSpPr>
+        <p:cNvPr id="1" name=""/>
+        <p:cNvGrpSpPr/>
+        <p:nvPr/>
+      </p:nvGrpSpPr>
+      <p:grpSpPr>
+        <a:xfrm>
+          <a:off x="0" y="0"/>
+          <a:ext cx="0" cy="0"/>
+          <a:chOff x="0" y="0"/>
+          <a:chExt cx="0" cy="0"/>
+        </a:xfrm>
+      </p:grpSpPr>
+      <p:sp>
+        <p:nvSpPr>
+          <p:cNvPr id="4" name="Right Triangle 3">
+            <a:extLst>
+              <a:ext uri="{FF2B5EF4-FFF2-40B4-BE49-F238E27FC236}">
+                <a16:creationId xmlns:a16="http://schemas.microsoft.com/office/drawing/2014/main" id="{B2DA9C65-8238-4DE6-B92F-72973B43DB63}"/>
+              </a:ext>
+            </a:extLst>
+          </p:cNvPr>
+          <p:cNvSpPr/>
+          <p:nvPr/>
+        </p:nvSpPr>
+        <p:spPr>
+          <a:xfrm rot="13579350">
+            <a:off x="2805953" y="1640541"/>
+            <a:ext cx="3532094" cy="3299012"/>
+          </a:xfrm>
+          <a:prstGeom prst="rtTriangle">
+            <a:avLst/>
+          </a:prstGeom>
+          <a:solidFill>
+            <a:schemeClr val="accent6">
+              <a:lumMod val="60000"/>
+              <a:lumOff val="40000"/>
+            </a:schemeClr>
+          </a:solidFill>
+          <a:ln>
+            <a:noFill/>
+          </a:ln>
+        </p:spPr>
+        <p:style>
+          <a:lnRef idx="2">
+            <a:schemeClr val="accent6">
+              <a:shade val="50000"/>
+            </a:schemeClr>
+          </a:lnRef>
+          <a:fillRef idx="1">
+            <a:schemeClr val="accent6"/>
+          </a:fillRef>
+          <a:effectRef idx="0">
+            <a:schemeClr val="accent6"/>
+          </a:effectRef>
+          <a:fontRef idx="minor">
+            <a:schemeClr val="lt1"/>
+          </a:fontRef>
+        </p:style>
+        <p:txBody>
+          <a:bodyPr rtlCol="0" anchor="ctr"/>
+          <a:lstStyle/>
+          <a:p>
+            <a:pPr algn="ctr"/>
+            <a:endParaRPr lang="en-US" dirty="0"/>
+          </a:p>
+        </p:txBody>
+      </p:sp>
+    </p:spTree>
+    <p:extLst>
+      <p:ext uri="{BB962C8B-B14F-4D97-AF65-F5344CB8AC3E}">
+        <p14:creationId xmlns:p14="http://schemas.microsoft.com/office/powerpoint/2010/main" val="2584656404"/>
+      </p:ext>
+    </p:extLst>
+  </p:cSld>
+  <p:clrMapOvr>
+    <a:masterClrMapping/>
+  </p:clrMapOvr>
+</p:sld>
+</file>
+
+<file path=ppt/slides/slide29.xml><?xml version="1.0" encoding="utf-8"?>
+<p:sld xmlns:a="http://schemas.openxmlformats.org/drawingml/2006/main" xmlns:r="http://schemas.openxmlformats.org/officeDocument/2006/relationships" xmlns:p="http://schemas.openxmlformats.org/presentationml/2006/main">
+  <p:cSld>
+    <p:bg>
+      <p:bgPr>
+        <a:solidFill>
+          <a:schemeClr val="tx1"/>
+        </a:solidFill>
+        <a:effectLst/>
+      </p:bgPr>
+    </p:bg>
+    <p:spTree>
+      <p:nvGrpSpPr>
+        <p:cNvPr id="1" name=""/>
+        <p:cNvGrpSpPr/>
+        <p:nvPr/>
+      </p:nvGrpSpPr>
+      <p:grpSpPr>
+        <a:xfrm>
+          <a:off x="0" y="0"/>
+          <a:ext cx="0" cy="0"/>
+          <a:chOff x="0" y="0"/>
+          <a:chExt cx="0" cy="0"/>
+        </a:xfrm>
+      </p:grpSpPr>
+      <p:sp>
+        <p:nvSpPr>
+          <p:cNvPr id="4" name="Right Triangle 3">
+            <a:extLst>
+              <a:ext uri="{FF2B5EF4-FFF2-40B4-BE49-F238E27FC236}">
+                <a16:creationId xmlns:a16="http://schemas.microsoft.com/office/drawing/2014/main" id="{B2DA9C65-8238-4DE6-B92F-72973B43DB63}"/>
+              </a:ext>
+            </a:extLst>
+          </p:cNvPr>
+          <p:cNvSpPr/>
+          <p:nvPr/>
+        </p:nvSpPr>
+        <p:spPr>
+          <a:xfrm rot="5400000">
+            <a:off x="2805953" y="1640541"/>
+            <a:ext cx="3532094" cy="3299012"/>
+          </a:xfrm>
+          <a:prstGeom prst="rtTriangle">
+            <a:avLst/>
+          </a:prstGeom>
+          <a:solidFill>
+            <a:schemeClr val="accent1">
+              <a:lumMod val="60000"/>
+              <a:lumOff val="40000"/>
+            </a:schemeClr>
+          </a:solidFill>
+        </p:spPr>
+        <p:style>
+          <a:lnRef idx="2">
+            <a:schemeClr val="accent6">
+              <a:shade val="50000"/>
+            </a:schemeClr>
+          </a:lnRef>
+          <a:fillRef idx="1">
+            <a:schemeClr val="accent6"/>
+          </a:fillRef>
+          <a:effectRef idx="0">
+            <a:schemeClr val="accent6"/>
+          </a:effectRef>
+          <a:fontRef idx="minor">
+            <a:schemeClr val="lt1"/>
+          </a:fontRef>
+        </p:style>
+        <p:txBody>
+          <a:bodyPr rtlCol="0" anchor="ctr"/>
+          <a:lstStyle/>
+          <a:p>
+            <a:pPr algn="ctr"/>
+            <a:endParaRPr lang="en-US" dirty="0"/>
+          </a:p>
+        </p:txBody>
+      </p:sp>
+    </p:spTree>
+    <p:extLst>
+      <p:ext uri="{BB962C8B-B14F-4D97-AF65-F5344CB8AC3E}">
+        <p14:creationId xmlns:p14="http://schemas.microsoft.com/office/powerpoint/2010/main" val="2312072833"/>
       </p:ext>
     </p:extLst>
   </p:cSld>
@@ -3143,47 +5052,969 @@
       </p:grpSpPr>
       <p:sp>
         <p:nvSpPr>
-          <p:cNvPr id="2" name="TextBox 1">
+          <p:cNvPr id="2" name="Trapezoid 1">
             <a:extLst>
               <a:ext uri="{FF2B5EF4-FFF2-40B4-BE49-F238E27FC236}">
-                <a16:creationId xmlns:a16="http://schemas.microsoft.com/office/drawing/2014/main" id="{C9FF5DBF-5293-4990-9257-375ECC42B401}"/>
+                <a16:creationId xmlns:a16="http://schemas.microsoft.com/office/drawing/2014/main" id="{0FCF5DDC-75B2-4601-9B69-C5C9703AA188}"/>
               </a:ext>
             </a:extLst>
           </p:cNvPr>
-          <p:cNvSpPr txBox="1"/>
+          <p:cNvSpPr/>
           <p:nvPr/>
         </p:nvSpPr>
         <p:spPr>
           <a:xfrm>
-            <a:off x="415738" y="2274838"/>
-            <a:ext cx="8312524" cy="2308324"/>
+            <a:off x="2939970" y="2194367"/>
+            <a:ext cx="3302643" cy="2469266"/>
           </a:xfrm>
-          <a:prstGeom prst="rect">
+          <a:prstGeom prst="trapezoid">
             <a:avLst/>
           </a:prstGeom>
-          <a:noFill/>
+          <a:solidFill>
+            <a:schemeClr val="accent6">
+              <a:lumMod val="60000"/>
+              <a:lumOff val="40000"/>
+            </a:schemeClr>
+          </a:solidFill>
         </p:spPr>
-        <p:txBody>
-          <a:bodyPr wrap="square" rtlCol="0">
-            <a:spAutoFit/>
-          </a:bodyPr>
-          <a:lstStyle/>
-          <a:p>
-            <a:r>
-              <a:rPr lang="en-US" sz="7200" dirty="0">
-                <a:solidFill>
-                  <a:schemeClr val="bg1"/>
-                </a:solidFill>
-              </a:rPr>
-              <a:t>How would you feel if you LOSE?</a:t>
-            </a:r>
+        <p:style>
+          <a:lnRef idx="2">
+            <a:schemeClr val="accent1">
+              <a:shade val="50000"/>
+            </a:schemeClr>
+          </a:lnRef>
+          <a:fillRef idx="1">
+            <a:schemeClr val="accent1"/>
+          </a:fillRef>
+          <a:effectRef idx="0">
+            <a:schemeClr val="accent1"/>
+          </a:effectRef>
+          <a:fontRef idx="minor">
+            <a:schemeClr val="lt1"/>
+          </a:fontRef>
+        </p:style>
+        <p:txBody>
+          <a:bodyPr rtlCol="0" anchor="ctr"/>
+          <a:lstStyle/>
+          <a:p>
+            <a:pPr algn="ctr"/>
+            <a:endParaRPr lang="en-US"/>
           </a:p>
         </p:txBody>
       </p:sp>
     </p:spTree>
     <p:extLst>
       <p:ext uri="{BB962C8B-B14F-4D97-AF65-F5344CB8AC3E}">
-        <p14:creationId xmlns:p14="http://schemas.microsoft.com/office/powerpoint/2010/main" val="2209944064"/>
+        <p14:creationId xmlns:p14="http://schemas.microsoft.com/office/powerpoint/2010/main" val="1804075972"/>
+      </p:ext>
+    </p:extLst>
+  </p:cSld>
+  <p:clrMapOvr>
+    <a:masterClrMapping/>
+  </p:clrMapOvr>
+</p:sld>
+</file>
+
+<file path=ppt/slides/slide30.xml><?xml version="1.0" encoding="utf-8"?>
+<p:sld xmlns:a="http://schemas.openxmlformats.org/drawingml/2006/main" xmlns:r="http://schemas.openxmlformats.org/officeDocument/2006/relationships" xmlns:p="http://schemas.openxmlformats.org/presentationml/2006/main">
+  <p:cSld>
+    <p:bg>
+      <p:bgPr>
+        <a:solidFill>
+          <a:schemeClr val="tx1"/>
+        </a:solidFill>
+        <a:effectLst/>
+      </p:bgPr>
+    </p:bg>
+    <p:spTree>
+      <p:nvGrpSpPr>
+        <p:cNvPr id="1" name=""/>
+        <p:cNvGrpSpPr/>
+        <p:nvPr/>
+      </p:nvGrpSpPr>
+      <p:grpSpPr>
+        <a:xfrm>
+          <a:off x="0" y="0"/>
+          <a:ext cx="0" cy="0"/>
+          <a:chOff x="0" y="0"/>
+          <a:chExt cx="0" cy="0"/>
+        </a:xfrm>
+      </p:grpSpPr>
+      <p:sp>
+        <p:nvSpPr>
+          <p:cNvPr id="2" name="Trapezoid 1">
+            <a:extLst>
+              <a:ext uri="{FF2B5EF4-FFF2-40B4-BE49-F238E27FC236}">
+                <a16:creationId xmlns:a16="http://schemas.microsoft.com/office/drawing/2014/main" id="{0FCF5DDC-75B2-4601-9B69-C5C9703AA188}"/>
+              </a:ext>
+            </a:extLst>
+          </p:cNvPr>
+          <p:cNvSpPr/>
+          <p:nvPr/>
+        </p:nvSpPr>
+        <p:spPr>
+          <a:xfrm rot="5400000">
+            <a:off x="2920679" y="2470231"/>
+            <a:ext cx="3302643" cy="1660967"/>
+          </a:xfrm>
+          <a:prstGeom prst="trapezoid">
+            <a:avLst>
+              <a:gd name="adj" fmla="val 50552"/>
+            </a:avLst>
+          </a:prstGeom>
+          <a:solidFill>
+            <a:schemeClr val="accent2">
+              <a:lumMod val="40000"/>
+              <a:lumOff val="60000"/>
+            </a:schemeClr>
+          </a:solidFill>
+        </p:spPr>
+        <p:style>
+          <a:lnRef idx="2">
+            <a:schemeClr val="accent1">
+              <a:shade val="50000"/>
+            </a:schemeClr>
+          </a:lnRef>
+          <a:fillRef idx="1">
+            <a:schemeClr val="accent1"/>
+          </a:fillRef>
+          <a:effectRef idx="0">
+            <a:schemeClr val="accent1"/>
+          </a:effectRef>
+          <a:fontRef idx="minor">
+            <a:schemeClr val="lt1"/>
+          </a:fontRef>
+        </p:style>
+        <p:txBody>
+          <a:bodyPr rtlCol="0" anchor="ctr"/>
+          <a:lstStyle/>
+          <a:p>
+            <a:pPr algn="ctr"/>
+            <a:endParaRPr lang="en-US"/>
+          </a:p>
+        </p:txBody>
+      </p:sp>
+    </p:spTree>
+    <p:extLst>
+      <p:ext uri="{BB962C8B-B14F-4D97-AF65-F5344CB8AC3E}">
+        <p14:creationId xmlns:p14="http://schemas.microsoft.com/office/powerpoint/2010/main" val="3132705622"/>
+      </p:ext>
+    </p:extLst>
+  </p:cSld>
+  <p:clrMapOvr>
+    <a:masterClrMapping/>
+  </p:clrMapOvr>
+</p:sld>
+</file>
+
+<file path=ppt/slides/slide31.xml><?xml version="1.0" encoding="utf-8"?>
+<p:sld xmlns:a="http://schemas.openxmlformats.org/drawingml/2006/main" xmlns:r="http://schemas.openxmlformats.org/officeDocument/2006/relationships" xmlns:p="http://schemas.openxmlformats.org/presentationml/2006/main">
+  <p:cSld>
+    <p:bg>
+      <p:bgPr>
+        <a:solidFill>
+          <a:schemeClr val="tx1"/>
+        </a:solidFill>
+        <a:effectLst/>
+      </p:bgPr>
+    </p:bg>
+    <p:spTree>
+      <p:nvGrpSpPr>
+        <p:cNvPr id="1" name=""/>
+        <p:cNvGrpSpPr/>
+        <p:nvPr/>
+      </p:nvGrpSpPr>
+      <p:grpSpPr>
+        <a:xfrm>
+          <a:off x="0" y="0"/>
+          <a:ext cx="0" cy="0"/>
+          <a:chOff x="0" y="0"/>
+          <a:chExt cx="0" cy="0"/>
+        </a:xfrm>
+      </p:grpSpPr>
+      <p:sp>
+        <p:nvSpPr>
+          <p:cNvPr id="2" name="Trapezoid 1">
+            <a:extLst>
+              <a:ext uri="{FF2B5EF4-FFF2-40B4-BE49-F238E27FC236}">
+                <a16:creationId xmlns:a16="http://schemas.microsoft.com/office/drawing/2014/main" id="{0FCF5DDC-75B2-4601-9B69-C5C9703AA188}"/>
+              </a:ext>
+            </a:extLst>
+          </p:cNvPr>
+          <p:cNvSpPr/>
+          <p:nvPr/>
+        </p:nvSpPr>
+        <p:spPr>
+          <a:xfrm rot="16200000">
+            <a:off x="2920679" y="2470231"/>
+            <a:ext cx="3302643" cy="1660967"/>
+          </a:xfrm>
+          <a:prstGeom prst="trapezoid">
+            <a:avLst>
+              <a:gd name="adj" fmla="val 50552"/>
+            </a:avLst>
+          </a:prstGeom>
+          <a:solidFill>
+            <a:schemeClr val="accent5">
+              <a:lumMod val="75000"/>
+            </a:schemeClr>
+          </a:solidFill>
+        </p:spPr>
+        <p:style>
+          <a:lnRef idx="2">
+            <a:schemeClr val="accent1">
+              <a:shade val="50000"/>
+            </a:schemeClr>
+          </a:lnRef>
+          <a:fillRef idx="1">
+            <a:schemeClr val="accent1"/>
+          </a:fillRef>
+          <a:effectRef idx="0">
+            <a:schemeClr val="accent1"/>
+          </a:effectRef>
+          <a:fontRef idx="minor">
+            <a:schemeClr val="lt1"/>
+          </a:fontRef>
+        </p:style>
+        <p:txBody>
+          <a:bodyPr rtlCol="0" anchor="ctr"/>
+          <a:lstStyle/>
+          <a:p>
+            <a:pPr algn="ctr"/>
+            <a:endParaRPr lang="en-US"/>
+          </a:p>
+        </p:txBody>
+      </p:sp>
+    </p:spTree>
+    <p:extLst>
+      <p:ext uri="{BB962C8B-B14F-4D97-AF65-F5344CB8AC3E}">
+        <p14:creationId xmlns:p14="http://schemas.microsoft.com/office/powerpoint/2010/main" val="525189024"/>
+      </p:ext>
+    </p:extLst>
+  </p:cSld>
+  <p:clrMapOvr>
+    <a:masterClrMapping/>
+  </p:clrMapOvr>
+</p:sld>
+</file>
+
+<file path=ppt/slides/slide32.xml><?xml version="1.0" encoding="utf-8"?>
+<p:sld xmlns:a="http://schemas.openxmlformats.org/drawingml/2006/main" xmlns:r="http://schemas.openxmlformats.org/officeDocument/2006/relationships" xmlns:p="http://schemas.openxmlformats.org/presentationml/2006/main">
+  <p:cSld>
+    <p:bg>
+      <p:bgPr>
+        <a:solidFill>
+          <a:schemeClr val="tx1"/>
+        </a:solidFill>
+        <a:effectLst/>
+      </p:bgPr>
+    </p:bg>
+    <p:spTree>
+      <p:nvGrpSpPr>
+        <p:cNvPr id="1" name=""/>
+        <p:cNvGrpSpPr/>
+        <p:nvPr/>
+      </p:nvGrpSpPr>
+      <p:grpSpPr>
+        <a:xfrm>
+          <a:off x="0" y="0"/>
+          <a:ext cx="0" cy="0"/>
+          <a:chOff x="0" y="0"/>
+          <a:chExt cx="0" cy="0"/>
+        </a:xfrm>
+      </p:grpSpPr>
+      <p:sp>
+        <p:nvSpPr>
+          <p:cNvPr id="2" name="Trapezoid 1">
+            <a:extLst>
+              <a:ext uri="{FF2B5EF4-FFF2-40B4-BE49-F238E27FC236}">
+                <a16:creationId xmlns:a16="http://schemas.microsoft.com/office/drawing/2014/main" id="{0FCF5DDC-75B2-4601-9B69-C5C9703AA188}"/>
+              </a:ext>
+            </a:extLst>
+          </p:cNvPr>
+          <p:cNvSpPr/>
+          <p:nvPr/>
+        </p:nvSpPr>
+        <p:spPr>
+          <a:xfrm rot="10800000">
+            <a:off x="2920679" y="2470231"/>
+            <a:ext cx="3302643" cy="1660967"/>
+          </a:xfrm>
+          <a:prstGeom prst="trapezoid">
+            <a:avLst>
+              <a:gd name="adj" fmla="val 50552"/>
+            </a:avLst>
+          </a:prstGeom>
+          <a:solidFill>
+            <a:srgbClr val="A07B44"/>
+          </a:solidFill>
+          <a:ln>
+            <a:noFill/>
+          </a:ln>
+        </p:spPr>
+        <p:style>
+          <a:lnRef idx="2">
+            <a:schemeClr val="accent1">
+              <a:shade val="50000"/>
+            </a:schemeClr>
+          </a:lnRef>
+          <a:fillRef idx="1">
+            <a:schemeClr val="accent1"/>
+          </a:fillRef>
+          <a:effectRef idx="0">
+            <a:schemeClr val="accent1"/>
+          </a:effectRef>
+          <a:fontRef idx="minor">
+            <a:schemeClr val="lt1"/>
+          </a:fontRef>
+        </p:style>
+        <p:txBody>
+          <a:bodyPr rtlCol="0" anchor="ctr"/>
+          <a:lstStyle/>
+          <a:p>
+            <a:pPr algn="ctr"/>
+            <a:endParaRPr lang="en-US"/>
+          </a:p>
+        </p:txBody>
+      </p:sp>
+    </p:spTree>
+    <p:extLst>
+      <p:ext uri="{BB962C8B-B14F-4D97-AF65-F5344CB8AC3E}">
+        <p14:creationId xmlns:p14="http://schemas.microsoft.com/office/powerpoint/2010/main" val="2524904372"/>
+      </p:ext>
+    </p:extLst>
+  </p:cSld>
+  <p:clrMapOvr>
+    <a:masterClrMapping/>
+  </p:clrMapOvr>
+</p:sld>
+</file>
+
+<file path=ppt/slides/slide33.xml><?xml version="1.0" encoding="utf-8"?>
+<p:sld xmlns:a="http://schemas.openxmlformats.org/drawingml/2006/main" xmlns:r="http://schemas.openxmlformats.org/officeDocument/2006/relationships" xmlns:p="http://schemas.openxmlformats.org/presentationml/2006/main">
+  <p:cSld>
+    <p:bg>
+      <p:bgPr>
+        <a:solidFill>
+          <a:schemeClr val="tx1"/>
+        </a:solidFill>
+        <a:effectLst/>
+      </p:bgPr>
+    </p:bg>
+    <p:spTree>
+      <p:nvGrpSpPr>
+        <p:cNvPr id="1" name=""/>
+        <p:cNvGrpSpPr/>
+        <p:nvPr/>
+      </p:nvGrpSpPr>
+      <p:grpSpPr>
+        <a:xfrm>
+          <a:off x="0" y="0"/>
+          <a:ext cx="0" cy="0"/>
+          <a:chOff x="0" y="0"/>
+          <a:chExt cx="0" cy="0"/>
+        </a:xfrm>
+      </p:grpSpPr>
+      <p:sp>
+        <p:nvSpPr>
+          <p:cNvPr id="2" name="Oval 1">
+            <a:extLst>
+              <a:ext uri="{FF2B5EF4-FFF2-40B4-BE49-F238E27FC236}">
+                <a16:creationId xmlns:a16="http://schemas.microsoft.com/office/drawing/2014/main" id="{8B6F52A4-1844-4733-A263-2F7256197763}"/>
+              </a:ext>
+            </a:extLst>
+          </p:cNvPr>
+          <p:cNvSpPr/>
+          <p:nvPr/>
+        </p:nvSpPr>
+        <p:spPr>
+          <a:xfrm>
+            <a:off x="2918750" y="2164466"/>
+            <a:ext cx="3306501" cy="2222339"/>
+          </a:xfrm>
+          <a:prstGeom prst="ellipse">
+            <a:avLst/>
+          </a:prstGeom>
+          <a:solidFill>
+            <a:schemeClr val="accent2">
+              <a:lumMod val="75000"/>
+            </a:schemeClr>
+          </a:solidFill>
+        </p:spPr>
+        <p:style>
+          <a:lnRef idx="2">
+            <a:schemeClr val="accent1">
+              <a:shade val="50000"/>
+            </a:schemeClr>
+          </a:lnRef>
+          <a:fillRef idx="1">
+            <a:schemeClr val="accent1"/>
+          </a:fillRef>
+          <a:effectRef idx="0">
+            <a:schemeClr val="accent1"/>
+          </a:effectRef>
+          <a:fontRef idx="minor">
+            <a:schemeClr val="lt1"/>
+          </a:fontRef>
+        </p:style>
+        <p:txBody>
+          <a:bodyPr rtlCol="0" anchor="ctr"/>
+          <a:lstStyle/>
+          <a:p>
+            <a:pPr algn="ctr"/>
+            <a:endParaRPr lang="en-US"/>
+          </a:p>
+        </p:txBody>
+      </p:sp>
+    </p:spTree>
+    <p:extLst>
+      <p:ext uri="{BB962C8B-B14F-4D97-AF65-F5344CB8AC3E}">
+        <p14:creationId xmlns:p14="http://schemas.microsoft.com/office/powerpoint/2010/main" val="1245182907"/>
+      </p:ext>
+    </p:extLst>
+  </p:cSld>
+  <p:clrMapOvr>
+    <a:masterClrMapping/>
+  </p:clrMapOvr>
+</p:sld>
+</file>
+
+<file path=ppt/slides/slide34.xml><?xml version="1.0" encoding="utf-8"?>
+<p:sld xmlns:a="http://schemas.openxmlformats.org/drawingml/2006/main" xmlns:r="http://schemas.openxmlformats.org/officeDocument/2006/relationships" xmlns:p="http://schemas.openxmlformats.org/presentationml/2006/main">
+  <p:cSld>
+    <p:bg>
+      <p:bgPr>
+        <a:solidFill>
+          <a:schemeClr val="tx1"/>
+        </a:solidFill>
+        <a:effectLst/>
+      </p:bgPr>
+    </p:bg>
+    <p:spTree>
+      <p:nvGrpSpPr>
+        <p:cNvPr id="1" name=""/>
+        <p:cNvGrpSpPr/>
+        <p:nvPr/>
+      </p:nvGrpSpPr>
+      <p:grpSpPr>
+        <a:xfrm>
+          <a:off x="0" y="0"/>
+          <a:ext cx="0" cy="0"/>
+          <a:chOff x="0" y="0"/>
+          <a:chExt cx="0" cy="0"/>
+        </a:xfrm>
+      </p:grpSpPr>
+      <p:sp>
+        <p:nvSpPr>
+          <p:cNvPr id="2" name="Oval 1">
+            <a:extLst>
+              <a:ext uri="{FF2B5EF4-FFF2-40B4-BE49-F238E27FC236}">
+                <a16:creationId xmlns:a16="http://schemas.microsoft.com/office/drawing/2014/main" id="{8B6F52A4-1844-4733-A263-2F7256197763}"/>
+              </a:ext>
+            </a:extLst>
+          </p:cNvPr>
+          <p:cNvSpPr/>
+          <p:nvPr/>
+        </p:nvSpPr>
+        <p:spPr>
+          <a:xfrm>
+            <a:off x="2918750" y="2164466"/>
+            <a:ext cx="3306501" cy="2222339"/>
+          </a:xfrm>
+          <a:prstGeom prst="ellipse">
+            <a:avLst/>
+          </a:prstGeom>
+          <a:solidFill>
+            <a:schemeClr val="accent5">
+              <a:lumMod val="75000"/>
+            </a:schemeClr>
+          </a:solidFill>
+        </p:spPr>
+        <p:style>
+          <a:lnRef idx="2">
+            <a:schemeClr val="accent1">
+              <a:shade val="50000"/>
+            </a:schemeClr>
+          </a:lnRef>
+          <a:fillRef idx="1">
+            <a:schemeClr val="accent1"/>
+          </a:fillRef>
+          <a:effectRef idx="0">
+            <a:schemeClr val="accent1"/>
+          </a:effectRef>
+          <a:fontRef idx="minor">
+            <a:schemeClr val="lt1"/>
+          </a:fontRef>
+        </p:style>
+        <p:txBody>
+          <a:bodyPr rtlCol="0" anchor="ctr"/>
+          <a:lstStyle/>
+          <a:p>
+            <a:pPr algn="ctr"/>
+            <a:endParaRPr lang="en-US"/>
+          </a:p>
+        </p:txBody>
+      </p:sp>
+    </p:spTree>
+    <p:extLst>
+      <p:ext uri="{BB962C8B-B14F-4D97-AF65-F5344CB8AC3E}">
+        <p14:creationId xmlns:p14="http://schemas.microsoft.com/office/powerpoint/2010/main" val="2820433199"/>
+      </p:ext>
+    </p:extLst>
+  </p:cSld>
+  <p:clrMapOvr>
+    <a:masterClrMapping/>
+  </p:clrMapOvr>
+</p:sld>
+</file>
+
+<file path=ppt/slides/slide35.xml><?xml version="1.0" encoding="utf-8"?>
+<p:sld xmlns:a="http://schemas.openxmlformats.org/drawingml/2006/main" xmlns:r="http://schemas.openxmlformats.org/officeDocument/2006/relationships" xmlns:p="http://schemas.openxmlformats.org/presentationml/2006/main">
+  <p:cSld>
+    <p:bg>
+      <p:bgPr>
+        <a:solidFill>
+          <a:schemeClr val="tx1"/>
+        </a:solidFill>
+        <a:effectLst/>
+      </p:bgPr>
+    </p:bg>
+    <p:spTree>
+      <p:nvGrpSpPr>
+        <p:cNvPr id="1" name=""/>
+        <p:cNvGrpSpPr/>
+        <p:nvPr/>
+      </p:nvGrpSpPr>
+      <p:grpSpPr>
+        <a:xfrm>
+          <a:off x="0" y="0"/>
+          <a:ext cx="0" cy="0"/>
+          <a:chOff x="0" y="0"/>
+          <a:chExt cx="0" cy="0"/>
+        </a:xfrm>
+      </p:grpSpPr>
+      <p:sp>
+        <p:nvSpPr>
+          <p:cNvPr id="2" name="Oval 1">
+            <a:extLst>
+              <a:ext uri="{FF2B5EF4-FFF2-40B4-BE49-F238E27FC236}">
+                <a16:creationId xmlns:a16="http://schemas.microsoft.com/office/drawing/2014/main" id="{8B6F52A4-1844-4733-A263-2F7256197763}"/>
+              </a:ext>
+            </a:extLst>
+          </p:cNvPr>
+          <p:cNvSpPr/>
+          <p:nvPr/>
+        </p:nvSpPr>
+        <p:spPr>
+          <a:xfrm rot="5400000">
+            <a:off x="2918750" y="2164466"/>
+            <a:ext cx="3306501" cy="2222339"/>
+          </a:xfrm>
+          <a:prstGeom prst="ellipse">
+            <a:avLst/>
+          </a:prstGeom>
+          <a:solidFill>
+            <a:schemeClr val="accent2">
+              <a:lumMod val="40000"/>
+              <a:lumOff val="60000"/>
+            </a:schemeClr>
+          </a:solidFill>
+        </p:spPr>
+        <p:style>
+          <a:lnRef idx="2">
+            <a:schemeClr val="accent1">
+              <a:shade val="50000"/>
+            </a:schemeClr>
+          </a:lnRef>
+          <a:fillRef idx="1">
+            <a:schemeClr val="accent1"/>
+          </a:fillRef>
+          <a:effectRef idx="0">
+            <a:schemeClr val="accent1"/>
+          </a:effectRef>
+          <a:fontRef idx="minor">
+            <a:schemeClr val="lt1"/>
+          </a:fontRef>
+        </p:style>
+        <p:txBody>
+          <a:bodyPr rtlCol="0" anchor="ctr"/>
+          <a:lstStyle/>
+          <a:p>
+            <a:pPr algn="ctr"/>
+            <a:endParaRPr lang="en-US" dirty="0"/>
+          </a:p>
+        </p:txBody>
+      </p:sp>
+    </p:spTree>
+    <p:extLst>
+      <p:ext uri="{BB962C8B-B14F-4D97-AF65-F5344CB8AC3E}">
+        <p14:creationId xmlns:p14="http://schemas.microsoft.com/office/powerpoint/2010/main" val="734156826"/>
+      </p:ext>
+    </p:extLst>
+  </p:cSld>
+  <p:clrMapOvr>
+    <a:masterClrMapping/>
+  </p:clrMapOvr>
+</p:sld>
+</file>
+
+<file path=ppt/slides/slide36.xml><?xml version="1.0" encoding="utf-8"?>
+<p:sld xmlns:a="http://schemas.openxmlformats.org/drawingml/2006/main" xmlns:r="http://schemas.openxmlformats.org/officeDocument/2006/relationships" xmlns:p="http://schemas.openxmlformats.org/presentationml/2006/main">
+  <p:cSld>
+    <p:bg>
+      <p:bgPr>
+        <a:solidFill>
+          <a:schemeClr val="tx1"/>
+        </a:solidFill>
+        <a:effectLst/>
+      </p:bgPr>
+    </p:bg>
+    <p:spTree>
+      <p:nvGrpSpPr>
+        <p:cNvPr id="1" name=""/>
+        <p:cNvGrpSpPr/>
+        <p:nvPr/>
+      </p:nvGrpSpPr>
+      <p:grpSpPr>
+        <a:xfrm>
+          <a:off x="0" y="0"/>
+          <a:ext cx="0" cy="0"/>
+          <a:chOff x="0" y="0"/>
+          <a:chExt cx="0" cy="0"/>
+        </a:xfrm>
+      </p:grpSpPr>
+      <p:sp>
+        <p:nvSpPr>
+          <p:cNvPr id="2" name="Oval 1">
+            <a:extLst>
+              <a:ext uri="{FF2B5EF4-FFF2-40B4-BE49-F238E27FC236}">
+                <a16:creationId xmlns:a16="http://schemas.microsoft.com/office/drawing/2014/main" id="{8B6F52A4-1844-4733-A263-2F7256197763}"/>
+              </a:ext>
+            </a:extLst>
+          </p:cNvPr>
+          <p:cNvSpPr/>
+          <p:nvPr/>
+        </p:nvSpPr>
+        <p:spPr>
+          <a:xfrm rot="5400000">
+            <a:off x="2918750" y="2164466"/>
+            <a:ext cx="3306501" cy="2222339"/>
+          </a:xfrm>
+          <a:prstGeom prst="ellipse">
+            <a:avLst/>
+          </a:prstGeom>
+          <a:solidFill>
+            <a:srgbClr val="D3BBD9"/>
+          </a:solidFill>
+        </p:spPr>
+        <p:style>
+          <a:lnRef idx="2">
+            <a:schemeClr val="accent1">
+              <a:shade val="50000"/>
+            </a:schemeClr>
+          </a:lnRef>
+          <a:fillRef idx="1">
+            <a:schemeClr val="accent1"/>
+          </a:fillRef>
+          <a:effectRef idx="0">
+            <a:schemeClr val="accent1"/>
+          </a:effectRef>
+          <a:fontRef idx="minor">
+            <a:schemeClr val="lt1"/>
+          </a:fontRef>
+        </p:style>
+        <p:txBody>
+          <a:bodyPr rtlCol="0" anchor="ctr"/>
+          <a:lstStyle/>
+          <a:p>
+            <a:pPr algn="ctr"/>
+            <a:endParaRPr lang="en-US" dirty="0"/>
+          </a:p>
+        </p:txBody>
+      </p:sp>
+    </p:spTree>
+    <p:extLst>
+      <p:ext uri="{BB962C8B-B14F-4D97-AF65-F5344CB8AC3E}">
+        <p14:creationId xmlns:p14="http://schemas.microsoft.com/office/powerpoint/2010/main" val="542691172"/>
+      </p:ext>
+    </p:extLst>
+  </p:cSld>
+  <p:clrMapOvr>
+    <a:masterClrMapping/>
+  </p:clrMapOvr>
+</p:sld>
+</file>
+
+<file path=ppt/slides/slide37.xml><?xml version="1.0" encoding="utf-8"?>
+<p:sld xmlns:a="http://schemas.openxmlformats.org/drawingml/2006/main" xmlns:r="http://schemas.openxmlformats.org/officeDocument/2006/relationships" xmlns:p="http://schemas.openxmlformats.org/presentationml/2006/main">
+  <p:cSld>
+    <p:bg>
+      <p:bgPr>
+        <a:solidFill>
+          <a:schemeClr val="tx1"/>
+        </a:solidFill>
+        <a:effectLst/>
+      </p:bgPr>
+    </p:bg>
+    <p:spTree>
+      <p:nvGrpSpPr>
+        <p:cNvPr id="1" name=""/>
+        <p:cNvGrpSpPr/>
+        <p:nvPr/>
+      </p:nvGrpSpPr>
+      <p:grpSpPr>
+        <a:xfrm>
+          <a:off x="0" y="0"/>
+          <a:ext cx="0" cy="0"/>
+          <a:chOff x="0" y="0"/>
+          <a:chExt cx="0" cy="0"/>
+        </a:xfrm>
+      </p:grpSpPr>
+      <p:sp>
+        <p:nvSpPr>
+          <p:cNvPr id="2" name="Arrow: Chevron 1">
+            <a:extLst>
+              <a:ext uri="{FF2B5EF4-FFF2-40B4-BE49-F238E27FC236}">
+                <a16:creationId xmlns:a16="http://schemas.microsoft.com/office/drawing/2014/main" id="{3131DD79-855D-40DF-94D8-07642A69F780}"/>
+              </a:ext>
+            </a:extLst>
+          </p:cNvPr>
+          <p:cNvSpPr/>
+          <p:nvPr/>
+        </p:nvSpPr>
+        <p:spPr>
+          <a:xfrm>
+            <a:off x="2913529" y="1515035"/>
+            <a:ext cx="3303495" cy="3514165"/>
+          </a:xfrm>
+          <a:prstGeom prst="chevron">
+            <a:avLst/>
+          </a:prstGeom>
+          <a:solidFill>
+            <a:schemeClr val="tx2">
+              <a:lumMod val="20000"/>
+              <a:lumOff val="80000"/>
+            </a:schemeClr>
+          </a:solidFill>
+        </p:spPr>
+        <p:style>
+          <a:lnRef idx="2">
+            <a:schemeClr val="accent1">
+              <a:shade val="50000"/>
+            </a:schemeClr>
+          </a:lnRef>
+          <a:fillRef idx="1">
+            <a:schemeClr val="accent1"/>
+          </a:fillRef>
+          <a:effectRef idx="0">
+            <a:schemeClr val="accent1"/>
+          </a:effectRef>
+          <a:fontRef idx="minor">
+            <a:schemeClr val="lt1"/>
+          </a:fontRef>
+        </p:style>
+        <p:txBody>
+          <a:bodyPr rtlCol="0" anchor="ctr"/>
+          <a:lstStyle/>
+          <a:p>
+            <a:pPr algn="ctr"/>
+            <a:endParaRPr lang="en-US">
+              <a:solidFill>
+                <a:schemeClr val="tx1"/>
+              </a:solidFill>
+            </a:endParaRPr>
+          </a:p>
+        </p:txBody>
+      </p:sp>
+    </p:spTree>
+    <p:extLst>
+      <p:ext uri="{BB962C8B-B14F-4D97-AF65-F5344CB8AC3E}">
+        <p14:creationId xmlns:p14="http://schemas.microsoft.com/office/powerpoint/2010/main" val="704390182"/>
+      </p:ext>
+    </p:extLst>
+  </p:cSld>
+  <p:clrMapOvr>
+    <a:masterClrMapping/>
+  </p:clrMapOvr>
+</p:sld>
+</file>
+
+<file path=ppt/slides/slide38.xml><?xml version="1.0" encoding="utf-8"?>
+<p:sld xmlns:a="http://schemas.openxmlformats.org/drawingml/2006/main" xmlns:r="http://schemas.openxmlformats.org/officeDocument/2006/relationships" xmlns:p="http://schemas.openxmlformats.org/presentationml/2006/main">
+  <p:cSld>
+    <p:bg>
+      <p:bgPr>
+        <a:solidFill>
+          <a:schemeClr val="tx1"/>
+        </a:solidFill>
+        <a:effectLst/>
+      </p:bgPr>
+    </p:bg>
+    <p:spTree>
+      <p:nvGrpSpPr>
+        <p:cNvPr id="1" name=""/>
+        <p:cNvGrpSpPr/>
+        <p:nvPr/>
+      </p:nvGrpSpPr>
+      <p:grpSpPr>
+        <a:xfrm>
+          <a:off x="0" y="0"/>
+          <a:ext cx="0" cy="0"/>
+          <a:chOff x="0" y="0"/>
+          <a:chExt cx="0" cy="0"/>
+        </a:xfrm>
+      </p:grpSpPr>
+      <p:sp>
+        <p:nvSpPr>
+          <p:cNvPr id="2" name="Arrow: Chevron 1">
+            <a:extLst>
+              <a:ext uri="{FF2B5EF4-FFF2-40B4-BE49-F238E27FC236}">
+                <a16:creationId xmlns:a16="http://schemas.microsoft.com/office/drawing/2014/main" id="{3131DD79-855D-40DF-94D8-07642A69F780}"/>
+              </a:ext>
+            </a:extLst>
+          </p:cNvPr>
+          <p:cNvSpPr/>
+          <p:nvPr/>
+        </p:nvSpPr>
+        <p:spPr>
+          <a:xfrm rot="16200000">
+            <a:off x="2913529" y="1515035"/>
+            <a:ext cx="3303495" cy="3514165"/>
+          </a:xfrm>
+          <a:prstGeom prst="chevron">
+            <a:avLst/>
+          </a:prstGeom>
+          <a:solidFill>
+            <a:srgbClr val="D3BBD9"/>
+          </a:solidFill>
+        </p:spPr>
+        <p:style>
+          <a:lnRef idx="2">
+            <a:schemeClr val="accent1">
+              <a:shade val="50000"/>
+            </a:schemeClr>
+          </a:lnRef>
+          <a:fillRef idx="1">
+            <a:schemeClr val="accent1"/>
+          </a:fillRef>
+          <a:effectRef idx="0">
+            <a:schemeClr val="accent1"/>
+          </a:effectRef>
+          <a:fontRef idx="minor">
+            <a:schemeClr val="lt1"/>
+          </a:fontRef>
+        </p:style>
+        <p:txBody>
+          <a:bodyPr rtlCol="0" anchor="ctr"/>
+          <a:lstStyle/>
+          <a:p>
+            <a:pPr algn="ctr"/>
+            <a:endParaRPr lang="en-US">
+              <a:solidFill>
+                <a:schemeClr val="tx1"/>
+              </a:solidFill>
+            </a:endParaRPr>
+          </a:p>
+        </p:txBody>
+      </p:sp>
+    </p:spTree>
+    <p:extLst>
+      <p:ext uri="{BB962C8B-B14F-4D97-AF65-F5344CB8AC3E}">
+        <p14:creationId xmlns:p14="http://schemas.microsoft.com/office/powerpoint/2010/main" val="2513399540"/>
+      </p:ext>
+    </p:extLst>
+  </p:cSld>
+  <p:clrMapOvr>
+    <a:masterClrMapping/>
+  </p:clrMapOvr>
+</p:sld>
+</file>
+
+<file path=ppt/slides/slide39.xml><?xml version="1.0" encoding="utf-8"?>
+<p:sld xmlns:a="http://schemas.openxmlformats.org/drawingml/2006/main" xmlns:r="http://schemas.openxmlformats.org/officeDocument/2006/relationships" xmlns:p="http://schemas.openxmlformats.org/presentationml/2006/main">
+  <p:cSld>
+    <p:bg>
+      <p:bgPr>
+        <a:solidFill>
+          <a:schemeClr val="tx1"/>
+        </a:solidFill>
+        <a:effectLst/>
+      </p:bgPr>
+    </p:bg>
+    <p:spTree>
+      <p:nvGrpSpPr>
+        <p:cNvPr id="1" name=""/>
+        <p:cNvGrpSpPr/>
+        <p:nvPr/>
+      </p:nvGrpSpPr>
+      <p:grpSpPr>
+        <a:xfrm>
+          <a:off x="0" y="0"/>
+          <a:ext cx="0" cy="0"/>
+          <a:chOff x="0" y="0"/>
+          <a:chExt cx="0" cy="0"/>
+        </a:xfrm>
+      </p:grpSpPr>
+      <p:sp>
+        <p:nvSpPr>
+          <p:cNvPr id="2" name="Arrow: Chevron 1">
+            <a:extLst>
+              <a:ext uri="{FF2B5EF4-FFF2-40B4-BE49-F238E27FC236}">
+                <a16:creationId xmlns:a16="http://schemas.microsoft.com/office/drawing/2014/main" id="{3131DD79-855D-40DF-94D8-07642A69F780}"/>
+              </a:ext>
+            </a:extLst>
+          </p:cNvPr>
+          <p:cNvSpPr/>
+          <p:nvPr/>
+        </p:nvSpPr>
+        <p:spPr>
+          <a:xfrm rot="10800000">
+            <a:off x="2913529" y="1515035"/>
+            <a:ext cx="3303495" cy="3514165"/>
+          </a:xfrm>
+          <a:prstGeom prst="chevron">
+            <a:avLst/>
+          </a:prstGeom>
+          <a:solidFill>
+            <a:schemeClr val="accent1">
+              <a:lumMod val="60000"/>
+              <a:lumOff val="40000"/>
+            </a:schemeClr>
+          </a:solidFill>
+        </p:spPr>
+        <p:style>
+          <a:lnRef idx="2">
+            <a:schemeClr val="accent1">
+              <a:shade val="50000"/>
+            </a:schemeClr>
+          </a:lnRef>
+          <a:fillRef idx="1">
+            <a:schemeClr val="accent1"/>
+          </a:fillRef>
+          <a:effectRef idx="0">
+            <a:schemeClr val="accent1"/>
+          </a:effectRef>
+          <a:fontRef idx="minor">
+            <a:schemeClr val="lt1"/>
+          </a:fontRef>
+        </p:style>
+        <p:txBody>
+          <a:bodyPr rtlCol="0" anchor="ctr"/>
+          <a:lstStyle/>
+          <a:p>
+            <a:pPr algn="ctr"/>
+            <a:endParaRPr lang="en-US">
+              <a:solidFill>
+                <a:schemeClr val="tx1"/>
+              </a:solidFill>
+            </a:endParaRPr>
+          </a:p>
+        </p:txBody>
+      </p:sp>
+    </p:spTree>
+    <p:extLst>
+      <p:ext uri="{BB962C8B-B14F-4D97-AF65-F5344CB8AC3E}">
+        <p14:creationId xmlns:p14="http://schemas.microsoft.com/office/powerpoint/2010/main" val="255287455"/>
       </p:ext>
     </p:extLst>
   </p:cSld>
@@ -3220,47 +6051,950 @@
       </p:grpSpPr>
       <p:sp>
         <p:nvSpPr>
-          <p:cNvPr id="2" name="TextBox 1">
+          <p:cNvPr id="4" name="Right Triangle 3">
             <a:extLst>
               <a:ext uri="{FF2B5EF4-FFF2-40B4-BE49-F238E27FC236}">
-                <a16:creationId xmlns:a16="http://schemas.microsoft.com/office/drawing/2014/main" id="{C9FF5DBF-5293-4990-9257-375ECC42B401}"/>
+                <a16:creationId xmlns:a16="http://schemas.microsoft.com/office/drawing/2014/main" id="{B2DA9C65-8238-4DE6-B92F-72973B43DB63}"/>
               </a:ext>
             </a:extLst>
           </p:cNvPr>
-          <p:cNvSpPr txBox="1"/>
+          <p:cNvSpPr/>
           <p:nvPr/>
         </p:nvSpPr>
         <p:spPr>
           <a:xfrm>
-            <a:off x="415738" y="2274838"/>
-            <a:ext cx="8312524" cy="2308324"/>
+            <a:off x="2805953" y="1640541"/>
+            <a:ext cx="3532094" cy="3299012"/>
           </a:xfrm>
-          <a:prstGeom prst="rect">
+          <a:prstGeom prst="rtTriangle">
             <a:avLst/>
           </a:prstGeom>
-          <a:noFill/>
         </p:spPr>
-        <p:txBody>
-          <a:bodyPr wrap="square" rtlCol="0">
-            <a:spAutoFit/>
-          </a:bodyPr>
-          <a:lstStyle/>
-          <a:p>
-            <a:r>
-              <a:rPr lang="en-US" sz="7200" dirty="0">
-                <a:solidFill>
-                  <a:schemeClr val="bg1"/>
-                </a:solidFill>
-              </a:rPr>
-              <a:t>How would you feel if you WIN?</a:t>
-            </a:r>
+        <p:style>
+          <a:lnRef idx="2">
+            <a:schemeClr val="accent6">
+              <a:shade val="50000"/>
+            </a:schemeClr>
+          </a:lnRef>
+          <a:fillRef idx="1">
+            <a:schemeClr val="accent6"/>
+          </a:fillRef>
+          <a:effectRef idx="0">
+            <a:schemeClr val="accent6"/>
+          </a:effectRef>
+          <a:fontRef idx="minor">
+            <a:schemeClr val="lt1"/>
+          </a:fontRef>
+        </p:style>
+        <p:txBody>
+          <a:bodyPr rtlCol="0" anchor="ctr"/>
+          <a:lstStyle/>
+          <a:p>
+            <a:pPr algn="ctr"/>
+            <a:endParaRPr lang="en-US" dirty="0"/>
           </a:p>
         </p:txBody>
       </p:sp>
     </p:spTree>
     <p:extLst>
       <p:ext uri="{BB962C8B-B14F-4D97-AF65-F5344CB8AC3E}">
-        <p14:creationId xmlns:p14="http://schemas.microsoft.com/office/powerpoint/2010/main" val="2318159607"/>
+        <p14:creationId xmlns:p14="http://schemas.microsoft.com/office/powerpoint/2010/main" val="2651428520"/>
+      </p:ext>
+    </p:extLst>
+  </p:cSld>
+  <p:clrMapOvr>
+    <a:masterClrMapping/>
+  </p:clrMapOvr>
+</p:sld>
+</file>
+
+<file path=ppt/slides/slide40.xml><?xml version="1.0" encoding="utf-8"?>
+<p:sld xmlns:a="http://schemas.openxmlformats.org/drawingml/2006/main" xmlns:r="http://schemas.openxmlformats.org/officeDocument/2006/relationships" xmlns:p="http://schemas.openxmlformats.org/presentationml/2006/main">
+  <p:cSld>
+    <p:bg>
+      <p:bgPr>
+        <a:solidFill>
+          <a:schemeClr val="tx1"/>
+        </a:solidFill>
+        <a:effectLst/>
+      </p:bgPr>
+    </p:bg>
+    <p:spTree>
+      <p:nvGrpSpPr>
+        <p:cNvPr id="1" name=""/>
+        <p:cNvGrpSpPr/>
+        <p:nvPr/>
+      </p:nvGrpSpPr>
+      <p:grpSpPr>
+        <a:xfrm>
+          <a:off x="0" y="0"/>
+          <a:ext cx="0" cy="0"/>
+          <a:chOff x="0" y="0"/>
+          <a:chExt cx="0" cy="0"/>
+        </a:xfrm>
+      </p:grpSpPr>
+      <p:sp>
+        <p:nvSpPr>
+          <p:cNvPr id="3" name="Pentagon 2">
+            <a:extLst>
+              <a:ext uri="{FF2B5EF4-FFF2-40B4-BE49-F238E27FC236}">
+                <a16:creationId xmlns:a16="http://schemas.microsoft.com/office/drawing/2014/main" id="{4CFB1FF9-6918-4A7F-AB59-401E909B0F01}"/>
+              </a:ext>
+            </a:extLst>
+          </p:cNvPr>
+          <p:cNvSpPr/>
+          <p:nvPr/>
+        </p:nvSpPr>
+        <p:spPr>
+          <a:xfrm rot="10800000">
+            <a:off x="2920678" y="1489276"/>
+            <a:ext cx="3306502" cy="3537995"/>
+          </a:xfrm>
+          <a:prstGeom prst="pentagon">
+            <a:avLst/>
+          </a:prstGeom>
+          <a:solidFill>
+            <a:schemeClr val="accent3">
+              <a:lumMod val="60000"/>
+              <a:lumOff val="40000"/>
+            </a:schemeClr>
+          </a:solidFill>
+        </p:spPr>
+        <p:style>
+          <a:lnRef idx="2">
+            <a:schemeClr val="accent1">
+              <a:shade val="50000"/>
+            </a:schemeClr>
+          </a:lnRef>
+          <a:fillRef idx="1">
+            <a:schemeClr val="accent1"/>
+          </a:fillRef>
+          <a:effectRef idx="0">
+            <a:schemeClr val="accent1"/>
+          </a:effectRef>
+          <a:fontRef idx="minor">
+            <a:schemeClr val="lt1"/>
+          </a:fontRef>
+        </p:style>
+        <p:txBody>
+          <a:bodyPr rtlCol="0" anchor="ctr"/>
+          <a:lstStyle/>
+          <a:p>
+            <a:pPr algn="ctr"/>
+            <a:endParaRPr lang="en-US"/>
+          </a:p>
+        </p:txBody>
+      </p:sp>
+    </p:spTree>
+    <p:extLst>
+      <p:ext uri="{BB962C8B-B14F-4D97-AF65-F5344CB8AC3E}">
+        <p14:creationId xmlns:p14="http://schemas.microsoft.com/office/powerpoint/2010/main" val="1145808294"/>
+      </p:ext>
+    </p:extLst>
+  </p:cSld>
+  <p:clrMapOvr>
+    <a:masterClrMapping/>
+  </p:clrMapOvr>
+</p:sld>
+</file>
+
+<file path=ppt/slides/slide41.xml><?xml version="1.0" encoding="utf-8"?>
+<p:sld xmlns:a="http://schemas.openxmlformats.org/drawingml/2006/main" xmlns:r="http://schemas.openxmlformats.org/officeDocument/2006/relationships" xmlns:p="http://schemas.openxmlformats.org/presentationml/2006/main">
+  <p:cSld>
+    <p:bg>
+      <p:bgPr>
+        <a:solidFill>
+          <a:schemeClr val="tx1"/>
+        </a:solidFill>
+        <a:effectLst/>
+      </p:bgPr>
+    </p:bg>
+    <p:spTree>
+      <p:nvGrpSpPr>
+        <p:cNvPr id="1" name=""/>
+        <p:cNvGrpSpPr/>
+        <p:nvPr/>
+      </p:nvGrpSpPr>
+      <p:grpSpPr>
+        <a:xfrm>
+          <a:off x="0" y="0"/>
+          <a:ext cx="0" cy="0"/>
+          <a:chOff x="0" y="0"/>
+          <a:chExt cx="0" cy="0"/>
+        </a:xfrm>
+      </p:grpSpPr>
+      <p:sp>
+        <p:nvSpPr>
+          <p:cNvPr id="3" name="Pentagon 2">
+            <a:extLst>
+              <a:ext uri="{FF2B5EF4-FFF2-40B4-BE49-F238E27FC236}">
+                <a16:creationId xmlns:a16="http://schemas.microsoft.com/office/drawing/2014/main" id="{4CFB1FF9-6918-4A7F-AB59-401E909B0F01}"/>
+              </a:ext>
+            </a:extLst>
+          </p:cNvPr>
+          <p:cNvSpPr/>
+          <p:nvPr/>
+        </p:nvSpPr>
+        <p:spPr>
+          <a:xfrm>
+            <a:off x="2920678" y="1489276"/>
+            <a:ext cx="3306502" cy="3537995"/>
+          </a:xfrm>
+          <a:prstGeom prst="pentagon">
+            <a:avLst/>
+          </a:prstGeom>
+          <a:solidFill>
+            <a:srgbClr val="D3BBD9"/>
+          </a:solidFill>
+        </p:spPr>
+        <p:style>
+          <a:lnRef idx="2">
+            <a:schemeClr val="accent1">
+              <a:shade val="50000"/>
+            </a:schemeClr>
+          </a:lnRef>
+          <a:fillRef idx="1">
+            <a:schemeClr val="accent1"/>
+          </a:fillRef>
+          <a:effectRef idx="0">
+            <a:schemeClr val="accent1"/>
+          </a:effectRef>
+          <a:fontRef idx="minor">
+            <a:schemeClr val="lt1"/>
+          </a:fontRef>
+        </p:style>
+        <p:txBody>
+          <a:bodyPr rtlCol="0" anchor="ctr"/>
+          <a:lstStyle/>
+          <a:p>
+            <a:pPr algn="ctr"/>
+            <a:endParaRPr lang="en-US"/>
+          </a:p>
+        </p:txBody>
+      </p:sp>
+    </p:spTree>
+    <p:extLst>
+      <p:ext uri="{BB962C8B-B14F-4D97-AF65-F5344CB8AC3E}">
+        <p14:creationId xmlns:p14="http://schemas.microsoft.com/office/powerpoint/2010/main" val="3563516063"/>
+      </p:ext>
+    </p:extLst>
+  </p:cSld>
+  <p:clrMapOvr>
+    <a:masterClrMapping/>
+  </p:clrMapOvr>
+</p:sld>
+</file>
+
+<file path=ppt/slides/slide42.xml><?xml version="1.0" encoding="utf-8"?>
+<p:sld xmlns:a="http://schemas.openxmlformats.org/drawingml/2006/main" xmlns:r="http://schemas.openxmlformats.org/officeDocument/2006/relationships" xmlns:p="http://schemas.openxmlformats.org/presentationml/2006/main">
+  <p:cSld>
+    <p:bg>
+      <p:bgPr>
+        <a:solidFill>
+          <a:schemeClr val="tx1"/>
+        </a:solidFill>
+        <a:effectLst/>
+      </p:bgPr>
+    </p:bg>
+    <p:spTree>
+      <p:nvGrpSpPr>
+        <p:cNvPr id="1" name=""/>
+        <p:cNvGrpSpPr/>
+        <p:nvPr/>
+      </p:nvGrpSpPr>
+      <p:grpSpPr>
+        <a:xfrm>
+          <a:off x="0" y="0"/>
+          <a:ext cx="0" cy="0"/>
+          <a:chOff x="0" y="0"/>
+          <a:chExt cx="0" cy="0"/>
+        </a:xfrm>
+      </p:grpSpPr>
+      <p:sp>
+        <p:nvSpPr>
+          <p:cNvPr id="3" name="Pentagon 2">
+            <a:extLst>
+              <a:ext uri="{FF2B5EF4-FFF2-40B4-BE49-F238E27FC236}">
+                <a16:creationId xmlns:a16="http://schemas.microsoft.com/office/drawing/2014/main" id="{4CFB1FF9-6918-4A7F-AB59-401E909B0F01}"/>
+              </a:ext>
+            </a:extLst>
+          </p:cNvPr>
+          <p:cNvSpPr/>
+          <p:nvPr/>
+        </p:nvSpPr>
+        <p:spPr>
+          <a:xfrm>
+            <a:off x="2920678" y="1489276"/>
+            <a:ext cx="3306502" cy="3537995"/>
+          </a:xfrm>
+          <a:prstGeom prst="pentagon">
+            <a:avLst/>
+          </a:prstGeom>
+          <a:solidFill>
+            <a:schemeClr val="accent6">
+              <a:lumMod val="75000"/>
+            </a:schemeClr>
+          </a:solidFill>
+        </p:spPr>
+        <p:style>
+          <a:lnRef idx="2">
+            <a:schemeClr val="accent1">
+              <a:shade val="50000"/>
+            </a:schemeClr>
+          </a:lnRef>
+          <a:fillRef idx="1">
+            <a:schemeClr val="accent1"/>
+          </a:fillRef>
+          <a:effectRef idx="0">
+            <a:schemeClr val="accent1"/>
+          </a:effectRef>
+          <a:fontRef idx="minor">
+            <a:schemeClr val="lt1"/>
+          </a:fontRef>
+        </p:style>
+        <p:txBody>
+          <a:bodyPr rtlCol="0" anchor="ctr"/>
+          <a:lstStyle/>
+          <a:p>
+            <a:pPr algn="ctr"/>
+            <a:endParaRPr lang="en-US"/>
+          </a:p>
+        </p:txBody>
+      </p:sp>
+    </p:spTree>
+    <p:extLst>
+      <p:ext uri="{BB962C8B-B14F-4D97-AF65-F5344CB8AC3E}">
+        <p14:creationId xmlns:p14="http://schemas.microsoft.com/office/powerpoint/2010/main" val="2248933097"/>
+      </p:ext>
+    </p:extLst>
+  </p:cSld>
+  <p:clrMapOvr>
+    <a:masterClrMapping/>
+  </p:clrMapOvr>
+</p:sld>
+</file>
+
+<file path=ppt/slides/slide43.xml><?xml version="1.0" encoding="utf-8"?>
+<p:sld xmlns:a="http://schemas.openxmlformats.org/drawingml/2006/main" xmlns:r="http://schemas.openxmlformats.org/officeDocument/2006/relationships" xmlns:p="http://schemas.openxmlformats.org/presentationml/2006/main">
+  <p:cSld>
+    <p:bg>
+      <p:bgPr>
+        <a:solidFill>
+          <a:schemeClr val="tx1"/>
+        </a:solidFill>
+        <a:effectLst/>
+      </p:bgPr>
+    </p:bg>
+    <p:spTree>
+      <p:nvGrpSpPr>
+        <p:cNvPr id="1" name=""/>
+        <p:cNvGrpSpPr/>
+        <p:nvPr/>
+      </p:nvGrpSpPr>
+      <p:grpSpPr>
+        <a:xfrm>
+          <a:off x="0" y="0"/>
+          <a:ext cx="0" cy="0"/>
+          <a:chOff x="0" y="0"/>
+          <a:chExt cx="0" cy="0"/>
+        </a:xfrm>
+      </p:grpSpPr>
+      <p:sp>
+        <p:nvSpPr>
+          <p:cNvPr id="3" name="Pentagon 2">
+            <a:extLst>
+              <a:ext uri="{FF2B5EF4-FFF2-40B4-BE49-F238E27FC236}">
+                <a16:creationId xmlns:a16="http://schemas.microsoft.com/office/drawing/2014/main" id="{4CFB1FF9-6918-4A7F-AB59-401E909B0F01}"/>
+              </a:ext>
+            </a:extLst>
+          </p:cNvPr>
+          <p:cNvSpPr/>
+          <p:nvPr/>
+        </p:nvSpPr>
+        <p:spPr>
+          <a:xfrm>
+            <a:off x="2920678" y="1489276"/>
+            <a:ext cx="3306502" cy="3537995"/>
+          </a:xfrm>
+          <a:prstGeom prst="pentagon">
+            <a:avLst/>
+          </a:prstGeom>
+          <a:solidFill>
+            <a:schemeClr val="accent5">
+              <a:lumMod val="75000"/>
+            </a:schemeClr>
+          </a:solidFill>
+        </p:spPr>
+        <p:style>
+          <a:lnRef idx="2">
+            <a:schemeClr val="accent1">
+              <a:shade val="50000"/>
+            </a:schemeClr>
+          </a:lnRef>
+          <a:fillRef idx="1">
+            <a:schemeClr val="accent1"/>
+          </a:fillRef>
+          <a:effectRef idx="0">
+            <a:schemeClr val="accent1"/>
+          </a:effectRef>
+          <a:fontRef idx="minor">
+            <a:schemeClr val="lt1"/>
+          </a:fontRef>
+        </p:style>
+        <p:txBody>
+          <a:bodyPr rtlCol="0" anchor="ctr"/>
+          <a:lstStyle/>
+          <a:p>
+            <a:pPr algn="ctr"/>
+            <a:endParaRPr lang="en-US"/>
+          </a:p>
+        </p:txBody>
+      </p:sp>
+    </p:spTree>
+    <p:extLst>
+      <p:ext uri="{BB962C8B-B14F-4D97-AF65-F5344CB8AC3E}">
+        <p14:creationId xmlns:p14="http://schemas.microsoft.com/office/powerpoint/2010/main" val="418891237"/>
+      </p:ext>
+    </p:extLst>
+  </p:cSld>
+  <p:clrMapOvr>
+    <a:masterClrMapping/>
+  </p:clrMapOvr>
+</p:sld>
+</file>
+
+<file path=ppt/slides/slide44.xml><?xml version="1.0" encoding="utf-8"?>
+<p:sld xmlns:a="http://schemas.openxmlformats.org/drawingml/2006/main" xmlns:r="http://schemas.openxmlformats.org/officeDocument/2006/relationships" xmlns:p="http://schemas.openxmlformats.org/presentationml/2006/main">
+  <p:cSld>
+    <p:bg>
+      <p:bgPr>
+        <a:solidFill>
+          <a:schemeClr val="tx1"/>
+        </a:solidFill>
+        <a:effectLst/>
+      </p:bgPr>
+    </p:bg>
+    <p:spTree>
+      <p:nvGrpSpPr>
+        <p:cNvPr id="1" name=""/>
+        <p:cNvGrpSpPr/>
+        <p:nvPr/>
+      </p:nvGrpSpPr>
+      <p:grpSpPr>
+        <a:xfrm>
+          <a:off x="0" y="0"/>
+          <a:ext cx="0" cy="0"/>
+          <a:chOff x="0" y="0"/>
+          <a:chExt cx="0" cy="0"/>
+        </a:xfrm>
+      </p:grpSpPr>
+      <p:sp>
+        <p:nvSpPr>
+          <p:cNvPr id="3" name="Pentagon 2">
+            <a:extLst>
+              <a:ext uri="{FF2B5EF4-FFF2-40B4-BE49-F238E27FC236}">
+                <a16:creationId xmlns:a16="http://schemas.microsoft.com/office/drawing/2014/main" id="{4CFB1FF9-6918-4A7F-AB59-401E909B0F01}"/>
+              </a:ext>
+            </a:extLst>
+          </p:cNvPr>
+          <p:cNvSpPr/>
+          <p:nvPr/>
+        </p:nvSpPr>
+        <p:spPr>
+          <a:xfrm>
+            <a:off x="2920678" y="1489276"/>
+            <a:ext cx="3306502" cy="3537995"/>
+          </a:xfrm>
+          <a:prstGeom prst="pentagon">
+            <a:avLst/>
+          </a:prstGeom>
+          <a:solidFill>
+            <a:schemeClr val="accent2">
+              <a:lumMod val="60000"/>
+              <a:lumOff val="40000"/>
+            </a:schemeClr>
+          </a:solidFill>
+          <a:ln>
+            <a:noFill/>
+          </a:ln>
+        </p:spPr>
+        <p:style>
+          <a:lnRef idx="2">
+            <a:schemeClr val="accent1">
+              <a:shade val="50000"/>
+            </a:schemeClr>
+          </a:lnRef>
+          <a:fillRef idx="1">
+            <a:schemeClr val="accent1"/>
+          </a:fillRef>
+          <a:effectRef idx="0">
+            <a:schemeClr val="accent1"/>
+          </a:effectRef>
+          <a:fontRef idx="minor">
+            <a:schemeClr val="lt1"/>
+          </a:fontRef>
+        </p:style>
+        <p:txBody>
+          <a:bodyPr rtlCol="0" anchor="ctr"/>
+          <a:lstStyle/>
+          <a:p>
+            <a:pPr algn="ctr"/>
+            <a:endParaRPr lang="en-US"/>
+          </a:p>
+        </p:txBody>
+      </p:sp>
+    </p:spTree>
+    <p:extLst>
+      <p:ext uri="{BB962C8B-B14F-4D97-AF65-F5344CB8AC3E}">
+        <p14:creationId xmlns:p14="http://schemas.microsoft.com/office/powerpoint/2010/main" val="3698423113"/>
+      </p:ext>
+    </p:extLst>
+  </p:cSld>
+  <p:clrMapOvr>
+    <a:masterClrMapping/>
+  </p:clrMapOvr>
+</p:sld>
+</file>
+
+<file path=ppt/slides/slide45.xml><?xml version="1.0" encoding="utf-8"?>
+<p:sld xmlns:a="http://schemas.openxmlformats.org/drawingml/2006/main" xmlns:r="http://schemas.openxmlformats.org/officeDocument/2006/relationships" xmlns:p="http://schemas.openxmlformats.org/presentationml/2006/main">
+  <p:cSld>
+    <p:bg>
+      <p:bgPr>
+        <a:solidFill>
+          <a:schemeClr val="tx1"/>
+        </a:solidFill>
+        <a:effectLst/>
+      </p:bgPr>
+    </p:bg>
+    <p:spTree>
+      <p:nvGrpSpPr>
+        <p:cNvPr id="1" name=""/>
+        <p:cNvGrpSpPr/>
+        <p:nvPr/>
+      </p:nvGrpSpPr>
+      <p:grpSpPr>
+        <a:xfrm>
+          <a:off x="0" y="0"/>
+          <a:ext cx="0" cy="0"/>
+          <a:chOff x="0" y="0"/>
+          <a:chExt cx="0" cy="0"/>
+        </a:xfrm>
+      </p:grpSpPr>
+      <p:sp>
+        <p:nvSpPr>
+          <p:cNvPr id="2" name="Parallelogram 1">
+            <a:extLst>
+              <a:ext uri="{FF2B5EF4-FFF2-40B4-BE49-F238E27FC236}">
+                <a16:creationId xmlns:a16="http://schemas.microsoft.com/office/drawing/2014/main" id="{69D933FC-0C9E-4AA9-A4DC-20858E9E3E85}"/>
+              </a:ext>
+            </a:extLst>
+          </p:cNvPr>
+          <p:cNvSpPr/>
+          <p:nvPr/>
+        </p:nvSpPr>
+        <p:spPr>
+          <a:xfrm>
+            <a:off x="2940424" y="1524000"/>
+            <a:ext cx="3352800" cy="3532094"/>
+          </a:xfrm>
+          <a:prstGeom prst="parallelogram">
+            <a:avLst>
+              <a:gd name="adj" fmla="val 47460"/>
+            </a:avLst>
+          </a:prstGeom>
+          <a:solidFill>
+            <a:schemeClr val="accent4">
+              <a:lumMod val="60000"/>
+              <a:lumOff val="40000"/>
+            </a:schemeClr>
+          </a:solidFill>
+        </p:spPr>
+        <p:style>
+          <a:lnRef idx="2">
+            <a:schemeClr val="accent1">
+              <a:shade val="50000"/>
+            </a:schemeClr>
+          </a:lnRef>
+          <a:fillRef idx="1">
+            <a:schemeClr val="accent1"/>
+          </a:fillRef>
+          <a:effectRef idx="0">
+            <a:schemeClr val="accent1"/>
+          </a:effectRef>
+          <a:fontRef idx="minor">
+            <a:schemeClr val="lt1"/>
+          </a:fontRef>
+        </p:style>
+        <p:txBody>
+          <a:bodyPr rtlCol="0" anchor="ctr"/>
+          <a:lstStyle/>
+          <a:p>
+            <a:pPr algn="ctr"/>
+            <a:endParaRPr lang="en-US"/>
+          </a:p>
+        </p:txBody>
+      </p:sp>
+    </p:spTree>
+    <p:extLst>
+      <p:ext uri="{BB962C8B-B14F-4D97-AF65-F5344CB8AC3E}">
+        <p14:creationId xmlns:p14="http://schemas.microsoft.com/office/powerpoint/2010/main" val="3457055734"/>
+      </p:ext>
+    </p:extLst>
+  </p:cSld>
+  <p:clrMapOvr>
+    <a:masterClrMapping/>
+  </p:clrMapOvr>
+</p:sld>
+</file>
+
+<file path=ppt/slides/slide46.xml><?xml version="1.0" encoding="utf-8"?>
+<p:sld xmlns:a="http://schemas.openxmlformats.org/drawingml/2006/main" xmlns:r="http://schemas.openxmlformats.org/officeDocument/2006/relationships" xmlns:p="http://schemas.openxmlformats.org/presentationml/2006/main">
+  <p:cSld>
+    <p:bg>
+      <p:bgPr>
+        <a:solidFill>
+          <a:schemeClr val="tx1"/>
+        </a:solidFill>
+        <a:effectLst/>
+      </p:bgPr>
+    </p:bg>
+    <p:spTree>
+      <p:nvGrpSpPr>
+        <p:cNvPr id="1" name=""/>
+        <p:cNvGrpSpPr/>
+        <p:nvPr/>
+      </p:nvGrpSpPr>
+      <p:grpSpPr>
+        <a:xfrm>
+          <a:off x="0" y="0"/>
+          <a:ext cx="0" cy="0"/>
+          <a:chOff x="0" y="0"/>
+          <a:chExt cx="0" cy="0"/>
+        </a:xfrm>
+      </p:grpSpPr>
+      <p:sp>
+        <p:nvSpPr>
+          <p:cNvPr id="2" name="Parallelogram 1">
+            <a:extLst>
+              <a:ext uri="{FF2B5EF4-FFF2-40B4-BE49-F238E27FC236}">
+                <a16:creationId xmlns:a16="http://schemas.microsoft.com/office/drawing/2014/main" id="{69D933FC-0C9E-4AA9-A4DC-20858E9E3E85}"/>
+              </a:ext>
+            </a:extLst>
+          </p:cNvPr>
+          <p:cNvSpPr/>
+          <p:nvPr/>
+        </p:nvSpPr>
+        <p:spPr>
+          <a:xfrm>
+            <a:off x="2940424" y="1524000"/>
+            <a:ext cx="3352800" cy="3532094"/>
+          </a:xfrm>
+          <a:prstGeom prst="parallelogram">
+            <a:avLst>
+              <a:gd name="adj" fmla="val 47460"/>
+            </a:avLst>
+          </a:prstGeom>
+          <a:solidFill>
+            <a:schemeClr val="accent5">
+              <a:lumMod val="75000"/>
+            </a:schemeClr>
+          </a:solidFill>
+        </p:spPr>
+        <p:style>
+          <a:lnRef idx="2">
+            <a:schemeClr val="accent1">
+              <a:shade val="50000"/>
+            </a:schemeClr>
+          </a:lnRef>
+          <a:fillRef idx="1">
+            <a:schemeClr val="accent1"/>
+          </a:fillRef>
+          <a:effectRef idx="0">
+            <a:schemeClr val="accent1"/>
+          </a:effectRef>
+          <a:fontRef idx="minor">
+            <a:schemeClr val="lt1"/>
+          </a:fontRef>
+        </p:style>
+        <p:txBody>
+          <a:bodyPr rtlCol="0" anchor="ctr"/>
+          <a:lstStyle/>
+          <a:p>
+            <a:pPr algn="ctr"/>
+            <a:endParaRPr lang="en-US"/>
+          </a:p>
+        </p:txBody>
+      </p:sp>
+    </p:spTree>
+    <p:extLst>
+      <p:ext uri="{BB962C8B-B14F-4D97-AF65-F5344CB8AC3E}">
+        <p14:creationId xmlns:p14="http://schemas.microsoft.com/office/powerpoint/2010/main" val="27138098"/>
+      </p:ext>
+    </p:extLst>
+  </p:cSld>
+  <p:clrMapOvr>
+    <a:masterClrMapping/>
+  </p:clrMapOvr>
+</p:sld>
+</file>
+
+<file path=ppt/slides/slide47.xml><?xml version="1.0" encoding="utf-8"?>
+<p:sld xmlns:a="http://schemas.openxmlformats.org/drawingml/2006/main" xmlns:r="http://schemas.openxmlformats.org/officeDocument/2006/relationships" xmlns:p="http://schemas.openxmlformats.org/presentationml/2006/main">
+  <p:cSld>
+    <p:bg>
+      <p:bgPr>
+        <a:solidFill>
+          <a:schemeClr val="tx1"/>
+        </a:solidFill>
+        <a:effectLst/>
+      </p:bgPr>
+    </p:bg>
+    <p:spTree>
+      <p:nvGrpSpPr>
+        <p:cNvPr id="1" name=""/>
+        <p:cNvGrpSpPr/>
+        <p:nvPr/>
+      </p:nvGrpSpPr>
+      <p:grpSpPr>
+        <a:xfrm>
+          <a:off x="0" y="0"/>
+          <a:ext cx="0" cy="0"/>
+          <a:chOff x="0" y="0"/>
+          <a:chExt cx="0" cy="0"/>
+        </a:xfrm>
+      </p:grpSpPr>
+      <p:sp>
+        <p:nvSpPr>
+          <p:cNvPr id="2" name="Parallelogram 1">
+            <a:extLst>
+              <a:ext uri="{FF2B5EF4-FFF2-40B4-BE49-F238E27FC236}">
+                <a16:creationId xmlns:a16="http://schemas.microsoft.com/office/drawing/2014/main" id="{69D933FC-0C9E-4AA9-A4DC-20858E9E3E85}"/>
+              </a:ext>
+            </a:extLst>
+          </p:cNvPr>
+          <p:cNvSpPr/>
+          <p:nvPr/>
+        </p:nvSpPr>
+        <p:spPr>
+          <a:xfrm rot="5400000">
+            <a:off x="2940424" y="1524000"/>
+            <a:ext cx="3352800" cy="3532094"/>
+          </a:xfrm>
+          <a:prstGeom prst="parallelogram">
+            <a:avLst>
+              <a:gd name="adj" fmla="val 47460"/>
+            </a:avLst>
+          </a:prstGeom>
+          <a:solidFill>
+            <a:srgbClr val="85D4E1"/>
+          </a:solidFill>
+        </p:spPr>
+        <p:style>
+          <a:lnRef idx="2">
+            <a:schemeClr val="accent1">
+              <a:shade val="50000"/>
+            </a:schemeClr>
+          </a:lnRef>
+          <a:fillRef idx="1">
+            <a:schemeClr val="accent1"/>
+          </a:fillRef>
+          <a:effectRef idx="0">
+            <a:schemeClr val="accent1"/>
+          </a:effectRef>
+          <a:fontRef idx="minor">
+            <a:schemeClr val="lt1"/>
+          </a:fontRef>
+        </p:style>
+        <p:txBody>
+          <a:bodyPr rtlCol="0" anchor="ctr"/>
+          <a:lstStyle/>
+          <a:p>
+            <a:pPr algn="ctr"/>
+            <a:endParaRPr lang="en-US"/>
+          </a:p>
+        </p:txBody>
+      </p:sp>
+    </p:spTree>
+    <p:extLst>
+      <p:ext uri="{BB962C8B-B14F-4D97-AF65-F5344CB8AC3E}">
+        <p14:creationId xmlns:p14="http://schemas.microsoft.com/office/powerpoint/2010/main" val="761044609"/>
+      </p:ext>
+    </p:extLst>
+  </p:cSld>
+  <p:clrMapOvr>
+    <a:masterClrMapping/>
+  </p:clrMapOvr>
+</p:sld>
+</file>
+
+<file path=ppt/slides/slide48.xml><?xml version="1.0" encoding="utf-8"?>
+<p:sld xmlns:a="http://schemas.openxmlformats.org/drawingml/2006/main" xmlns:r="http://schemas.openxmlformats.org/officeDocument/2006/relationships" xmlns:p="http://schemas.openxmlformats.org/presentationml/2006/main">
+  <p:cSld>
+    <p:bg>
+      <p:bgPr>
+        <a:solidFill>
+          <a:schemeClr val="tx1"/>
+        </a:solidFill>
+        <a:effectLst/>
+      </p:bgPr>
+    </p:bg>
+    <p:spTree>
+      <p:nvGrpSpPr>
+        <p:cNvPr id="1" name=""/>
+        <p:cNvGrpSpPr/>
+        <p:nvPr/>
+      </p:nvGrpSpPr>
+      <p:grpSpPr>
+        <a:xfrm>
+          <a:off x="0" y="0"/>
+          <a:ext cx="0" cy="0"/>
+          <a:chOff x="0" y="0"/>
+          <a:chExt cx="0" cy="0"/>
+        </a:xfrm>
+      </p:grpSpPr>
+      <p:sp>
+        <p:nvSpPr>
+          <p:cNvPr id="2" name="Parallelogram 1">
+            <a:extLst>
+              <a:ext uri="{FF2B5EF4-FFF2-40B4-BE49-F238E27FC236}">
+                <a16:creationId xmlns:a16="http://schemas.microsoft.com/office/drawing/2014/main" id="{69D933FC-0C9E-4AA9-A4DC-20858E9E3E85}"/>
+              </a:ext>
+            </a:extLst>
+          </p:cNvPr>
+          <p:cNvSpPr/>
+          <p:nvPr/>
+        </p:nvSpPr>
+        <p:spPr>
+          <a:xfrm rot="5400000">
+            <a:off x="2940424" y="1524000"/>
+            <a:ext cx="3352800" cy="3532094"/>
+          </a:xfrm>
+          <a:prstGeom prst="parallelogram">
+            <a:avLst>
+              <a:gd name="adj" fmla="val 47460"/>
+            </a:avLst>
+          </a:prstGeom>
+          <a:solidFill>
+            <a:srgbClr val="D3BBD9"/>
+          </a:solidFill>
+        </p:spPr>
+        <p:style>
+          <a:lnRef idx="2">
+            <a:schemeClr val="accent1">
+              <a:shade val="50000"/>
+            </a:schemeClr>
+          </a:lnRef>
+          <a:fillRef idx="1">
+            <a:schemeClr val="accent1"/>
+          </a:fillRef>
+          <a:effectRef idx="0">
+            <a:schemeClr val="accent1"/>
+          </a:effectRef>
+          <a:fontRef idx="minor">
+            <a:schemeClr val="lt1"/>
+          </a:fontRef>
+        </p:style>
+        <p:txBody>
+          <a:bodyPr rtlCol="0" anchor="ctr"/>
+          <a:lstStyle/>
+          <a:p>
+            <a:pPr algn="ctr"/>
+            <a:endParaRPr lang="en-US"/>
+          </a:p>
+        </p:txBody>
+      </p:sp>
+    </p:spTree>
+    <p:extLst>
+      <p:ext uri="{BB962C8B-B14F-4D97-AF65-F5344CB8AC3E}">
+        <p14:creationId xmlns:p14="http://schemas.microsoft.com/office/powerpoint/2010/main" val="3947028515"/>
+      </p:ext>
+    </p:extLst>
+  </p:cSld>
+  <p:clrMapOvr>
+    <a:masterClrMapping/>
+  </p:clrMapOvr>
+</p:sld>
+</file>
+
+<file path=ppt/slides/slide49.xml><?xml version="1.0" encoding="utf-8"?>
+<p:sld xmlns:a="http://schemas.openxmlformats.org/drawingml/2006/main" xmlns:r="http://schemas.openxmlformats.org/officeDocument/2006/relationships" xmlns:p="http://schemas.openxmlformats.org/presentationml/2006/main">
+  <p:cSld>
+    <p:bg>
+      <p:bgPr>
+        <a:solidFill>
+          <a:schemeClr val="tx1"/>
+        </a:solidFill>
+        <a:effectLst/>
+      </p:bgPr>
+    </p:bg>
+    <p:spTree>
+      <p:nvGrpSpPr>
+        <p:cNvPr id="1" name=""/>
+        <p:cNvGrpSpPr/>
+        <p:nvPr/>
+      </p:nvGrpSpPr>
+      <p:grpSpPr>
+        <a:xfrm>
+          <a:off x="0" y="0"/>
+          <a:ext cx="0" cy="0"/>
+          <a:chOff x="0" y="0"/>
+          <a:chExt cx="0" cy="0"/>
+        </a:xfrm>
+      </p:grpSpPr>
+      <p:sp>
+        <p:nvSpPr>
+          <p:cNvPr id="3" name="Star: 4 Points 2">
+            <a:extLst>
+              <a:ext uri="{FF2B5EF4-FFF2-40B4-BE49-F238E27FC236}">
+                <a16:creationId xmlns:a16="http://schemas.microsoft.com/office/drawing/2014/main" id="{DC88FD88-C960-46B1-94CC-B174F7ACE43C}"/>
+              </a:ext>
+            </a:extLst>
+          </p:cNvPr>
+          <p:cNvSpPr/>
+          <p:nvPr/>
+        </p:nvSpPr>
+        <p:spPr>
+          <a:xfrm>
+            <a:off x="2788024" y="1649506"/>
+            <a:ext cx="3554505" cy="3290047"/>
+          </a:xfrm>
+          <a:prstGeom prst="star4">
+            <a:avLst/>
+          </a:prstGeom>
+          <a:solidFill>
+            <a:srgbClr val="00B0F0"/>
+          </a:solidFill>
+        </p:spPr>
+        <p:style>
+          <a:lnRef idx="2">
+            <a:schemeClr val="accent1">
+              <a:shade val="50000"/>
+            </a:schemeClr>
+          </a:lnRef>
+          <a:fillRef idx="1">
+            <a:schemeClr val="accent1"/>
+          </a:fillRef>
+          <a:effectRef idx="0">
+            <a:schemeClr val="accent1"/>
+          </a:effectRef>
+          <a:fontRef idx="minor">
+            <a:schemeClr val="lt1"/>
+          </a:fontRef>
+        </p:style>
+        <p:txBody>
+          <a:bodyPr rtlCol="0" anchor="ctr"/>
+          <a:lstStyle/>
+          <a:p>
+            <a:pPr algn="ctr"/>
+            <a:endParaRPr lang="en-US"/>
+          </a:p>
+        </p:txBody>
+      </p:sp>
+    </p:spTree>
+    <p:extLst>
+      <p:ext uri="{BB962C8B-B14F-4D97-AF65-F5344CB8AC3E}">
+        <p14:creationId xmlns:p14="http://schemas.microsoft.com/office/powerpoint/2010/main" val="2027257490"/>
       </p:ext>
     </p:extLst>
   </p:cSld>
@@ -3297,63 +7031,4711 @@
       </p:grpSpPr>
       <p:sp>
         <p:nvSpPr>
-          <p:cNvPr id="2" name="TextBox 1">
+          <p:cNvPr id="2" name="Octagon 1">
             <a:extLst>
               <a:ext uri="{FF2B5EF4-FFF2-40B4-BE49-F238E27FC236}">
-                <a16:creationId xmlns:a16="http://schemas.microsoft.com/office/drawing/2014/main" id="{C9FF5DBF-5293-4990-9257-375ECC42B401}"/>
+                <a16:creationId xmlns:a16="http://schemas.microsoft.com/office/drawing/2014/main" id="{6BA6FE1C-14E6-4E91-B765-5054B60543F5}"/>
               </a:ext>
             </a:extLst>
           </p:cNvPr>
-          <p:cNvSpPr txBox="1"/>
+          <p:cNvSpPr/>
           <p:nvPr/>
         </p:nvSpPr>
         <p:spPr>
           <a:xfrm>
-            <a:off x="415738" y="2274838"/>
-            <a:ext cx="8312524" cy="2308324"/>
+            <a:off x="2812648" y="1635889"/>
+            <a:ext cx="3518704" cy="3306501"/>
           </a:xfrm>
-          <a:prstGeom prst="rect">
+          <a:prstGeom prst="octagon">
             <a:avLst/>
           </a:prstGeom>
-          <a:noFill/>
+          <a:solidFill>
+            <a:schemeClr val="accent4">
+              <a:lumMod val="40000"/>
+              <a:lumOff val="60000"/>
+            </a:schemeClr>
+          </a:solidFill>
         </p:spPr>
-        <p:txBody>
-          <a:bodyPr wrap="square" rtlCol="0">
-            <a:spAutoFit/>
-          </a:bodyPr>
-          <a:lstStyle/>
-          <a:p>
-            <a:r>
-              <a:rPr lang="en-US" sz="7200" dirty="0">
-                <a:solidFill>
-                  <a:schemeClr val="bg1"/>
-                </a:solidFill>
-              </a:rPr>
-              <a:t>How </a:t>
-            </a:r>
-            <a:r>
-              <a:rPr lang="en-US" sz="7200">
-                <a:solidFill>
-                  <a:schemeClr val="bg1"/>
-                </a:solidFill>
-              </a:rPr>
-              <a:t>do you feel </a:t>
-            </a:r>
-            <a:r>
-              <a:rPr lang="en-US" sz="7200" dirty="0">
-                <a:solidFill>
-                  <a:schemeClr val="bg1"/>
-                </a:solidFill>
-              </a:rPr>
-              <a:t>NOW?</a:t>
-            </a:r>
+        <p:style>
+          <a:lnRef idx="2">
+            <a:schemeClr val="accent1">
+              <a:shade val="50000"/>
+            </a:schemeClr>
+          </a:lnRef>
+          <a:fillRef idx="1">
+            <a:schemeClr val="accent1"/>
+          </a:fillRef>
+          <a:effectRef idx="0">
+            <a:schemeClr val="accent1"/>
+          </a:effectRef>
+          <a:fontRef idx="minor">
+            <a:schemeClr val="lt1"/>
+          </a:fontRef>
+        </p:style>
+        <p:txBody>
+          <a:bodyPr rtlCol="0" anchor="ctr"/>
+          <a:lstStyle/>
+          <a:p>
+            <a:pPr algn="ctr"/>
+            <a:endParaRPr lang="en-US"/>
           </a:p>
         </p:txBody>
       </p:sp>
     </p:spTree>
     <p:extLst>
       <p:ext uri="{BB962C8B-B14F-4D97-AF65-F5344CB8AC3E}">
-        <p14:creationId xmlns:p14="http://schemas.microsoft.com/office/powerpoint/2010/main" val="1143948458"/>
+        <p14:creationId xmlns:p14="http://schemas.microsoft.com/office/powerpoint/2010/main" val="759287685"/>
+      </p:ext>
+    </p:extLst>
+  </p:cSld>
+  <p:clrMapOvr>
+    <a:masterClrMapping/>
+  </p:clrMapOvr>
+</p:sld>
+</file>
+
+<file path=ppt/slides/slide50.xml><?xml version="1.0" encoding="utf-8"?>
+<p:sld xmlns:a="http://schemas.openxmlformats.org/drawingml/2006/main" xmlns:r="http://schemas.openxmlformats.org/officeDocument/2006/relationships" xmlns:p="http://schemas.openxmlformats.org/presentationml/2006/main">
+  <p:cSld>
+    <p:bg>
+      <p:bgPr>
+        <a:solidFill>
+          <a:schemeClr val="tx1"/>
+        </a:solidFill>
+        <a:effectLst/>
+      </p:bgPr>
+    </p:bg>
+    <p:spTree>
+      <p:nvGrpSpPr>
+        <p:cNvPr id="1" name=""/>
+        <p:cNvGrpSpPr/>
+        <p:nvPr/>
+      </p:nvGrpSpPr>
+      <p:grpSpPr>
+        <a:xfrm>
+          <a:off x="0" y="0"/>
+          <a:ext cx="0" cy="0"/>
+          <a:chOff x="0" y="0"/>
+          <a:chExt cx="0" cy="0"/>
+        </a:xfrm>
+      </p:grpSpPr>
+      <p:sp>
+        <p:nvSpPr>
+          <p:cNvPr id="3" name="Star: 4 Points 2">
+            <a:extLst>
+              <a:ext uri="{FF2B5EF4-FFF2-40B4-BE49-F238E27FC236}">
+                <a16:creationId xmlns:a16="http://schemas.microsoft.com/office/drawing/2014/main" id="{DC88FD88-C960-46B1-94CC-B174F7ACE43C}"/>
+              </a:ext>
+            </a:extLst>
+          </p:cNvPr>
+          <p:cNvSpPr/>
+          <p:nvPr/>
+        </p:nvSpPr>
+        <p:spPr>
+          <a:xfrm>
+            <a:off x="2788024" y="1649506"/>
+            <a:ext cx="3554505" cy="3290047"/>
+          </a:xfrm>
+          <a:prstGeom prst="star4">
+            <a:avLst/>
+          </a:prstGeom>
+          <a:solidFill>
+            <a:schemeClr val="accent2"/>
+          </a:solidFill>
+        </p:spPr>
+        <p:style>
+          <a:lnRef idx="2">
+            <a:schemeClr val="accent1">
+              <a:shade val="50000"/>
+            </a:schemeClr>
+          </a:lnRef>
+          <a:fillRef idx="1">
+            <a:schemeClr val="accent1"/>
+          </a:fillRef>
+          <a:effectRef idx="0">
+            <a:schemeClr val="accent1"/>
+          </a:effectRef>
+          <a:fontRef idx="minor">
+            <a:schemeClr val="lt1"/>
+          </a:fontRef>
+        </p:style>
+        <p:txBody>
+          <a:bodyPr rtlCol="0" anchor="ctr"/>
+          <a:lstStyle/>
+          <a:p>
+            <a:pPr algn="ctr"/>
+            <a:endParaRPr lang="en-US"/>
+          </a:p>
+        </p:txBody>
+      </p:sp>
+    </p:spTree>
+    <p:extLst>
+      <p:ext uri="{BB962C8B-B14F-4D97-AF65-F5344CB8AC3E}">
+        <p14:creationId xmlns:p14="http://schemas.microsoft.com/office/powerpoint/2010/main" val="4162976373"/>
+      </p:ext>
+    </p:extLst>
+  </p:cSld>
+  <p:clrMapOvr>
+    <a:masterClrMapping/>
+  </p:clrMapOvr>
+</p:sld>
+</file>
+
+<file path=ppt/slides/slide51.xml><?xml version="1.0" encoding="utf-8"?>
+<p:sld xmlns:a="http://schemas.openxmlformats.org/drawingml/2006/main" xmlns:r="http://schemas.openxmlformats.org/officeDocument/2006/relationships" xmlns:p="http://schemas.openxmlformats.org/presentationml/2006/main">
+  <p:cSld>
+    <p:bg>
+      <p:bgPr>
+        <a:solidFill>
+          <a:schemeClr val="tx1"/>
+        </a:solidFill>
+        <a:effectLst/>
+      </p:bgPr>
+    </p:bg>
+    <p:spTree>
+      <p:nvGrpSpPr>
+        <p:cNvPr id="1" name=""/>
+        <p:cNvGrpSpPr/>
+        <p:nvPr/>
+      </p:nvGrpSpPr>
+      <p:grpSpPr>
+        <a:xfrm>
+          <a:off x="0" y="0"/>
+          <a:ext cx="0" cy="0"/>
+          <a:chOff x="0" y="0"/>
+          <a:chExt cx="0" cy="0"/>
+        </a:xfrm>
+      </p:grpSpPr>
+      <p:sp>
+        <p:nvSpPr>
+          <p:cNvPr id="3" name="Star: 4 Points 2">
+            <a:extLst>
+              <a:ext uri="{FF2B5EF4-FFF2-40B4-BE49-F238E27FC236}">
+                <a16:creationId xmlns:a16="http://schemas.microsoft.com/office/drawing/2014/main" id="{DC88FD88-C960-46B1-94CC-B174F7ACE43C}"/>
+              </a:ext>
+            </a:extLst>
+          </p:cNvPr>
+          <p:cNvSpPr/>
+          <p:nvPr/>
+        </p:nvSpPr>
+        <p:spPr>
+          <a:xfrm>
+            <a:off x="2788024" y="1649506"/>
+            <a:ext cx="3554505" cy="3290047"/>
+          </a:xfrm>
+          <a:prstGeom prst="star4">
+            <a:avLst/>
+          </a:prstGeom>
+          <a:solidFill>
+            <a:srgbClr val="00B050"/>
+          </a:solidFill>
+          <a:ln>
+            <a:noFill/>
+          </a:ln>
+        </p:spPr>
+        <p:style>
+          <a:lnRef idx="2">
+            <a:schemeClr val="accent1">
+              <a:shade val="50000"/>
+            </a:schemeClr>
+          </a:lnRef>
+          <a:fillRef idx="1">
+            <a:schemeClr val="accent1"/>
+          </a:fillRef>
+          <a:effectRef idx="0">
+            <a:schemeClr val="accent1"/>
+          </a:effectRef>
+          <a:fontRef idx="minor">
+            <a:schemeClr val="lt1"/>
+          </a:fontRef>
+        </p:style>
+        <p:txBody>
+          <a:bodyPr rtlCol="0" anchor="ctr"/>
+          <a:lstStyle/>
+          <a:p>
+            <a:pPr algn="ctr"/>
+            <a:endParaRPr lang="en-US"/>
+          </a:p>
+        </p:txBody>
+      </p:sp>
+    </p:spTree>
+    <p:extLst>
+      <p:ext uri="{BB962C8B-B14F-4D97-AF65-F5344CB8AC3E}">
+        <p14:creationId xmlns:p14="http://schemas.microsoft.com/office/powerpoint/2010/main" val="2007758750"/>
+      </p:ext>
+    </p:extLst>
+  </p:cSld>
+  <p:clrMapOvr>
+    <a:masterClrMapping/>
+  </p:clrMapOvr>
+</p:sld>
+</file>
+
+<file path=ppt/slides/slide52.xml><?xml version="1.0" encoding="utf-8"?>
+<p:sld xmlns:a="http://schemas.openxmlformats.org/drawingml/2006/main" xmlns:r="http://schemas.openxmlformats.org/officeDocument/2006/relationships" xmlns:p="http://schemas.openxmlformats.org/presentationml/2006/main">
+  <p:cSld>
+    <p:bg>
+      <p:bgPr>
+        <a:solidFill>
+          <a:schemeClr val="tx1"/>
+        </a:solidFill>
+        <a:effectLst/>
+      </p:bgPr>
+    </p:bg>
+    <p:spTree>
+      <p:nvGrpSpPr>
+        <p:cNvPr id="1" name=""/>
+        <p:cNvGrpSpPr/>
+        <p:nvPr/>
+      </p:nvGrpSpPr>
+      <p:grpSpPr>
+        <a:xfrm>
+          <a:off x="0" y="0"/>
+          <a:ext cx="0" cy="0"/>
+          <a:chOff x="0" y="0"/>
+          <a:chExt cx="0" cy="0"/>
+        </a:xfrm>
+      </p:grpSpPr>
+      <p:sp>
+        <p:nvSpPr>
+          <p:cNvPr id="3" name="Star: 4 Points 2">
+            <a:extLst>
+              <a:ext uri="{FF2B5EF4-FFF2-40B4-BE49-F238E27FC236}">
+                <a16:creationId xmlns:a16="http://schemas.microsoft.com/office/drawing/2014/main" id="{DC88FD88-C960-46B1-94CC-B174F7ACE43C}"/>
+              </a:ext>
+            </a:extLst>
+          </p:cNvPr>
+          <p:cNvSpPr/>
+          <p:nvPr/>
+        </p:nvSpPr>
+        <p:spPr>
+          <a:xfrm rot="2549050">
+            <a:off x="2788024" y="1649506"/>
+            <a:ext cx="3554505" cy="3290047"/>
+          </a:xfrm>
+          <a:prstGeom prst="star4">
+            <a:avLst/>
+          </a:prstGeom>
+          <a:solidFill>
+            <a:schemeClr val="tx2">
+              <a:lumMod val="60000"/>
+              <a:lumOff val="40000"/>
+            </a:schemeClr>
+          </a:solidFill>
+        </p:spPr>
+        <p:style>
+          <a:lnRef idx="2">
+            <a:schemeClr val="accent1">
+              <a:shade val="50000"/>
+            </a:schemeClr>
+          </a:lnRef>
+          <a:fillRef idx="1">
+            <a:schemeClr val="accent1"/>
+          </a:fillRef>
+          <a:effectRef idx="0">
+            <a:schemeClr val="accent1"/>
+          </a:effectRef>
+          <a:fontRef idx="minor">
+            <a:schemeClr val="lt1"/>
+          </a:fontRef>
+        </p:style>
+        <p:txBody>
+          <a:bodyPr rtlCol="0" anchor="ctr"/>
+          <a:lstStyle/>
+          <a:p>
+            <a:pPr algn="ctr"/>
+            <a:endParaRPr lang="en-US"/>
+          </a:p>
+        </p:txBody>
+      </p:sp>
+    </p:spTree>
+    <p:extLst>
+      <p:ext uri="{BB962C8B-B14F-4D97-AF65-F5344CB8AC3E}">
+        <p14:creationId xmlns:p14="http://schemas.microsoft.com/office/powerpoint/2010/main" val="1474438047"/>
+      </p:ext>
+    </p:extLst>
+  </p:cSld>
+  <p:clrMapOvr>
+    <a:masterClrMapping/>
+  </p:clrMapOvr>
+</p:sld>
+</file>
+
+<file path=ppt/slides/slide53.xml><?xml version="1.0" encoding="utf-8"?>
+<p:sld xmlns:a="http://schemas.openxmlformats.org/drawingml/2006/main" xmlns:r="http://schemas.openxmlformats.org/officeDocument/2006/relationships" xmlns:p="http://schemas.openxmlformats.org/presentationml/2006/main">
+  <p:cSld>
+    <p:bg>
+      <p:bgPr>
+        <a:solidFill>
+          <a:schemeClr val="tx1"/>
+        </a:solidFill>
+        <a:effectLst/>
+      </p:bgPr>
+    </p:bg>
+    <p:spTree>
+      <p:nvGrpSpPr>
+        <p:cNvPr id="1" name=""/>
+        <p:cNvGrpSpPr/>
+        <p:nvPr/>
+      </p:nvGrpSpPr>
+      <p:grpSpPr>
+        <a:xfrm>
+          <a:off x="0" y="0"/>
+          <a:ext cx="0" cy="0"/>
+          <a:chOff x="0" y="0"/>
+          <a:chExt cx="0" cy="0"/>
+        </a:xfrm>
+      </p:grpSpPr>
+      <p:sp>
+        <p:nvSpPr>
+          <p:cNvPr id="3" name="Star: 4 Points 2">
+            <a:extLst>
+              <a:ext uri="{FF2B5EF4-FFF2-40B4-BE49-F238E27FC236}">
+                <a16:creationId xmlns:a16="http://schemas.microsoft.com/office/drawing/2014/main" id="{DC88FD88-C960-46B1-94CC-B174F7ACE43C}"/>
+              </a:ext>
+            </a:extLst>
+          </p:cNvPr>
+          <p:cNvSpPr/>
+          <p:nvPr/>
+        </p:nvSpPr>
+        <p:spPr>
+          <a:xfrm rot="2549050">
+            <a:off x="2788024" y="1649506"/>
+            <a:ext cx="3554505" cy="3290047"/>
+          </a:xfrm>
+          <a:prstGeom prst="star4">
+            <a:avLst/>
+          </a:prstGeom>
+          <a:solidFill>
+            <a:srgbClr val="D3BBD9"/>
+          </a:solidFill>
+          <a:ln>
+            <a:noFill/>
+          </a:ln>
+        </p:spPr>
+        <p:style>
+          <a:lnRef idx="2">
+            <a:schemeClr val="accent1">
+              <a:shade val="50000"/>
+            </a:schemeClr>
+          </a:lnRef>
+          <a:fillRef idx="1">
+            <a:schemeClr val="accent1"/>
+          </a:fillRef>
+          <a:effectRef idx="0">
+            <a:schemeClr val="accent1"/>
+          </a:effectRef>
+          <a:fontRef idx="minor">
+            <a:schemeClr val="lt1"/>
+          </a:fontRef>
+        </p:style>
+        <p:txBody>
+          <a:bodyPr rtlCol="0" anchor="ctr"/>
+          <a:lstStyle/>
+          <a:p>
+            <a:pPr algn="ctr"/>
+            <a:endParaRPr lang="en-US"/>
+          </a:p>
+        </p:txBody>
+      </p:sp>
+    </p:spTree>
+    <p:extLst>
+      <p:ext uri="{BB962C8B-B14F-4D97-AF65-F5344CB8AC3E}">
+        <p14:creationId xmlns:p14="http://schemas.microsoft.com/office/powerpoint/2010/main" val="2001374120"/>
+      </p:ext>
+    </p:extLst>
+  </p:cSld>
+  <p:clrMapOvr>
+    <a:masterClrMapping/>
+  </p:clrMapOvr>
+</p:sld>
+</file>
+
+<file path=ppt/slides/slide54.xml><?xml version="1.0" encoding="utf-8"?>
+<p:sld xmlns:a="http://schemas.openxmlformats.org/drawingml/2006/main" xmlns:r="http://schemas.openxmlformats.org/officeDocument/2006/relationships" xmlns:p="http://schemas.openxmlformats.org/presentationml/2006/main">
+  <p:cSld>
+    <p:bg>
+      <p:bgPr>
+        <a:solidFill>
+          <a:schemeClr val="tx1"/>
+        </a:solidFill>
+        <a:effectLst/>
+      </p:bgPr>
+    </p:bg>
+    <p:spTree>
+      <p:nvGrpSpPr>
+        <p:cNvPr id="1" name=""/>
+        <p:cNvGrpSpPr/>
+        <p:nvPr/>
+      </p:nvGrpSpPr>
+      <p:grpSpPr>
+        <a:xfrm>
+          <a:off x="0" y="0"/>
+          <a:ext cx="0" cy="0"/>
+          <a:chOff x="0" y="0"/>
+          <a:chExt cx="0" cy="0"/>
+        </a:xfrm>
+      </p:grpSpPr>
+      <p:sp>
+        <p:nvSpPr>
+          <p:cNvPr id="3" name="Star: 4 Points 2">
+            <a:extLst>
+              <a:ext uri="{FF2B5EF4-FFF2-40B4-BE49-F238E27FC236}">
+                <a16:creationId xmlns:a16="http://schemas.microsoft.com/office/drawing/2014/main" id="{DC88FD88-C960-46B1-94CC-B174F7ACE43C}"/>
+              </a:ext>
+            </a:extLst>
+          </p:cNvPr>
+          <p:cNvSpPr/>
+          <p:nvPr/>
+        </p:nvSpPr>
+        <p:spPr>
+          <a:xfrm rot="2549050">
+            <a:off x="2788024" y="1649506"/>
+            <a:ext cx="3554505" cy="3290047"/>
+          </a:xfrm>
+          <a:prstGeom prst="star4">
+            <a:avLst/>
+          </a:prstGeom>
+          <a:solidFill>
+            <a:srgbClr val="CEF1A3"/>
+          </a:solidFill>
+        </p:spPr>
+        <p:style>
+          <a:lnRef idx="2">
+            <a:schemeClr val="accent1">
+              <a:shade val="50000"/>
+            </a:schemeClr>
+          </a:lnRef>
+          <a:fillRef idx="1">
+            <a:schemeClr val="accent1"/>
+          </a:fillRef>
+          <a:effectRef idx="0">
+            <a:schemeClr val="accent1"/>
+          </a:effectRef>
+          <a:fontRef idx="minor">
+            <a:schemeClr val="lt1"/>
+          </a:fontRef>
+        </p:style>
+        <p:txBody>
+          <a:bodyPr rtlCol="0" anchor="ctr"/>
+          <a:lstStyle/>
+          <a:p>
+            <a:pPr algn="ctr"/>
+            <a:endParaRPr lang="en-US"/>
+          </a:p>
+        </p:txBody>
+      </p:sp>
+    </p:spTree>
+    <p:extLst>
+      <p:ext uri="{BB962C8B-B14F-4D97-AF65-F5344CB8AC3E}">
+        <p14:creationId xmlns:p14="http://schemas.microsoft.com/office/powerpoint/2010/main" val="1327407264"/>
+      </p:ext>
+    </p:extLst>
+  </p:cSld>
+  <p:clrMapOvr>
+    <a:masterClrMapping/>
+  </p:clrMapOvr>
+</p:sld>
+</file>
+
+<file path=ppt/slides/slide55.xml><?xml version="1.0" encoding="utf-8"?>
+<p:sld xmlns:a="http://schemas.openxmlformats.org/drawingml/2006/main" xmlns:r="http://schemas.openxmlformats.org/officeDocument/2006/relationships" xmlns:p="http://schemas.openxmlformats.org/presentationml/2006/main">
+  <p:cSld>
+    <p:bg>
+      <p:bgPr>
+        <a:solidFill>
+          <a:schemeClr val="tx1"/>
+        </a:solidFill>
+        <a:effectLst/>
+      </p:bgPr>
+    </p:bg>
+    <p:spTree>
+      <p:nvGrpSpPr>
+        <p:cNvPr id="1" name=""/>
+        <p:cNvGrpSpPr/>
+        <p:nvPr/>
+      </p:nvGrpSpPr>
+      <p:grpSpPr>
+        <a:xfrm>
+          <a:off x="0" y="0"/>
+          <a:ext cx="0" cy="0"/>
+          <a:chOff x="0" y="0"/>
+          <a:chExt cx="0" cy="0"/>
+        </a:xfrm>
+      </p:grpSpPr>
+      <p:sp>
+        <p:nvSpPr>
+          <p:cNvPr id="3" name="Oval 2">
+            <a:extLst>
+              <a:ext uri="{FF2B5EF4-FFF2-40B4-BE49-F238E27FC236}">
+                <a16:creationId xmlns:a16="http://schemas.microsoft.com/office/drawing/2014/main" id="{62D098FD-08DA-4BB3-96C6-B3D0942B7CAE}"/>
+              </a:ext>
+            </a:extLst>
+          </p:cNvPr>
+          <p:cNvSpPr/>
+          <p:nvPr/>
+        </p:nvSpPr>
+        <p:spPr>
+          <a:xfrm>
+            <a:off x="2810436" y="1631575"/>
+            <a:ext cx="3523129" cy="3334871"/>
+          </a:xfrm>
+          <a:prstGeom prst="ellipse">
+            <a:avLst/>
+          </a:prstGeom>
+          <a:solidFill>
+            <a:schemeClr val="accent2"/>
+          </a:solidFill>
+        </p:spPr>
+        <p:style>
+          <a:lnRef idx="2">
+            <a:schemeClr val="accent1">
+              <a:shade val="50000"/>
+            </a:schemeClr>
+          </a:lnRef>
+          <a:fillRef idx="1">
+            <a:schemeClr val="accent1"/>
+          </a:fillRef>
+          <a:effectRef idx="0">
+            <a:schemeClr val="accent1"/>
+          </a:effectRef>
+          <a:fontRef idx="minor">
+            <a:schemeClr val="lt1"/>
+          </a:fontRef>
+        </p:style>
+        <p:txBody>
+          <a:bodyPr rtlCol="0" anchor="ctr"/>
+          <a:lstStyle/>
+          <a:p>
+            <a:pPr algn="ctr"/>
+            <a:endParaRPr lang="en-US"/>
+          </a:p>
+        </p:txBody>
+      </p:sp>
+    </p:spTree>
+    <p:extLst>
+      <p:ext uri="{BB962C8B-B14F-4D97-AF65-F5344CB8AC3E}">
+        <p14:creationId xmlns:p14="http://schemas.microsoft.com/office/powerpoint/2010/main" val="3542159099"/>
+      </p:ext>
+    </p:extLst>
+  </p:cSld>
+  <p:clrMapOvr>
+    <a:masterClrMapping/>
+  </p:clrMapOvr>
+</p:sld>
+</file>
+
+<file path=ppt/slides/slide56.xml><?xml version="1.0" encoding="utf-8"?>
+<p:sld xmlns:a="http://schemas.openxmlformats.org/drawingml/2006/main" xmlns:r="http://schemas.openxmlformats.org/officeDocument/2006/relationships" xmlns:p="http://schemas.openxmlformats.org/presentationml/2006/main">
+  <p:cSld>
+    <p:bg>
+      <p:bgPr>
+        <a:solidFill>
+          <a:schemeClr val="tx1"/>
+        </a:solidFill>
+        <a:effectLst/>
+      </p:bgPr>
+    </p:bg>
+    <p:spTree>
+      <p:nvGrpSpPr>
+        <p:cNvPr id="1" name=""/>
+        <p:cNvGrpSpPr/>
+        <p:nvPr/>
+      </p:nvGrpSpPr>
+      <p:grpSpPr>
+        <a:xfrm>
+          <a:off x="0" y="0"/>
+          <a:ext cx="0" cy="0"/>
+          <a:chOff x="0" y="0"/>
+          <a:chExt cx="0" cy="0"/>
+        </a:xfrm>
+      </p:grpSpPr>
+      <p:sp>
+        <p:nvSpPr>
+          <p:cNvPr id="3" name="Oval 2">
+            <a:extLst>
+              <a:ext uri="{FF2B5EF4-FFF2-40B4-BE49-F238E27FC236}">
+                <a16:creationId xmlns:a16="http://schemas.microsoft.com/office/drawing/2014/main" id="{62D098FD-08DA-4BB3-96C6-B3D0942B7CAE}"/>
+              </a:ext>
+            </a:extLst>
+          </p:cNvPr>
+          <p:cNvSpPr/>
+          <p:nvPr/>
+        </p:nvSpPr>
+        <p:spPr>
+          <a:xfrm>
+            <a:off x="2810436" y="1631575"/>
+            <a:ext cx="3523129" cy="3334871"/>
+          </a:xfrm>
+          <a:prstGeom prst="ellipse">
+            <a:avLst/>
+          </a:prstGeom>
+          <a:solidFill>
+            <a:schemeClr val="accent5">
+              <a:lumMod val="75000"/>
+            </a:schemeClr>
+          </a:solidFill>
+        </p:spPr>
+        <p:style>
+          <a:lnRef idx="2">
+            <a:schemeClr val="accent1">
+              <a:shade val="50000"/>
+            </a:schemeClr>
+          </a:lnRef>
+          <a:fillRef idx="1">
+            <a:schemeClr val="accent1"/>
+          </a:fillRef>
+          <a:effectRef idx="0">
+            <a:schemeClr val="accent1"/>
+          </a:effectRef>
+          <a:fontRef idx="minor">
+            <a:schemeClr val="lt1"/>
+          </a:fontRef>
+        </p:style>
+        <p:txBody>
+          <a:bodyPr rtlCol="0" anchor="ctr"/>
+          <a:lstStyle/>
+          <a:p>
+            <a:pPr algn="ctr"/>
+            <a:endParaRPr lang="en-US"/>
+          </a:p>
+        </p:txBody>
+      </p:sp>
+    </p:spTree>
+    <p:extLst>
+      <p:ext uri="{BB962C8B-B14F-4D97-AF65-F5344CB8AC3E}">
+        <p14:creationId xmlns:p14="http://schemas.microsoft.com/office/powerpoint/2010/main" val="1783334976"/>
+      </p:ext>
+    </p:extLst>
+  </p:cSld>
+  <p:clrMapOvr>
+    <a:masterClrMapping/>
+  </p:clrMapOvr>
+</p:sld>
+</file>
+
+<file path=ppt/slides/slide57.xml><?xml version="1.0" encoding="utf-8"?>
+<p:sld xmlns:a="http://schemas.openxmlformats.org/drawingml/2006/main" xmlns:r="http://schemas.openxmlformats.org/officeDocument/2006/relationships" xmlns:p="http://schemas.openxmlformats.org/presentationml/2006/main">
+  <p:cSld>
+    <p:bg>
+      <p:bgPr>
+        <a:solidFill>
+          <a:schemeClr val="tx1"/>
+        </a:solidFill>
+        <a:effectLst/>
+      </p:bgPr>
+    </p:bg>
+    <p:spTree>
+      <p:nvGrpSpPr>
+        <p:cNvPr id="1" name=""/>
+        <p:cNvGrpSpPr/>
+        <p:nvPr/>
+      </p:nvGrpSpPr>
+      <p:grpSpPr>
+        <a:xfrm>
+          <a:off x="0" y="0"/>
+          <a:ext cx="0" cy="0"/>
+          <a:chOff x="0" y="0"/>
+          <a:chExt cx="0" cy="0"/>
+        </a:xfrm>
+      </p:grpSpPr>
+      <p:sp>
+        <p:nvSpPr>
+          <p:cNvPr id="2" name="Isosceles Triangle 1">
+            <a:extLst>
+              <a:ext uri="{FF2B5EF4-FFF2-40B4-BE49-F238E27FC236}">
+                <a16:creationId xmlns:a16="http://schemas.microsoft.com/office/drawing/2014/main" id="{790DE16A-E345-4D73-B4D0-78DC07B5D10E}"/>
+              </a:ext>
+            </a:extLst>
+          </p:cNvPr>
+          <p:cNvSpPr/>
+          <p:nvPr/>
+        </p:nvSpPr>
+        <p:spPr>
+          <a:xfrm rot="16200000">
+            <a:off x="2814918" y="1662953"/>
+            <a:ext cx="3527611" cy="3321423"/>
+          </a:xfrm>
+          <a:prstGeom prst="triangle">
+            <a:avLst/>
+          </a:prstGeom>
+          <a:solidFill>
+            <a:srgbClr val="E5B5AD"/>
+          </a:solidFill>
+        </p:spPr>
+        <p:style>
+          <a:lnRef idx="2">
+            <a:schemeClr val="accent1">
+              <a:shade val="50000"/>
+            </a:schemeClr>
+          </a:lnRef>
+          <a:fillRef idx="1">
+            <a:schemeClr val="accent1"/>
+          </a:fillRef>
+          <a:effectRef idx="0">
+            <a:schemeClr val="accent1"/>
+          </a:effectRef>
+          <a:fontRef idx="minor">
+            <a:schemeClr val="lt1"/>
+          </a:fontRef>
+        </p:style>
+        <p:txBody>
+          <a:bodyPr rtlCol="0" anchor="ctr"/>
+          <a:lstStyle/>
+          <a:p>
+            <a:pPr algn="ctr"/>
+            <a:endParaRPr lang="en-US" dirty="0"/>
+          </a:p>
+        </p:txBody>
+      </p:sp>
+    </p:spTree>
+    <p:extLst>
+      <p:ext uri="{BB962C8B-B14F-4D97-AF65-F5344CB8AC3E}">
+        <p14:creationId xmlns:p14="http://schemas.microsoft.com/office/powerpoint/2010/main" val="2327272556"/>
+      </p:ext>
+    </p:extLst>
+  </p:cSld>
+  <p:clrMapOvr>
+    <a:masterClrMapping/>
+  </p:clrMapOvr>
+</p:sld>
+</file>
+
+<file path=ppt/slides/slide58.xml><?xml version="1.0" encoding="utf-8"?>
+<p:sld xmlns:a="http://schemas.openxmlformats.org/drawingml/2006/main" xmlns:r="http://schemas.openxmlformats.org/officeDocument/2006/relationships" xmlns:p="http://schemas.openxmlformats.org/presentationml/2006/main">
+  <p:cSld>
+    <p:bg>
+      <p:bgPr>
+        <a:solidFill>
+          <a:schemeClr val="tx1"/>
+        </a:solidFill>
+        <a:effectLst/>
+      </p:bgPr>
+    </p:bg>
+    <p:spTree>
+      <p:nvGrpSpPr>
+        <p:cNvPr id="1" name=""/>
+        <p:cNvGrpSpPr/>
+        <p:nvPr/>
+      </p:nvGrpSpPr>
+      <p:grpSpPr>
+        <a:xfrm>
+          <a:off x="0" y="0"/>
+          <a:ext cx="0" cy="0"/>
+          <a:chOff x="0" y="0"/>
+          <a:chExt cx="0" cy="0"/>
+        </a:xfrm>
+      </p:grpSpPr>
+      <p:sp>
+        <p:nvSpPr>
+          <p:cNvPr id="2" name="Isosceles Triangle 1">
+            <a:extLst>
+              <a:ext uri="{FF2B5EF4-FFF2-40B4-BE49-F238E27FC236}">
+                <a16:creationId xmlns:a16="http://schemas.microsoft.com/office/drawing/2014/main" id="{790DE16A-E345-4D73-B4D0-78DC07B5D10E}"/>
+              </a:ext>
+            </a:extLst>
+          </p:cNvPr>
+          <p:cNvSpPr/>
+          <p:nvPr/>
+        </p:nvSpPr>
+        <p:spPr>
+          <a:xfrm>
+            <a:off x="2814918" y="1662953"/>
+            <a:ext cx="3527611" cy="3321423"/>
+          </a:xfrm>
+          <a:prstGeom prst="triangle">
+            <a:avLst/>
+          </a:prstGeom>
+          <a:solidFill>
+            <a:schemeClr val="accent3"/>
+          </a:solidFill>
+        </p:spPr>
+        <p:style>
+          <a:lnRef idx="2">
+            <a:schemeClr val="accent1">
+              <a:shade val="50000"/>
+            </a:schemeClr>
+          </a:lnRef>
+          <a:fillRef idx="1">
+            <a:schemeClr val="accent1"/>
+          </a:fillRef>
+          <a:effectRef idx="0">
+            <a:schemeClr val="accent1"/>
+          </a:effectRef>
+          <a:fontRef idx="minor">
+            <a:schemeClr val="lt1"/>
+          </a:fontRef>
+        </p:style>
+        <p:txBody>
+          <a:bodyPr rtlCol="0" anchor="ctr"/>
+          <a:lstStyle/>
+          <a:p>
+            <a:pPr algn="ctr"/>
+            <a:endParaRPr lang="en-US" dirty="0"/>
+          </a:p>
+        </p:txBody>
+      </p:sp>
+    </p:spTree>
+    <p:extLst>
+      <p:ext uri="{BB962C8B-B14F-4D97-AF65-F5344CB8AC3E}">
+        <p14:creationId xmlns:p14="http://schemas.microsoft.com/office/powerpoint/2010/main" val="3847810487"/>
+      </p:ext>
+    </p:extLst>
+  </p:cSld>
+  <p:clrMapOvr>
+    <a:masterClrMapping/>
+  </p:clrMapOvr>
+</p:sld>
+</file>
+
+<file path=ppt/slides/slide59.xml><?xml version="1.0" encoding="utf-8"?>
+<p:sld xmlns:a="http://schemas.openxmlformats.org/drawingml/2006/main" xmlns:r="http://schemas.openxmlformats.org/officeDocument/2006/relationships" xmlns:p="http://schemas.openxmlformats.org/presentationml/2006/main">
+  <p:cSld>
+    <p:bg>
+      <p:bgPr>
+        <a:solidFill>
+          <a:schemeClr val="tx1"/>
+        </a:solidFill>
+        <a:effectLst/>
+      </p:bgPr>
+    </p:bg>
+    <p:spTree>
+      <p:nvGrpSpPr>
+        <p:cNvPr id="1" name=""/>
+        <p:cNvGrpSpPr/>
+        <p:nvPr/>
+      </p:nvGrpSpPr>
+      <p:grpSpPr>
+        <a:xfrm>
+          <a:off x="0" y="0"/>
+          <a:ext cx="0" cy="0"/>
+          <a:chOff x="0" y="0"/>
+          <a:chExt cx="0" cy="0"/>
+        </a:xfrm>
+      </p:grpSpPr>
+      <p:sp>
+        <p:nvSpPr>
+          <p:cNvPr id="2" name="Isosceles Triangle 1">
+            <a:extLst>
+              <a:ext uri="{FF2B5EF4-FFF2-40B4-BE49-F238E27FC236}">
+                <a16:creationId xmlns:a16="http://schemas.microsoft.com/office/drawing/2014/main" id="{790DE16A-E345-4D73-B4D0-78DC07B5D10E}"/>
+              </a:ext>
+            </a:extLst>
+          </p:cNvPr>
+          <p:cNvSpPr/>
+          <p:nvPr/>
+        </p:nvSpPr>
+        <p:spPr>
+          <a:xfrm>
+            <a:off x="2814918" y="1662953"/>
+            <a:ext cx="3527611" cy="3321423"/>
+          </a:xfrm>
+          <a:prstGeom prst="triangle">
+            <a:avLst/>
+          </a:prstGeom>
+          <a:solidFill>
+            <a:srgbClr val="D3BBD9"/>
+          </a:solidFill>
+        </p:spPr>
+        <p:style>
+          <a:lnRef idx="2">
+            <a:schemeClr val="accent1">
+              <a:shade val="50000"/>
+            </a:schemeClr>
+          </a:lnRef>
+          <a:fillRef idx="1">
+            <a:schemeClr val="accent1"/>
+          </a:fillRef>
+          <a:effectRef idx="0">
+            <a:schemeClr val="accent1"/>
+          </a:effectRef>
+          <a:fontRef idx="minor">
+            <a:schemeClr val="lt1"/>
+          </a:fontRef>
+        </p:style>
+        <p:txBody>
+          <a:bodyPr rtlCol="0" anchor="ctr"/>
+          <a:lstStyle/>
+          <a:p>
+            <a:pPr algn="ctr"/>
+            <a:endParaRPr lang="en-US" dirty="0"/>
+          </a:p>
+        </p:txBody>
+      </p:sp>
+    </p:spTree>
+    <p:extLst>
+      <p:ext uri="{BB962C8B-B14F-4D97-AF65-F5344CB8AC3E}">
+        <p14:creationId xmlns:p14="http://schemas.microsoft.com/office/powerpoint/2010/main" val="1941913483"/>
+      </p:ext>
+    </p:extLst>
+  </p:cSld>
+  <p:clrMapOvr>
+    <a:masterClrMapping/>
+  </p:clrMapOvr>
+</p:sld>
+</file>
+
+<file path=ppt/slides/slide6.xml><?xml version="1.0" encoding="utf-8"?>
+<p:sld xmlns:a="http://schemas.openxmlformats.org/drawingml/2006/main" xmlns:r="http://schemas.openxmlformats.org/officeDocument/2006/relationships" xmlns:p="http://schemas.openxmlformats.org/presentationml/2006/main">
+  <p:cSld>
+    <p:bg>
+      <p:bgPr>
+        <a:solidFill>
+          <a:schemeClr val="tx1"/>
+        </a:solidFill>
+        <a:effectLst/>
+      </p:bgPr>
+    </p:bg>
+    <p:spTree>
+      <p:nvGrpSpPr>
+        <p:cNvPr id="1" name=""/>
+        <p:cNvGrpSpPr/>
+        <p:nvPr/>
+      </p:nvGrpSpPr>
+      <p:grpSpPr>
+        <a:xfrm>
+          <a:off x="0" y="0"/>
+          <a:ext cx="0" cy="0"/>
+          <a:chOff x="0" y="0"/>
+          <a:chExt cx="0" cy="0"/>
+        </a:xfrm>
+      </p:grpSpPr>
+      <p:sp>
+        <p:nvSpPr>
+          <p:cNvPr id="2" name="Octagon 1">
+            <a:extLst>
+              <a:ext uri="{FF2B5EF4-FFF2-40B4-BE49-F238E27FC236}">
+                <a16:creationId xmlns:a16="http://schemas.microsoft.com/office/drawing/2014/main" id="{6BA6FE1C-14E6-4E91-B765-5054B60543F5}"/>
+              </a:ext>
+            </a:extLst>
+          </p:cNvPr>
+          <p:cNvSpPr/>
+          <p:nvPr/>
+        </p:nvSpPr>
+        <p:spPr>
+          <a:xfrm>
+            <a:off x="2812648" y="1635889"/>
+            <a:ext cx="3518704" cy="3306501"/>
+          </a:xfrm>
+          <a:prstGeom prst="octagon">
+            <a:avLst/>
+          </a:prstGeom>
+          <a:solidFill>
+            <a:srgbClr val="D3BBD9"/>
+          </a:solidFill>
+        </p:spPr>
+        <p:style>
+          <a:lnRef idx="2">
+            <a:schemeClr val="accent1">
+              <a:shade val="50000"/>
+            </a:schemeClr>
+          </a:lnRef>
+          <a:fillRef idx="1">
+            <a:schemeClr val="accent1"/>
+          </a:fillRef>
+          <a:effectRef idx="0">
+            <a:schemeClr val="accent1"/>
+          </a:effectRef>
+          <a:fontRef idx="minor">
+            <a:schemeClr val="lt1"/>
+          </a:fontRef>
+        </p:style>
+        <p:txBody>
+          <a:bodyPr rtlCol="0" anchor="ctr"/>
+          <a:lstStyle/>
+          <a:p>
+            <a:pPr algn="ctr"/>
+            <a:endParaRPr lang="en-US"/>
+          </a:p>
+        </p:txBody>
+      </p:sp>
+    </p:spTree>
+    <p:extLst>
+      <p:ext uri="{BB962C8B-B14F-4D97-AF65-F5344CB8AC3E}">
+        <p14:creationId xmlns:p14="http://schemas.microsoft.com/office/powerpoint/2010/main" val="784236800"/>
+      </p:ext>
+    </p:extLst>
+  </p:cSld>
+  <p:clrMapOvr>
+    <a:masterClrMapping/>
+  </p:clrMapOvr>
+</p:sld>
+</file>
+
+<file path=ppt/slides/slide60.xml><?xml version="1.0" encoding="utf-8"?>
+<p:sld xmlns:a="http://schemas.openxmlformats.org/drawingml/2006/main" xmlns:r="http://schemas.openxmlformats.org/officeDocument/2006/relationships" xmlns:p="http://schemas.openxmlformats.org/presentationml/2006/main">
+  <p:cSld>
+    <p:bg>
+      <p:bgPr>
+        <a:solidFill>
+          <a:schemeClr val="tx1"/>
+        </a:solidFill>
+        <a:effectLst/>
+      </p:bgPr>
+    </p:bg>
+    <p:spTree>
+      <p:nvGrpSpPr>
+        <p:cNvPr id="1" name=""/>
+        <p:cNvGrpSpPr/>
+        <p:nvPr/>
+      </p:nvGrpSpPr>
+      <p:grpSpPr>
+        <a:xfrm>
+          <a:off x="0" y="0"/>
+          <a:ext cx="0" cy="0"/>
+          <a:chOff x="0" y="0"/>
+          <a:chExt cx="0" cy="0"/>
+        </a:xfrm>
+      </p:grpSpPr>
+      <p:sp>
+        <p:nvSpPr>
+          <p:cNvPr id="2" name="Isosceles Triangle 1">
+            <a:extLst>
+              <a:ext uri="{FF2B5EF4-FFF2-40B4-BE49-F238E27FC236}">
+                <a16:creationId xmlns:a16="http://schemas.microsoft.com/office/drawing/2014/main" id="{790DE16A-E345-4D73-B4D0-78DC07B5D10E}"/>
+              </a:ext>
+            </a:extLst>
+          </p:cNvPr>
+          <p:cNvSpPr/>
+          <p:nvPr/>
+        </p:nvSpPr>
+        <p:spPr>
+          <a:xfrm rot="5400000">
+            <a:off x="2814918" y="1662953"/>
+            <a:ext cx="3527611" cy="3321423"/>
+          </a:xfrm>
+          <a:prstGeom prst="triangle">
+            <a:avLst/>
+          </a:prstGeom>
+          <a:solidFill>
+            <a:schemeClr val="accent5"/>
+          </a:solidFill>
+        </p:spPr>
+        <p:style>
+          <a:lnRef idx="2">
+            <a:schemeClr val="accent1">
+              <a:shade val="50000"/>
+            </a:schemeClr>
+          </a:lnRef>
+          <a:fillRef idx="1">
+            <a:schemeClr val="accent1"/>
+          </a:fillRef>
+          <a:effectRef idx="0">
+            <a:schemeClr val="accent1"/>
+          </a:effectRef>
+          <a:fontRef idx="minor">
+            <a:schemeClr val="lt1"/>
+          </a:fontRef>
+        </p:style>
+        <p:txBody>
+          <a:bodyPr rtlCol="0" anchor="ctr"/>
+          <a:lstStyle/>
+          <a:p>
+            <a:pPr algn="ctr"/>
+            <a:endParaRPr lang="en-US" dirty="0"/>
+          </a:p>
+        </p:txBody>
+      </p:sp>
+    </p:spTree>
+    <p:extLst>
+      <p:ext uri="{BB962C8B-B14F-4D97-AF65-F5344CB8AC3E}">
+        <p14:creationId xmlns:p14="http://schemas.microsoft.com/office/powerpoint/2010/main" val="2658072227"/>
+      </p:ext>
+    </p:extLst>
+  </p:cSld>
+  <p:clrMapOvr>
+    <a:masterClrMapping/>
+  </p:clrMapOvr>
+</p:sld>
+</file>
+
+<file path=ppt/slides/slide61.xml><?xml version="1.0" encoding="utf-8"?>
+<p:sld xmlns:a="http://schemas.openxmlformats.org/drawingml/2006/main" xmlns:r="http://schemas.openxmlformats.org/officeDocument/2006/relationships" xmlns:p="http://schemas.openxmlformats.org/presentationml/2006/main">
+  <p:cSld>
+    <p:bg>
+      <p:bgPr>
+        <a:solidFill>
+          <a:schemeClr val="tx1"/>
+        </a:solidFill>
+        <a:effectLst/>
+      </p:bgPr>
+    </p:bg>
+    <p:spTree>
+      <p:nvGrpSpPr>
+        <p:cNvPr id="1" name=""/>
+        <p:cNvGrpSpPr/>
+        <p:nvPr/>
+      </p:nvGrpSpPr>
+      <p:grpSpPr>
+        <a:xfrm>
+          <a:off x="0" y="0"/>
+          <a:ext cx="0" cy="0"/>
+          <a:chOff x="0" y="0"/>
+          <a:chExt cx="0" cy="0"/>
+        </a:xfrm>
+      </p:grpSpPr>
+      <p:sp>
+        <p:nvSpPr>
+          <p:cNvPr id="3" name="Chord 2">
+            <a:extLst>
+              <a:ext uri="{FF2B5EF4-FFF2-40B4-BE49-F238E27FC236}">
+                <a16:creationId xmlns:a16="http://schemas.microsoft.com/office/drawing/2014/main" id="{77F7E369-E1FE-4DB6-8D21-7D2B423341DC}"/>
+              </a:ext>
+            </a:extLst>
+          </p:cNvPr>
+          <p:cNvSpPr/>
+          <p:nvPr/>
+        </p:nvSpPr>
+        <p:spPr>
+          <a:xfrm>
+            <a:off x="2810435" y="1667435"/>
+            <a:ext cx="3545541" cy="3316941"/>
+          </a:xfrm>
+          <a:prstGeom prst="chord">
+            <a:avLst/>
+          </a:prstGeom>
+          <a:solidFill>
+            <a:schemeClr val="accent6">
+              <a:lumMod val="40000"/>
+              <a:lumOff val="60000"/>
+            </a:schemeClr>
+          </a:solidFill>
+        </p:spPr>
+        <p:style>
+          <a:lnRef idx="2">
+            <a:schemeClr val="accent1">
+              <a:shade val="50000"/>
+            </a:schemeClr>
+          </a:lnRef>
+          <a:fillRef idx="1">
+            <a:schemeClr val="accent1"/>
+          </a:fillRef>
+          <a:effectRef idx="0">
+            <a:schemeClr val="accent1"/>
+          </a:effectRef>
+          <a:fontRef idx="minor">
+            <a:schemeClr val="lt1"/>
+          </a:fontRef>
+        </p:style>
+        <p:txBody>
+          <a:bodyPr rtlCol="0" anchor="ctr"/>
+          <a:lstStyle/>
+          <a:p>
+            <a:pPr algn="ctr"/>
+            <a:endParaRPr lang="en-US"/>
+          </a:p>
+        </p:txBody>
+      </p:sp>
+    </p:spTree>
+    <p:extLst>
+      <p:ext uri="{BB962C8B-B14F-4D97-AF65-F5344CB8AC3E}">
+        <p14:creationId xmlns:p14="http://schemas.microsoft.com/office/powerpoint/2010/main" val="2726908939"/>
+      </p:ext>
+    </p:extLst>
+  </p:cSld>
+  <p:clrMapOvr>
+    <a:masterClrMapping/>
+  </p:clrMapOvr>
+</p:sld>
+</file>
+
+<file path=ppt/slides/slide62.xml><?xml version="1.0" encoding="utf-8"?>
+<p:sld xmlns:a="http://schemas.openxmlformats.org/drawingml/2006/main" xmlns:r="http://schemas.openxmlformats.org/officeDocument/2006/relationships" xmlns:p="http://schemas.openxmlformats.org/presentationml/2006/main">
+  <p:cSld>
+    <p:bg>
+      <p:bgPr>
+        <a:solidFill>
+          <a:schemeClr val="tx1"/>
+        </a:solidFill>
+        <a:effectLst/>
+      </p:bgPr>
+    </p:bg>
+    <p:spTree>
+      <p:nvGrpSpPr>
+        <p:cNvPr id="1" name=""/>
+        <p:cNvGrpSpPr/>
+        <p:nvPr/>
+      </p:nvGrpSpPr>
+      <p:grpSpPr>
+        <a:xfrm>
+          <a:off x="0" y="0"/>
+          <a:ext cx="0" cy="0"/>
+          <a:chOff x="0" y="0"/>
+          <a:chExt cx="0" cy="0"/>
+        </a:xfrm>
+      </p:grpSpPr>
+      <p:sp>
+        <p:nvSpPr>
+          <p:cNvPr id="3" name="Chord 2">
+            <a:extLst>
+              <a:ext uri="{FF2B5EF4-FFF2-40B4-BE49-F238E27FC236}">
+                <a16:creationId xmlns:a16="http://schemas.microsoft.com/office/drawing/2014/main" id="{77F7E369-E1FE-4DB6-8D21-7D2B423341DC}"/>
+              </a:ext>
+            </a:extLst>
+          </p:cNvPr>
+          <p:cNvSpPr/>
+          <p:nvPr/>
+        </p:nvSpPr>
+        <p:spPr>
+          <a:xfrm rot="14549126">
+            <a:off x="2810435" y="1667435"/>
+            <a:ext cx="3545541" cy="3316941"/>
+          </a:xfrm>
+          <a:prstGeom prst="chord">
+            <a:avLst/>
+          </a:prstGeom>
+          <a:solidFill>
+            <a:srgbClr val="D3BBD9"/>
+          </a:solidFill>
+        </p:spPr>
+        <p:style>
+          <a:lnRef idx="2">
+            <a:schemeClr val="accent1">
+              <a:shade val="50000"/>
+            </a:schemeClr>
+          </a:lnRef>
+          <a:fillRef idx="1">
+            <a:schemeClr val="accent1"/>
+          </a:fillRef>
+          <a:effectRef idx="0">
+            <a:schemeClr val="accent1"/>
+          </a:effectRef>
+          <a:fontRef idx="minor">
+            <a:schemeClr val="lt1"/>
+          </a:fontRef>
+        </p:style>
+        <p:txBody>
+          <a:bodyPr rtlCol="0" anchor="ctr"/>
+          <a:lstStyle/>
+          <a:p>
+            <a:pPr algn="ctr"/>
+            <a:endParaRPr lang="en-US"/>
+          </a:p>
+        </p:txBody>
+      </p:sp>
+    </p:spTree>
+    <p:extLst>
+      <p:ext uri="{BB962C8B-B14F-4D97-AF65-F5344CB8AC3E}">
+        <p14:creationId xmlns:p14="http://schemas.microsoft.com/office/powerpoint/2010/main" val="2184037107"/>
+      </p:ext>
+    </p:extLst>
+  </p:cSld>
+  <p:clrMapOvr>
+    <a:masterClrMapping/>
+  </p:clrMapOvr>
+</p:sld>
+</file>
+
+<file path=ppt/slides/slide63.xml><?xml version="1.0" encoding="utf-8"?>
+<p:sld xmlns:a="http://schemas.openxmlformats.org/drawingml/2006/main" xmlns:r="http://schemas.openxmlformats.org/officeDocument/2006/relationships" xmlns:p="http://schemas.openxmlformats.org/presentationml/2006/main">
+  <p:cSld>
+    <p:bg>
+      <p:bgPr>
+        <a:solidFill>
+          <a:schemeClr val="tx1"/>
+        </a:solidFill>
+        <a:effectLst/>
+      </p:bgPr>
+    </p:bg>
+    <p:spTree>
+      <p:nvGrpSpPr>
+        <p:cNvPr id="1" name=""/>
+        <p:cNvGrpSpPr/>
+        <p:nvPr/>
+      </p:nvGrpSpPr>
+      <p:grpSpPr>
+        <a:xfrm>
+          <a:off x="0" y="0"/>
+          <a:ext cx="0" cy="0"/>
+          <a:chOff x="0" y="0"/>
+          <a:chExt cx="0" cy="0"/>
+        </a:xfrm>
+      </p:grpSpPr>
+      <p:sp>
+        <p:nvSpPr>
+          <p:cNvPr id="3" name="Chord 2">
+            <a:extLst>
+              <a:ext uri="{FF2B5EF4-FFF2-40B4-BE49-F238E27FC236}">
+                <a16:creationId xmlns:a16="http://schemas.microsoft.com/office/drawing/2014/main" id="{77F7E369-E1FE-4DB6-8D21-7D2B423341DC}"/>
+              </a:ext>
+            </a:extLst>
+          </p:cNvPr>
+          <p:cNvSpPr/>
+          <p:nvPr/>
+        </p:nvSpPr>
+        <p:spPr>
+          <a:xfrm rot="3880073">
+            <a:off x="2810435" y="1667435"/>
+            <a:ext cx="3545541" cy="3316941"/>
+          </a:xfrm>
+          <a:prstGeom prst="chord">
+            <a:avLst/>
+          </a:prstGeom>
+          <a:solidFill>
+            <a:schemeClr val="accent1"/>
+          </a:solidFill>
+        </p:spPr>
+        <p:style>
+          <a:lnRef idx="2">
+            <a:schemeClr val="accent1">
+              <a:shade val="50000"/>
+            </a:schemeClr>
+          </a:lnRef>
+          <a:fillRef idx="1">
+            <a:schemeClr val="accent1"/>
+          </a:fillRef>
+          <a:effectRef idx="0">
+            <a:schemeClr val="accent1"/>
+          </a:effectRef>
+          <a:fontRef idx="minor">
+            <a:schemeClr val="lt1"/>
+          </a:fontRef>
+        </p:style>
+        <p:txBody>
+          <a:bodyPr rtlCol="0" anchor="ctr"/>
+          <a:lstStyle/>
+          <a:p>
+            <a:pPr algn="ctr"/>
+            <a:endParaRPr lang="en-US" dirty="0"/>
+          </a:p>
+        </p:txBody>
+      </p:sp>
+    </p:spTree>
+    <p:extLst>
+      <p:ext uri="{BB962C8B-B14F-4D97-AF65-F5344CB8AC3E}">
+        <p14:creationId xmlns:p14="http://schemas.microsoft.com/office/powerpoint/2010/main" val="3182809462"/>
+      </p:ext>
+    </p:extLst>
+  </p:cSld>
+  <p:clrMapOvr>
+    <a:masterClrMapping/>
+  </p:clrMapOvr>
+</p:sld>
+</file>
+
+<file path=ppt/slides/slide64.xml><?xml version="1.0" encoding="utf-8"?>
+<p:sld xmlns:a="http://schemas.openxmlformats.org/drawingml/2006/main" xmlns:r="http://schemas.openxmlformats.org/officeDocument/2006/relationships" xmlns:p="http://schemas.openxmlformats.org/presentationml/2006/main">
+  <p:cSld>
+    <p:bg>
+      <p:bgPr>
+        <a:solidFill>
+          <a:schemeClr val="tx1"/>
+        </a:solidFill>
+        <a:effectLst/>
+      </p:bgPr>
+    </p:bg>
+    <p:spTree>
+      <p:nvGrpSpPr>
+        <p:cNvPr id="1" name=""/>
+        <p:cNvGrpSpPr/>
+        <p:nvPr/>
+      </p:nvGrpSpPr>
+      <p:grpSpPr>
+        <a:xfrm>
+          <a:off x="0" y="0"/>
+          <a:ext cx="0" cy="0"/>
+          <a:chOff x="0" y="0"/>
+          <a:chExt cx="0" cy="0"/>
+        </a:xfrm>
+      </p:grpSpPr>
+      <p:sp>
+        <p:nvSpPr>
+          <p:cNvPr id="3" name="Chord 2">
+            <a:extLst>
+              <a:ext uri="{FF2B5EF4-FFF2-40B4-BE49-F238E27FC236}">
+                <a16:creationId xmlns:a16="http://schemas.microsoft.com/office/drawing/2014/main" id="{77F7E369-E1FE-4DB6-8D21-7D2B423341DC}"/>
+              </a:ext>
+            </a:extLst>
+          </p:cNvPr>
+          <p:cNvSpPr/>
+          <p:nvPr/>
+        </p:nvSpPr>
+        <p:spPr>
+          <a:xfrm rot="10800000">
+            <a:off x="2810435" y="1667435"/>
+            <a:ext cx="3545541" cy="3316941"/>
+          </a:xfrm>
+          <a:prstGeom prst="chord">
+            <a:avLst/>
+          </a:prstGeom>
+          <a:solidFill>
+            <a:schemeClr val="accent2">
+              <a:lumMod val="75000"/>
+            </a:schemeClr>
+          </a:solidFill>
+        </p:spPr>
+        <p:style>
+          <a:lnRef idx="2">
+            <a:schemeClr val="accent1">
+              <a:shade val="50000"/>
+            </a:schemeClr>
+          </a:lnRef>
+          <a:fillRef idx="1">
+            <a:schemeClr val="accent1"/>
+          </a:fillRef>
+          <a:effectRef idx="0">
+            <a:schemeClr val="accent1"/>
+          </a:effectRef>
+          <a:fontRef idx="minor">
+            <a:schemeClr val="lt1"/>
+          </a:fontRef>
+        </p:style>
+        <p:txBody>
+          <a:bodyPr rtlCol="0" anchor="ctr"/>
+          <a:lstStyle/>
+          <a:p>
+            <a:pPr algn="ctr"/>
+            <a:endParaRPr lang="en-US"/>
+          </a:p>
+        </p:txBody>
+      </p:sp>
+    </p:spTree>
+    <p:extLst>
+      <p:ext uri="{BB962C8B-B14F-4D97-AF65-F5344CB8AC3E}">
+        <p14:creationId xmlns:p14="http://schemas.microsoft.com/office/powerpoint/2010/main" val="2482727302"/>
+      </p:ext>
+    </p:extLst>
+  </p:cSld>
+  <p:clrMapOvr>
+    <a:masterClrMapping/>
+  </p:clrMapOvr>
+</p:sld>
+</file>
+
+<file path=ppt/slides/slide65.xml><?xml version="1.0" encoding="utf-8"?>
+<p:sld xmlns:a="http://schemas.openxmlformats.org/drawingml/2006/main" xmlns:r="http://schemas.openxmlformats.org/officeDocument/2006/relationships" xmlns:p="http://schemas.openxmlformats.org/presentationml/2006/main">
+  <p:cSld>
+    <p:bg>
+      <p:bgPr>
+        <a:solidFill>
+          <a:schemeClr val="tx1"/>
+        </a:solidFill>
+        <a:effectLst/>
+      </p:bgPr>
+    </p:bg>
+    <p:spTree>
+      <p:nvGrpSpPr>
+        <p:cNvPr id="1" name=""/>
+        <p:cNvGrpSpPr/>
+        <p:nvPr/>
+      </p:nvGrpSpPr>
+      <p:grpSpPr>
+        <a:xfrm>
+          <a:off x="0" y="0"/>
+          <a:ext cx="0" cy="0"/>
+          <a:chOff x="0" y="0"/>
+          <a:chExt cx="0" cy="0"/>
+        </a:xfrm>
+      </p:grpSpPr>
+      <p:sp>
+        <p:nvSpPr>
+          <p:cNvPr id="3" name="Star: 6 Points 2">
+            <a:extLst>
+              <a:ext uri="{FF2B5EF4-FFF2-40B4-BE49-F238E27FC236}">
+                <a16:creationId xmlns:a16="http://schemas.microsoft.com/office/drawing/2014/main" id="{1B71F252-F3D8-4AA6-A897-B40D0B91B745}"/>
+              </a:ext>
+            </a:extLst>
+          </p:cNvPr>
+          <p:cNvSpPr/>
+          <p:nvPr/>
+        </p:nvSpPr>
+        <p:spPr>
+          <a:xfrm>
+            <a:off x="2805953" y="1658471"/>
+            <a:ext cx="3518647" cy="3325905"/>
+          </a:xfrm>
+          <a:prstGeom prst="star6">
+            <a:avLst>
+              <a:gd name="adj" fmla="val 23612"/>
+              <a:gd name="hf" fmla="val 115470"/>
+            </a:avLst>
+          </a:prstGeom>
+          <a:solidFill>
+            <a:schemeClr val="accent4">
+              <a:lumMod val="60000"/>
+              <a:lumOff val="40000"/>
+            </a:schemeClr>
+          </a:solidFill>
+        </p:spPr>
+        <p:style>
+          <a:lnRef idx="2">
+            <a:schemeClr val="accent1">
+              <a:shade val="50000"/>
+            </a:schemeClr>
+          </a:lnRef>
+          <a:fillRef idx="1">
+            <a:schemeClr val="accent1"/>
+          </a:fillRef>
+          <a:effectRef idx="0">
+            <a:schemeClr val="accent1"/>
+          </a:effectRef>
+          <a:fontRef idx="minor">
+            <a:schemeClr val="lt1"/>
+          </a:fontRef>
+        </p:style>
+        <p:txBody>
+          <a:bodyPr rtlCol="0" anchor="ctr"/>
+          <a:lstStyle/>
+          <a:p>
+            <a:pPr algn="ctr"/>
+            <a:endParaRPr lang="en-US"/>
+          </a:p>
+        </p:txBody>
+      </p:sp>
+    </p:spTree>
+    <p:extLst>
+      <p:ext uri="{BB962C8B-B14F-4D97-AF65-F5344CB8AC3E}">
+        <p14:creationId xmlns:p14="http://schemas.microsoft.com/office/powerpoint/2010/main" val="967339084"/>
+      </p:ext>
+    </p:extLst>
+  </p:cSld>
+  <p:clrMapOvr>
+    <a:masterClrMapping/>
+  </p:clrMapOvr>
+</p:sld>
+</file>
+
+<file path=ppt/slides/slide66.xml><?xml version="1.0" encoding="utf-8"?>
+<p:sld xmlns:a="http://schemas.openxmlformats.org/drawingml/2006/main" xmlns:r="http://schemas.openxmlformats.org/officeDocument/2006/relationships" xmlns:p="http://schemas.openxmlformats.org/presentationml/2006/main">
+  <p:cSld>
+    <p:bg>
+      <p:bgPr>
+        <a:solidFill>
+          <a:schemeClr val="tx1"/>
+        </a:solidFill>
+        <a:effectLst/>
+      </p:bgPr>
+    </p:bg>
+    <p:spTree>
+      <p:nvGrpSpPr>
+        <p:cNvPr id="1" name=""/>
+        <p:cNvGrpSpPr/>
+        <p:nvPr/>
+      </p:nvGrpSpPr>
+      <p:grpSpPr>
+        <a:xfrm>
+          <a:off x="0" y="0"/>
+          <a:ext cx="0" cy="0"/>
+          <a:chOff x="0" y="0"/>
+          <a:chExt cx="0" cy="0"/>
+        </a:xfrm>
+      </p:grpSpPr>
+      <p:sp>
+        <p:nvSpPr>
+          <p:cNvPr id="3" name="Star: 6 Points 2">
+            <a:extLst>
+              <a:ext uri="{FF2B5EF4-FFF2-40B4-BE49-F238E27FC236}">
+                <a16:creationId xmlns:a16="http://schemas.microsoft.com/office/drawing/2014/main" id="{1B71F252-F3D8-4AA6-A897-B40D0B91B745}"/>
+              </a:ext>
+            </a:extLst>
+          </p:cNvPr>
+          <p:cNvSpPr/>
+          <p:nvPr/>
+        </p:nvSpPr>
+        <p:spPr>
+          <a:xfrm>
+            <a:off x="2805953" y="1658471"/>
+            <a:ext cx="3518647" cy="3325905"/>
+          </a:xfrm>
+          <a:prstGeom prst="star6">
+            <a:avLst>
+              <a:gd name="adj" fmla="val 23612"/>
+              <a:gd name="hf" fmla="val 115470"/>
+            </a:avLst>
+          </a:prstGeom>
+          <a:solidFill>
+            <a:schemeClr val="accent5">
+              <a:lumMod val="75000"/>
+            </a:schemeClr>
+          </a:solidFill>
+        </p:spPr>
+        <p:style>
+          <a:lnRef idx="2">
+            <a:schemeClr val="accent1">
+              <a:shade val="50000"/>
+            </a:schemeClr>
+          </a:lnRef>
+          <a:fillRef idx="1">
+            <a:schemeClr val="accent1"/>
+          </a:fillRef>
+          <a:effectRef idx="0">
+            <a:schemeClr val="accent1"/>
+          </a:effectRef>
+          <a:fontRef idx="minor">
+            <a:schemeClr val="lt1"/>
+          </a:fontRef>
+        </p:style>
+        <p:txBody>
+          <a:bodyPr rtlCol="0" anchor="ctr"/>
+          <a:lstStyle/>
+          <a:p>
+            <a:pPr algn="ctr"/>
+            <a:endParaRPr lang="en-US"/>
+          </a:p>
+        </p:txBody>
+      </p:sp>
+    </p:spTree>
+    <p:extLst>
+      <p:ext uri="{BB962C8B-B14F-4D97-AF65-F5344CB8AC3E}">
+        <p14:creationId xmlns:p14="http://schemas.microsoft.com/office/powerpoint/2010/main" val="3309634592"/>
+      </p:ext>
+    </p:extLst>
+  </p:cSld>
+  <p:clrMapOvr>
+    <a:masterClrMapping/>
+  </p:clrMapOvr>
+</p:sld>
+</file>
+
+<file path=ppt/slides/slide67.xml><?xml version="1.0" encoding="utf-8"?>
+<p:sld xmlns:a="http://schemas.openxmlformats.org/drawingml/2006/main" xmlns:r="http://schemas.openxmlformats.org/officeDocument/2006/relationships" xmlns:p="http://schemas.openxmlformats.org/presentationml/2006/main">
+  <p:cSld>
+    <p:bg>
+      <p:bgPr>
+        <a:solidFill>
+          <a:schemeClr val="tx1"/>
+        </a:solidFill>
+        <a:effectLst/>
+      </p:bgPr>
+    </p:bg>
+    <p:spTree>
+      <p:nvGrpSpPr>
+        <p:cNvPr id="1" name=""/>
+        <p:cNvGrpSpPr/>
+        <p:nvPr/>
+      </p:nvGrpSpPr>
+      <p:grpSpPr>
+        <a:xfrm>
+          <a:off x="0" y="0"/>
+          <a:ext cx="0" cy="0"/>
+          <a:chOff x="0" y="0"/>
+          <a:chExt cx="0" cy="0"/>
+        </a:xfrm>
+      </p:grpSpPr>
+      <p:sp>
+        <p:nvSpPr>
+          <p:cNvPr id="3" name="Star: 6 Points 2">
+            <a:extLst>
+              <a:ext uri="{FF2B5EF4-FFF2-40B4-BE49-F238E27FC236}">
+                <a16:creationId xmlns:a16="http://schemas.microsoft.com/office/drawing/2014/main" id="{1B71F252-F3D8-4AA6-A897-B40D0B91B745}"/>
+              </a:ext>
+            </a:extLst>
+          </p:cNvPr>
+          <p:cNvSpPr/>
+          <p:nvPr/>
+        </p:nvSpPr>
+        <p:spPr>
+          <a:xfrm>
+            <a:off x="2805953" y="1658471"/>
+            <a:ext cx="3518647" cy="3325905"/>
+          </a:xfrm>
+          <a:prstGeom prst="star6">
+            <a:avLst>
+              <a:gd name="adj" fmla="val 23612"/>
+              <a:gd name="hf" fmla="val 115470"/>
+            </a:avLst>
+          </a:prstGeom>
+          <a:solidFill>
+            <a:schemeClr val="accent2">
+              <a:lumMod val="60000"/>
+              <a:lumOff val="40000"/>
+            </a:schemeClr>
+          </a:solidFill>
+        </p:spPr>
+        <p:style>
+          <a:lnRef idx="2">
+            <a:schemeClr val="accent1">
+              <a:shade val="50000"/>
+            </a:schemeClr>
+          </a:lnRef>
+          <a:fillRef idx="1">
+            <a:schemeClr val="accent1"/>
+          </a:fillRef>
+          <a:effectRef idx="0">
+            <a:schemeClr val="accent1"/>
+          </a:effectRef>
+          <a:fontRef idx="minor">
+            <a:schemeClr val="lt1"/>
+          </a:fontRef>
+        </p:style>
+        <p:txBody>
+          <a:bodyPr rtlCol="0" anchor="ctr"/>
+          <a:lstStyle/>
+          <a:p>
+            <a:pPr algn="ctr"/>
+            <a:endParaRPr lang="en-US" dirty="0"/>
+          </a:p>
+        </p:txBody>
+      </p:sp>
+    </p:spTree>
+    <p:extLst>
+      <p:ext uri="{BB962C8B-B14F-4D97-AF65-F5344CB8AC3E}">
+        <p14:creationId xmlns:p14="http://schemas.microsoft.com/office/powerpoint/2010/main" val="1854631463"/>
+      </p:ext>
+    </p:extLst>
+  </p:cSld>
+  <p:clrMapOvr>
+    <a:masterClrMapping/>
+  </p:clrMapOvr>
+</p:sld>
+</file>
+
+<file path=ppt/slides/slide68.xml><?xml version="1.0" encoding="utf-8"?>
+<p:sld xmlns:a="http://schemas.openxmlformats.org/drawingml/2006/main" xmlns:r="http://schemas.openxmlformats.org/officeDocument/2006/relationships" xmlns:p="http://schemas.openxmlformats.org/presentationml/2006/main">
+  <p:cSld>
+    <p:bg>
+      <p:bgPr>
+        <a:solidFill>
+          <a:schemeClr val="tx1"/>
+        </a:solidFill>
+        <a:effectLst/>
+      </p:bgPr>
+    </p:bg>
+    <p:spTree>
+      <p:nvGrpSpPr>
+        <p:cNvPr id="1" name=""/>
+        <p:cNvGrpSpPr/>
+        <p:nvPr/>
+      </p:nvGrpSpPr>
+      <p:grpSpPr>
+        <a:xfrm>
+          <a:off x="0" y="0"/>
+          <a:ext cx="0" cy="0"/>
+          <a:chOff x="0" y="0"/>
+          <a:chExt cx="0" cy="0"/>
+        </a:xfrm>
+      </p:grpSpPr>
+      <p:sp>
+        <p:nvSpPr>
+          <p:cNvPr id="3" name="Star: 6 Points 2">
+            <a:extLst>
+              <a:ext uri="{FF2B5EF4-FFF2-40B4-BE49-F238E27FC236}">
+                <a16:creationId xmlns:a16="http://schemas.microsoft.com/office/drawing/2014/main" id="{1B71F252-F3D8-4AA6-A897-B40D0B91B745}"/>
+              </a:ext>
+            </a:extLst>
+          </p:cNvPr>
+          <p:cNvSpPr/>
+          <p:nvPr/>
+        </p:nvSpPr>
+        <p:spPr>
+          <a:xfrm>
+            <a:off x="2805953" y="1658471"/>
+            <a:ext cx="3518647" cy="3325905"/>
+          </a:xfrm>
+          <a:prstGeom prst="star6">
+            <a:avLst>
+              <a:gd name="adj" fmla="val 23612"/>
+              <a:gd name="hf" fmla="val 115470"/>
+            </a:avLst>
+          </a:prstGeom>
+          <a:solidFill>
+            <a:srgbClr val="D3BBD9"/>
+          </a:solidFill>
+        </p:spPr>
+        <p:style>
+          <a:lnRef idx="2">
+            <a:schemeClr val="accent1">
+              <a:shade val="50000"/>
+            </a:schemeClr>
+          </a:lnRef>
+          <a:fillRef idx="1">
+            <a:schemeClr val="accent1"/>
+          </a:fillRef>
+          <a:effectRef idx="0">
+            <a:schemeClr val="accent1"/>
+          </a:effectRef>
+          <a:fontRef idx="minor">
+            <a:schemeClr val="lt1"/>
+          </a:fontRef>
+        </p:style>
+        <p:txBody>
+          <a:bodyPr rtlCol="0" anchor="ctr"/>
+          <a:lstStyle/>
+          <a:p>
+            <a:pPr algn="ctr"/>
+            <a:endParaRPr lang="en-US" dirty="0"/>
+          </a:p>
+        </p:txBody>
+      </p:sp>
+    </p:spTree>
+    <p:extLst>
+      <p:ext uri="{BB962C8B-B14F-4D97-AF65-F5344CB8AC3E}">
+        <p14:creationId xmlns:p14="http://schemas.microsoft.com/office/powerpoint/2010/main" val="2411227799"/>
+      </p:ext>
+    </p:extLst>
+  </p:cSld>
+  <p:clrMapOvr>
+    <a:masterClrMapping/>
+  </p:clrMapOvr>
+</p:sld>
+</file>
+
+<file path=ppt/slides/slide69.xml><?xml version="1.0" encoding="utf-8"?>
+<p:sld xmlns:a="http://schemas.openxmlformats.org/drawingml/2006/main" xmlns:r="http://schemas.openxmlformats.org/officeDocument/2006/relationships" xmlns:p="http://schemas.openxmlformats.org/presentationml/2006/main">
+  <p:cSld>
+    <p:bg>
+      <p:bgPr>
+        <a:solidFill>
+          <a:schemeClr val="tx1"/>
+        </a:solidFill>
+        <a:effectLst/>
+      </p:bgPr>
+    </p:bg>
+    <p:spTree>
+      <p:nvGrpSpPr>
+        <p:cNvPr id="1" name=""/>
+        <p:cNvGrpSpPr/>
+        <p:nvPr/>
+      </p:nvGrpSpPr>
+      <p:grpSpPr>
+        <a:xfrm>
+          <a:off x="0" y="0"/>
+          <a:ext cx="0" cy="0"/>
+          <a:chOff x="0" y="0"/>
+          <a:chExt cx="0" cy="0"/>
+        </a:xfrm>
+      </p:grpSpPr>
+      <p:sp>
+        <p:nvSpPr>
+          <p:cNvPr id="3" name="Partial Circle 2">
+            <a:extLst>
+              <a:ext uri="{FF2B5EF4-FFF2-40B4-BE49-F238E27FC236}">
+                <a16:creationId xmlns:a16="http://schemas.microsoft.com/office/drawing/2014/main" id="{83F90143-18BA-4E97-A768-5B20390F3F22}"/>
+              </a:ext>
+            </a:extLst>
+          </p:cNvPr>
+          <p:cNvSpPr/>
+          <p:nvPr/>
+        </p:nvSpPr>
+        <p:spPr>
+          <a:xfrm rot="10800000">
+            <a:off x="2819400" y="1685365"/>
+            <a:ext cx="3514165" cy="3294529"/>
+          </a:xfrm>
+          <a:prstGeom prst="pie">
+            <a:avLst/>
+          </a:prstGeom>
+          <a:solidFill>
+            <a:schemeClr val="bg1"/>
+          </a:solidFill>
+        </p:spPr>
+        <p:style>
+          <a:lnRef idx="2">
+            <a:schemeClr val="accent1">
+              <a:shade val="50000"/>
+            </a:schemeClr>
+          </a:lnRef>
+          <a:fillRef idx="1">
+            <a:schemeClr val="accent1"/>
+          </a:fillRef>
+          <a:effectRef idx="0">
+            <a:schemeClr val="accent1"/>
+          </a:effectRef>
+          <a:fontRef idx="minor">
+            <a:schemeClr val="lt1"/>
+          </a:fontRef>
+        </p:style>
+        <p:txBody>
+          <a:bodyPr rtlCol="0" anchor="ctr"/>
+          <a:lstStyle/>
+          <a:p>
+            <a:pPr algn="ctr"/>
+            <a:endParaRPr lang="en-US">
+              <a:solidFill>
+                <a:schemeClr val="tx1"/>
+              </a:solidFill>
+            </a:endParaRPr>
+          </a:p>
+        </p:txBody>
+      </p:sp>
+    </p:spTree>
+    <p:extLst>
+      <p:ext uri="{BB962C8B-B14F-4D97-AF65-F5344CB8AC3E}">
+        <p14:creationId xmlns:p14="http://schemas.microsoft.com/office/powerpoint/2010/main" val="2015614346"/>
+      </p:ext>
+    </p:extLst>
+  </p:cSld>
+  <p:clrMapOvr>
+    <a:masterClrMapping/>
+  </p:clrMapOvr>
+</p:sld>
+</file>
+
+<file path=ppt/slides/slide7.xml><?xml version="1.0" encoding="utf-8"?>
+<p:sld xmlns:a="http://schemas.openxmlformats.org/drawingml/2006/main" xmlns:r="http://schemas.openxmlformats.org/officeDocument/2006/relationships" xmlns:p="http://schemas.openxmlformats.org/presentationml/2006/main">
+  <p:cSld>
+    <p:bg>
+      <p:bgPr>
+        <a:solidFill>
+          <a:schemeClr val="tx1"/>
+        </a:solidFill>
+        <a:effectLst/>
+      </p:bgPr>
+    </p:bg>
+    <p:spTree>
+      <p:nvGrpSpPr>
+        <p:cNvPr id="1" name=""/>
+        <p:cNvGrpSpPr/>
+        <p:nvPr/>
+      </p:nvGrpSpPr>
+      <p:grpSpPr>
+        <a:xfrm>
+          <a:off x="0" y="0"/>
+          <a:ext cx="0" cy="0"/>
+          <a:chOff x="0" y="0"/>
+          <a:chExt cx="0" cy="0"/>
+        </a:xfrm>
+      </p:grpSpPr>
+      <p:sp>
+        <p:nvSpPr>
+          <p:cNvPr id="2" name="Octagon 1">
+            <a:extLst>
+              <a:ext uri="{FF2B5EF4-FFF2-40B4-BE49-F238E27FC236}">
+                <a16:creationId xmlns:a16="http://schemas.microsoft.com/office/drawing/2014/main" id="{6BA6FE1C-14E6-4E91-B765-5054B60543F5}"/>
+              </a:ext>
+            </a:extLst>
+          </p:cNvPr>
+          <p:cNvSpPr/>
+          <p:nvPr/>
+        </p:nvSpPr>
+        <p:spPr>
+          <a:xfrm>
+            <a:off x="2812648" y="1635889"/>
+            <a:ext cx="3518704" cy="3306501"/>
+          </a:xfrm>
+          <a:prstGeom prst="octagon">
+            <a:avLst/>
+          </a:prstGeom>
+          <a:solidFill>
+            <a:schemeClr val="accent2">
+              <a:lumMod val="75000"/>
+            </a:schemeClr>
+          </a:solidFill>
+        </p:spPr>
+        <p:style>
+          <a:lnRef idx="2">
+            <a:schemeClr val="accent1">
+              <a:shade val="50000"/>
+            </a:schemeClr>
+          </a:lnRef>
+          <a:fillRef idx="1">
+            <a:schemeClr val="accent1"/>
+          </a:fillRef>
+          <a:effectRef idx="0">
+            <a:schemeClr val="accent1"/>
+          </a:effectRef>
+          <a:fontRef idx="minor">
+            <a:schemeClr val="lt1"/>
+          </a:fontRef>
+        </p:style>
+        <p:txBody>
+          <a:bodyPr rtlCol="0" anchor="ctr"/>
+          <a:lstStyle/>
+          <a:p>
+            <a:pPr algn="ctr"/>
+            <a:endParaRPr lang="en-US"/>
+          </a:p>
+        </p:txBody>
+      </p:sp>
+    </p:spTree>
+    <p:extLst>
+      <p:ext uri="{BB962C8B-B14F-4D97-AF65-F5344CB8AC3E}">
+        <p14:creationId xmlns:p14="http://schemas.microsoft.com/office/powerpoint/2010/main" val="1631578269"/>
+      </p:ext>
+    </p:extLst>
+  </p:cSld>
+  <p:clrMapOvr>
+    <a:masterClrMapping/>
+  </p:clrMapOvr>
+</p:sld>
+</file>
+
+<file path=ppt/slides/slide70.xml><?xml version="1.0" encoding="utf-8"?>
+<p:sld xmlns:a="http://schemas.openxmlformats.org/drawingml/2006/main" xmlns:r="http://schemas.openxmlformats.org/officeDocument/2006/relationships" xmlns:p="http://schemas.openxmlformats.org/presentationml/2006/main">
+  <p:cSld>
+    <p:bg>
+      <p:bgPr>
+        <a:solidFill>
+          <a:schemeClr val="tx1"/>
+        </a:solidFill>
+        <a:effectLst/>
+      </p:bgPr>
+    </p:bg>
+    <p:spTree>
+      <p:nvGrpSpPr>
+        <p:cNvPr id="1" name=""/>
+        <p:cNvGrpSpPr/>
+        <p:nvPr/>
+      </p:nvGrpSpPr>
+      <p:grpSpPr>
+        <a:xfrm>
+          <a:off x="0" y="0"/>
+          <a:ext cx="0" cy="0"/>
+          <a:chOff x="0" y="0"/>
+          <a:chExt cx="0" cy="0"/>
+        </a:xfrm>
+      </p:grpSpPr>
+      <p:sp>
+        <p:nvSpPr>
+          <p:cNvPr id="3" name="Partial Circle 2">
+            <a:extLst>
+              <a:ext uri="{FF2B5EF4-FFF2-40B4-BE49-F238E27FC236}">
+                <a16:creationId xmlns:a16="http://schemas.microsoft.com/office/drawing/2014/main" id="{83F90143-18BA-4E97-A768-5B20390F3F22}"/>
+              </a:ext>
+            </a:extLst>
+          </p:cNvPr>
+          <p:cNvSpPr/>
+          <p:nvPr/>
+        </p:nvSpPr>
+        <p:spPr>
+          <a:xfrm rot="10800000">
+            <a:off x="2819400" y="1685365"/>
+            <a:ext cx="3514165" cy="3294529"/>
+          </a:xfrm>
+          <a:prstGeom prst="pie">
+            <a:avLst/>
+          </a:prstGeom>
+          <a:solidFill>
+            <a:schemeClr val="accent5">
+              <a:lumMod val="75000"/>
+            </a:schemeClr>
+          </a:solidFill>
+        </p:spPr>
+        <p:style>
+          <a:lnRef idx="2">
+            <a:schemeClr val="accent1">
+              <a:shade val="50000"/>
+            </a:schemeClr>
+          </a:lnRef>
+          <a:fillRef idx="1">
+            <a:schemeClr val="accent1"/>
+          </a:fillRef>
+          <a:effectRef idx="0">
+            <a:schemeClr val="accent1"/>
+          </a:effectRef>
+          <a:fontRef idx="minor">
+            <a:schemeClr val="lt1"/>
+          </a:fontRef>
+        </p:style>
+        <p:txBody>
+          <a:bodyPr rtlCol="0" anchor="ctr"/>
+          <a:lstStyle/>
+          <a:p>
+            <a:pPr algn="ctr"/>
+            <a:endParaRPr lang="en-US">
+              <a:solidFill>
+                <a:schemeClr val="tx1"/>
+              </a:solidFill>
+            </a:endParaRPr>
+          </a:p>
+        </p:txBody>
+      </p:sp>
+    </p:spTree>
+    <p:extLst>
+      <p:ext uri="{BB962C8B-B14F-4D97-AF65-F5344CB8AC3E}">
+        <p14:creationId xmlns:p14="http://schemas.microsoft.com/office/powerpoint/2010/main" val="2759696627"/>
+      </p:ext>
+    </p:extLst>
+  </p:cSld>
+  <p:clrMapOvr>
+    <a:masterClrMapping/>
+  </p:clrMapOvr>
+</p:sld>
+</file>
+
+<file path=ppt/slides/slide71.xml><?xml version="1.0" encoding="utf-8"?>
+<p:sld xmlns:a="http://schemas.openxmlformats.org/drawingml/2006/main" xmlns:r="http://schemas.openxmlformats.org/officeDocument/2006/relationships" xmlns:p="http://schemas.openxmlformats.org/presentationml/2006/main">
+  <p:cSld>
+    <p:bg>
+      <p:bgPr>
+        <a:solidFill>
+          <a:schemeClr val="tx1"/>
+        </a:solidFill>
+        <a:effectLst/>
+      </p:bgPr>
+    </p:bg>
+    <p:spTree>
+      <p:nvGrpSpPr>
+        <p:cNvPr id="1" name=""/>
+        <p:cNvGrpSpPr/>
+        <p:nvPr/>
+      </p:nvGrpSpPr>
+      <p:grpSpPr>
+        <a:xfrm>
+          <a:off x="0" y="0"/>
+          <a:ext cx="0" cy="0"/>
+          <a:chOff x="0" y="0"/>
+          <a:chExt cx="0" cy="0"/>
+        </a:xfrm>
+      </p:grpSpPr>
+      <p:sp>
+        <p:nvSpPr>
+          <p:cNvPr id="3" name="Partial Circle 2">
+            <a:extLst>
+              <a:ext uri="{FF2B5EF4-FFF2-40B4-BE49-F238E27FC236}">
+                <a16:creationId xmlns:a16="http://schemas.microsoft.com/office/drawing/2014/main" id="{83F90143-18BA-4E97-A768-5B20390F3F22}"/>
+              </a:ext>
+            </a:extLst>
+          </p:cNvPr>
+          <p:cNvSpPr/>
+          <p:nvPr/>
+        </p:nvSpPr>
+        <p:spPr>
+          <a:xfrm rot="5400000">
+            <a:off x="2819400" y="1685365"/>
+            <a:ext cx="3514165" cy="3294529"/>
+          </a:xfrm>
+          <a:prstGeom prst="pie">
+            <a:avLst/>
+          </a:prstGeom>
+          <a:solidFill>
+            <a:schemeClr val="accent2">
+              <a:lumMod val="60000"/>
+              <a:lumOff val="40000"/>
+            </a:schemeClr>
+          </a:solidFill>
+        </p:spPr>
+        <p:style>
+          <a:lnRef idx="2">
+            <a:schemeClr val="accent1">
+              <a:shade val="50000"/>
+            </a:schemeClr>
+          </a:lnRef>
+          <a:fillRef idx="1">
+            <a:schemeClr val="accent1"/>
+          </a:fillRef>
+          <a:effectRef idx="0">
+            <a:schemeClr val="accent1"/>
+          </a:effectRef>
+          <a:fontRef idx="minor">
+            <a:schemeClr val="lt1"/>
+          </a:fontRef>
+        </p:style>
+        <p:txBody>
+          <a:bodyPr rtlCol="0" anchor="ctr"/>
+          <a:lstStyle/>
+          <a:p>
+            <a:pPr algn="ctr"/>
+            <a:endParaRPr lang="en-US">
+              <a:solidFill>
+                <a:schemeClr val="tx1"/>
+              </a:solidFill>
+            </a:endParaRPr>
+          </a:p>
+        </p:txBody>
+      </p:sp>
+    </p:spTree>
+    <p:extLst>
+      <p:ext uri="{BB962C8B-B14F-4D97-AF65-F5344CB8AC3E}">
+        <p14:creationId xmlns:p14="http://schemas.microsoft.com/office/powerpoint/2010/main" val="4180282913"/>
+      </p:ext>
+    </p:extLst>
+  </p:cSld>
+  <p:clrMapOvr>
+    <a:masterClrMapping/>
+  </p:clrMapOvr>
+</p:sld>
+</file>
+
+<file path=ppt/slides/slide72.xml><?xml version="1.0" encoding="utf-8"?>
+<p:sld xmlns:a="http://schemas.openxmlformats.org/drawingml/2006/main" xmlns:r="http://schemas.openxmlformats.org/officeDocument/2006/relationships" xmlns:p="http://schemas.openxmlformats.org/presentationml/2006/main">
+  <p:cSld>
+    <p:bg>
+      <p:bgPr>
+        <a:solidFill>
+          <a:schemeClr val="tx1"/>
+        </a:solidFill>
+        <a:effectLst/>
+      </p:bgPr>
+    </p:bg>
+    <p:spTree>
+      <p:nvGrpSpPr>
+        <p:cNvPr id="1" name=""/>
+        <p:cNvGrpSpPr/>
+        <p:nvPr/>
+      </p:nvGrpSpPr>
+      <p:grpSpPr>
+        <a:xfrm>
+          <a:off x="0" y="0"/>
+          <a:ext cx="0" cy="0"/>
+          <a:chOff x="0" y="0"/>
+          <a:chExt cx="0" cy="0"/>
+        </a:xfrm>
+      </p:grpSpPr>
+      <p:sp>
+        <p:nvSpPr>
+          <p:cNvPr id="3" name="Partial Circle 2">
+            <a:extLst>
+              <a:ext uri="{FF2B5EF4-FFF2-40B4-BE49-F238E27FC236}">
+                <a16:creationId xmlns:a16="http://schemas.microsoft.com/office/drawing/2014/main" id="{83F90143-18BA-4E97-A768-5B20390F3F22}"/>
+              </a:ext>
+            </a:extLst>
+          </p:cNvPr>
+          <p:cNvSpPr/>
+          <p:nvPr/>
+        </p:nvSpPr>
+        <p:spPr>
+          <a:xfrm rot="18644626">
+            <a:off x="2819400" y="1685365"/>
+            <a:ext cx="3514165" cy="3294529"/>
+          </a:xfrm>
+          <a:prstGeom prst="pie">
+            <a:avLst/>
+          </a:prstGeom>
+          <a:solidFill>
+            <a:schemeClr val="accent2">
+              <a:lumMod val="60000"/>
+              <a:lumOff val="40000"/>
+            </a:schemeClr>
+          </a:solidFill>
+        </p:spPr>
+        <p:style>
+          <a:lnRef idx="2">
+            <a:schemeClr val="accent1">
+              <a:shade val="50000"/>
+            </a:schemeClr>
+          </a:lnRef>
+          <a:fillRef idx="1">
+            <a:schemeClr val="accent1"/>
+          </a:fillRef>
+          <a:effectRef idx="0">
+            <a:schemeClr val="accent1"/>
+          </a:effectRef>
+          <a:fontRef idx="minor">
+            <a:schemeClr val="lt1"/>
+          </a:fontRef>
+        </p:style>
+        <p:txBody>
+          <a:bodyPr rtlCol="0" anchor="ctr"/>
+          <a:lstStyle/>
+          <a:p>
+            <a:pPr algn="ctr"/>
+            <a:endParaRPr lang="en-US">
+              <a:solidFill>
+                <a:schemeClr val="tx1"/>
+              </a:solidFill>
+            </a:endParaRPr>
+          </a:p>
+        </p:txBody>
+      </p:sp>
+    </p:spTree>
+    <p:extLst>
+      <p:ext uri="{BB962C8B-B14F-4D97-AF65-F5344CB8AC3E}">
+        <p14:creationId xmlns:p14="http://schemas.microsoft.com/office/powerpoint/2010/main" val="633462075"/>
+      </p:ext>
+    </p:extLst>
+  </p:cSld>
+  <p:clrMapOvr>
+    <a:masterClrMapping/>
+  </p:clrMapOvr>
+</p:sld>
+</file>
+
+<file path=ppt/slides/slide73.xml><?xml version="1.0" encoding="utf-8"?>
+<p:sld xmlns:a="http://schemas.openxmlformats.org/drawingml/2006/main" xmlns:r="http://schemas.openxmlformats.org/officeDocument/2006/relationships" xmlns:p="http://schemas.openxmlformats.org/presentationml/2006/main">
+  <p:cSld>
+    <p:bg>
+      <p:bgPr>
+        <a:solidFill>
+          <a:schemeClr val="tx1"/>
+        </a:solidFill>
+        <a:effectLst/>
+      </p:bgPr>
+    </p:bg>
+    <p:spTree>
+      <p:nvGrpSpPr>
+        <p:cNvPr id="1" name=""/>
+        <p:cNvGrpSpPr/>
+        <p:nvPr/>
+      </p:nvGrpSpPr>
+      <p:grpSpPr>
+        <a:xfrm>
+          <a:off x="0" y="0"/>
+          <a:ext cx="0" cy="0"/>
+          <a:chOff x="0" y="0"/>
+          <a:chExt cx="0" cy="0"/>
+        </a:xfrm>
+      </p:grpSpPr>
+      <p:sp>
+        <p:nvSpPr>
+          <p:cNvPr id="3" name="Rectangle: Rounded Corners 2">
+            <a:extLst>
+              <a:ext uri="{FF2B5EF4-FFF2-40B4-BE49-F238E27FC236}">
+                <a16:creationId xmlns:a16="http://schemas.microsoft.com/office/drawing/2014/main" id="{240B9930-7438-400B-BAFD-AC87C77C3732}"/>
+              </a:ext>
+            </a:extLst>
+          </p:cNvPr>
+          <p:cNvSpPr/>
+          <p:nvPr/>
+        </p:nvSpPr>
+        <p:spPr>
+          <a:xfrm>
+            <a:off x="2796988" y="1680882"/>
+            <a:ext cx="3523130" cy="3294530"/>
+          </a:xfrm>
+          <a:prstGeom prst="roundRect">
+            <a:avLst>
+              <a:gd name="adj" fmla="val 35307"/>
+            </a:avLst>
+          </a:prstGeom>
+          <a:solidFill>
+            <a:schemeClr val="tx2">
+              <a:lumMod val="60000"/>
+              <a:lumOff val="40000"/>
+            </a:schemeClr>
+          </a:solidFill>
+        </p:spPr>
+        <p:style>
+          <a:lnRef idx="2">
+            <a:schemeClr val="accent1">
+              <a:shade val="50000"/>
+            </a:schemeClr>
+          </a:lnRef>
+          <a:fillRef idx="1">
+            <a:schemeClr val="accent1"/>
+          </a:fillRef>
+          <a:effectRef idx="0">
+            <a:schemeClr val="accent1"/>
+          </a:effectRef>
+          <a:fontRef idx="minor">
+            <a:schemeClr val="lt1"/>
+          </a:fontRef>
+        </p:style>
+        <p:txBody>
+          <a:bodyPr rtlCol="0" anchor="ctr"/>
+          <a:lstStyle/>
+          <a:p>
+            <a:pPr algn="ctr"/>
+            <a:endParaRPr lang="en-US"/>
+          </a:p>
+        </p:txBody>
+      </p:sp>
+    </p:spTree>
+    <p:extLst>
+      <p:ext uri="{BB962C8B-B14F-4D97-AF65-F5344CB8AC3E}">
+        <p14:creationId xmlns:p14="http://schemas.microsoft.com/office/powerpoint/2010/main" val="2237218134"/>
+      </p:ext>
+    </p:extLst>
+  </p:cSld>
+  <p:clrMapOvr>
+    <a:masterClrMapping/>
+  </p:clrMapOvr>
+</p:sld>
+</file>
+
+<file path=ppt/slides/slide74.xml><?xml version="1.0" encoding="utf-8"?>
+<p:sld xmlns:a="http://schemas.openxmlformats.org/drawingml/2006/main" xmlns:r="http://schemas.openxmlformats.org/officeDocument/2006/relationships" xmlns:p="http://schemas.openxmlformats.org/presentationml/2006/main">
+  <p:cSld>
+    <p:bg>
+      <p:bgPr>
+        <a:solidFill>
+          <a:schemeClr val="tx1"/>
+        </a:solidFill>
+        <a:effectLst/>
+      </p:bgPr>
+    </p:bg>
+    <p:spTree>
+      <p:nvGrpSpPr>
+        <p:cNvPr id="1" name=""/>
+        <p:cNvGrpSpPr/>
+        <p:nvPr/>
+      </p:nvGrpSpPr>
+      <p:grpSpPr>
+        <a:xfrm>
+          <a:off x="0" y="0"/>
+          <a:ext cx="0" cy="0"/>
+          <a:chOff x="0" y="0"/>
+          <a:chExt cx="0" cy="0"/>
+        </a:xfrm>
+      </p:grpSpPr>
+      <p:sp>
+        <p:nvSpPr>
+          <p:cNvPr id="3" name="Rectangle: Rounded Corners 2">
+            <a:extLst>
+              <a:ext uri="{FF2B5EF4-FFF2-40B4-BE49-F238E27FC236}">
+                <a16:creationId xmlns:a16="http://schemas.microsoft.com/office/drawing/2014/main" id="{240B9930-7438-400B-BAFD-AC87C77C3732}"/>
+              </a:ext>
+            </a:extLst>
+          </p:cNvPr>
+          <p:cNvSpPr/>
+          <p:nvPr/>
+        </p:nvSpPr>
+        <p:spPr>
+          <a:xfrm>
+            <a:off x="2796988" y="1680882"/>
+            <a:ext cx="3523130" cy="3294530"/>
+          </a:xfrm>
+          <a:prstGeom prst="roundRect">
+            <a:avLst>
+              <a:gd name="adj" fmla="val 35307"/>
+            </a:avLst>
+          </a:prstGeom>
+          <a:solidFill>
+            <a:schemeClr val="accent5">
+              <a:lumMod val="75000"/>
+            </a:schemeClr>
+          </a:solidFill>
+        </p:spPr>
+        <p:style>
+          <a:lnRef idx="2">
+            <a:schemeClr val="accent1">
+              <a:shade val="50000"/>
+            </a:schemeClr>
+          </a:lnRef>
+          <a:fillRef idx="1">
+            <a:schemeClr val="accent1"/>
+          </a:fillRef>
+          <a:effectRef idx="0">
+            <a:schemeClr val="accent1"/>
+          </a:effectRef>
+          <a:fontRef idx="minor">
+            <a:schemeClr val="lt1"/>
+          </a:fontRef>
+        </p:style>
+        <p:txBody>
+          <a:bodyPr rtlCol="0" anchor="ctr"/>
+          <a:lstStyle/>
+          <a:p>
+            <a:pPr algn="ctr"/>
+            <a:endParaRPr lang="en-US"/>
+          </a:p>
+        </p:txBody>
+      </p:sp>
+    </p:spTree>
+    <p:extLst>
+      <p:ext uri="{BB962C8B-B14F-4D97-AF65-F5344CB8AC3E}">
+        <p14:creationId xmlns:p14="http://schemas.microsoft.com/office/powerpoint/2010/main" val="1692851430"/>
+      </p:ext>
+    </p:extLst>
+  </p:cSld>
+  <p:clrMapOvr>
+    <a:masterClrMapping/>
+  </p:clrMapOvr>
+</p:sld>
+</file>
+
+<file path=ppt/slides/slide75.xml><?xml version="1.0" encoding="utf-8"?>
+<p:sld xmlns:a="http://schemas.openxmlformats.org/drawingml/2006/main" xmlns:r="http://schemas.openxmlformats.org/officeDocument/2006/relationships" xmlns:p="http://schemas.openxmlformats.org/presentationml/2006/main">
+  <p:cSld>
+    <p:bg>
+      <p:bgPr>
+        <a:solidFill>
+          <a:schemeClr val="tx1"/>
+        </a:solidFill>
+        <a:effectLst/>
+      </p:bgPr>
+    </p:bg>
+    <p:spTree>
+      <p:nvGrpSpPr>
+        <p:cNvPr id="1" name=""/>
+        <p:cNvGrpSpPr/>
+        <p:nvPr/>
+      </p:nvGrpSpPr>
+      <p:grpSpPr>
+        <a:xfrm>
+          <a:off x="0" y="0"/>
+          <a:ext cx="0" cy="0"/>
+          <a:chOff x="0" y="0"/>
+          <a:chExt cx="0" cy="0"/>
+        </a:xfrm>
+      </p:grpSpPr>
+      <p:sp>
+        <p:nvSpPr>
+          <p:cNvPr id="3" name="Rectangle: Rounded Corners 2">
+            <a:extLst>
+              <a:ext uri="{FF2B5EF4-FFF2-40B4-BE49-F238E27FC236}">
+                <a16:creationId xmlns:a16="http://schemas.microsoft.com/office/drawing/2014/main" id="{240B9930-7438-400B-BAFD-AC87C77C3732}"/>
+              </a:ext>
+            </a:extLst>
+          </p:cNvPr>
+          <p:cNvSpPr/>
+          <p:nvPr/>
+        </p:nvSpPr>
+        <p:spPr>
+          <a:xfrm>
+            <a:off x="2796988" y="1680882"/>
+            <a:ext cx="3523130" cy="3294530"/>
+          </a:xfrm>
+          <a:prstGeom prst="roundRect">
+            <a:avLst>
+              <a:gd name="adj" fmla="val 35307"/>
+            </a:avLst>
+          </a:prstGeom>
+          <a:solidFill>
+            <a:schemeClr val="accent2">
+              <a:lumMod val="50000"/>
+            </a:schemeClr>
+          </a:solidFill>
+          <a:ln>
+            <a:noFill/>
+          </a:ln>
+        </p:spPr>
+        <p:style>
+          <a:lnRef idx="2">
+            <a:schemeClr val="accent1">
+              <a:shade val="50000"/>
+            </a:schemeClr>
+          </a:lnRef>
+          <a:fillRef idx="1">
+            <a:schemeClr val="accent1"/>
+          </a:fillRef>
+          <a:effectRef idx="0">
+            <a:schemeClr val="accent1"/>
+          </a:effectRef>
+          <a:fontRef idx="minor">
+            <a:schemeClr val="lt1"/>
+          </a:fontRef>
+        </p:style>
+        <p:txBody>
+          <a:bodyPr rtlCol="0" anchor="ctr"/>
+          <a:lstStyle/>
+          <a:p>
+            <a:pPr algn="ctr"/>
+            <a:endParaRPr lang="en-US"/>
+          </a:p>
+        </p:txBody>
+      </p:sp>
+    </p:spTree>
+    <p:extLst>
+      <p:ext uri="{BB962C8B-B14F-4D97-AF65-F5344CB8AC3E}">
+        <p14:creationId xmlns:p14="http://schemas.microsoft.com/office/powerpoint/2010/main" val="3837884753"/>
+      </p:ext>
+    </p:extLst>
+  </p:cSld>
+  <p:clrMapOvr>
+    <a:masterClrMapping/>
+  </p:clrMapOvr>
+</p:sld>
+</file>
+
+<file path=ppt/slides/slide76.xml><?xml version="1.0" encoding="utf-8"?>
+<p:sld xmlns:a="http://schemas.openxmlformats.org/drawingml/2006/main" xmlns:r="http://schemas.openxmlformats.org/officeDocument/2006/relationships" xmlns:p="http://schemas.openxmlformats.org/presentationml/2006/main">
+  <p:cSld>
+    <p:bg>
+      <p:bgPr>
+        <a:solidFill>
+          <a:schemeClr val="tx1"/>
+        </a:solidFill>
+        <a:effectLst/>
+      </p:bgPr>
+    </p:bg>
+    <p:spTree>
+      <p:nvGrpSpPr>
+        <p:cNvPr id="1" name=""/>
+        <p:cNvGrpSpPr/>
+        <p:nvPr/>
+      </p:nvGrpSpPr>
+      <p:grpSpPr>
+        <a:xfrm>
+          <a:off x="0" y="0"/>
+          <a:ext cx="0" cy="0"/>
+          <a:chOff x="0" y="0"/>
+          <a:chExt cx="0" cy="0"/>
+        </a:xfrm>
+      </p:grpSpPr>
+      <p:sp>
+        <p:nvSpPr>
+          <p:cNvPr id="3" name="Rectangle: Rounded Corners 2">
+            <a:extLst>
+              <a:ext uri="{FF2B5EF4-FFF2-40B4-BE49-F238E27FC236}">
+                <a16:creationId xmlns:a16="http://schemas.microsoft.com/office/drawing/2014/main" id="{240B9930-7438-400B-BAFD-AC87C77C3732}"/>
+              </a:ext>
+            </a:extLst>
+          </p:cNvPr>
+          <p:cNvSpPr/>
+          <p:nvPr/>
+        </p:nvSpPr>
+        <p:spPr>
+          <a:xfrm>
+            <a:off x="3285111" y="2176353"/>
+            <a:ext cx="2573779" cy="2505295"/>
+          </a:xfrm>
+          <a:prstGeom prst="roundRect">
+            <a:avLst>
+              <a:gd name="adj" fmla="val 35307"/>
+            </a:avLst>
+          </a:prstGeom>
+          <a:solidFill>
+            <a:schemeClr val="accent2">
+              <a:lumMod val="60000"/>
+              <a:lumOff val="40000"/>
+            </a:schemeClr>
+          </a:solidFill>
+          <a:ln>
+            <a:noFill/>
+          </a:ln>
+        </p:spPr>
+        <p:style>
+          <a:lnRef idx="2">
+            <a:schemeClr val="accent1">
+              <a:shade val="50000"/>
+            </a:schemeClr>
+          </a:lnRef>
+          <a:fillRef idx="1">
+            <a:schemeClr val="accent1"/>
+          </a:fillRef>
+          <a:effectRef idx="0">
+            <a:schemeClr val="accent1"/>
+          </a:effectRef>
+          <a:fontRef idx="minor">
+            <a:schemeClr val="lt1"/>
+          </a:fontRef>
+        </p:style>
+        <p:txBody>
+          <a:bodyPr rtlCol="0" anchor="ctr"/>
+          <a:lstStyle/>
+          <a:p>
+            <a:pPr algn="ctr"/>
+            <a:endParaRPr lang="en-US"/>
+          </a:p>
+        </p:txBody>
+      </p:sp>
+    </p:spTree>
+    <p:extLst>
+      <p:ext uri="{BB962C8B-B14F-4D97-AF65-F5344CB8AC3E}">
+        <p14:creationId xmlns:p14="http://schemas.microsoft.com/office/powerpoint/2010/main" val="2429533363"/>
+      </p:ext>
+    </p:extLst>
+  </p:cSld>
+  <p:clrMapOvr>
+    <a:masterClrMapping/>
+  </p:clrMapOvr>
+</p:sld>
+</file>
+
+<file path=ppt/slides/slide77.xml><?xml version="1.0" encoding="utf-8"?>
+<p:sld xmlns:a="http://schemas.openxmlformats.org/drawingml/2006/main" xmlns:r="http://schemas.openxmlformats.org/officeDocument/2006/relationships" xmlns:p="http://schemas.openxmlformats.org/presentationml/2006/main">
+  <p:cSld>
+    <p:bg>
+      <p:bgPr>
+        <a:solidFill>
+          <a:schemeClr val="tx1"/>
+        </a:solidFill>
+        <a:effectLst/>
+      </p:bgPr>
+    </p:bg>
+    <p:spTree>
+      <p:nvGrpSpPr>
+        <p:cNvPr id="1" name=""/>
+        <p:cNvGrpSpPr/>
+        <p:nvPr/>
+      </p:nvGrpSpPr>
+      <p:grpSpPr>
+        <a:xfrm>
+          <a:off x="0" y="0"/>
+          <a:ext cx="0" cy="0"/>
+          <a:chOff x="0" y="0"/>
+          <a:chExt cx="0" cy="0"/>
+        </a:xfrm>
+      </p:grpSpPr>
+      <p:sp>
+        <p:nvSpPr>
+          <p:cNvPr id="3" name="Rectangle: Rounded Corners 2">
+            <a:extLst>
+              <a:ext uri="{FF2B5EF4-FFF2-40B4-BE49-F238E27FC236}">
+                <a16:creationId xmlns:a16="http://schemas.microsoft.com/office/drawing/2014/main" id="{240B9930-7438-400B-BAFD-AC87C77C3732}"/>
+              </a:ext>
+            </a:extLst>
+          </p:cNvPr>
+          <p:cNvSpPr/>
+          <p:nvPr/>
+        </p:nvSpPr>
+        <p:spPr>
+          <a:xfrm>
+            <a:off x="3285111" y="2176353"/>
+            <a:ext cx="2573779" cy="2505295"/>
+          </a:xfrm>
+          <a:prstGeom prst="roundRect">
+            <a:avLst>
+              <a:gd name="adj" fmla="val 35307"/>
+            </a:avLst>
+          </a:prstGeom>
+          <a:solidFill>
+            <a:srgbClr val="D3BBD9"/>
+          </a:solidFill>
+          <a:ln>
+            <a:noFill/>
+          </a:ln>
+        </p:spPr>
+        <p:style>
+          <a:lnRef idx="2">
+            <a:schemeClr val="accent1">
+              <a:shade val="50000"/>
+            </a:schemeClr>
+          </a:lnRef>
+          <a:fillRef idx="1">
+            <a:schemeClr val="accent1"/>
+          </a:fillRef>
+          <a:effectRef idx="0">
+            <a:schemeClr val="accent1"/>
+          </a:effectRef>
+          <a:fontRef idx="minor">
+            <a:schemeClr val="lt1"/>
+          </a:fontRef>
+        </p:style>
+        <p:txBody>
+          <a:bodyPr rtlCol="0" anchor="ctr"/>
+          <a:lstStyle/>
+          <a:p>
+            <a:pPr algn="ctr"/>
+            <a:endParaRPr lang="en-US"/>
+          </a:p>
+        </p:txBody>
+      </p:sp>
+    </p:spTree>
+    <p:extLst>
+      <p:ext uri="{BB962C8B-B14F-4D97-AF65-F5344CB8AC3E}">
+        <p14:creationId xmlns:p14="http://schemas.microsoft.com/office/powerpoint/2010/main" val="1049189359"/>
+      </p:ext>
+    </p:extLst>
+  </p:cSld>
+  <p:clrMapOvr>
+    <a:masterClrMapping/>
+  </p:clrMapOvr>
+</p:sld>
+</file>
+
+<file path=ppt/slides/slide78.xml><?xml version="1.0" encoding="utf-8"?>
+<p:sld xmlns:a="http://schemas.openxmlformats.org/drawingml/2006/main" xmlns:r="http://schemas.openxmlformats.org/officeDocument/2006/relationships" xmlns:p="http://schemas.openxmlformats.org/presentationml/2006/main">
+  <p:cSld>
+    <p:bg>
+      <p:bgPr>
+        <a:solidFill>
+          <a:schemeClr val="tx1"/>
+        </a:solidFill>
+        <a:effectLst/>
+      </p:bgPr>
+    </p:bg>
+    <p:spTree>
+      <p:nvGrpSpPr>
+        <p:cNvPr id="1" name=""/>
+        <p:cNvGrpSpPr/>
+        <p:nvPr/>
+      </p:nvGrpSpPr>
+      <p:grpSpPr>
+        <a:xfrm>
+          <a:off x="0" y="0"/>
+          <a:ext cx="0" cy="0"/>
+          <a:chOff x="0" y="0"/>
+          <a:chExt cx="0" cy="0"/>
+        </a:xfrm>
+      </p:grpSpPr>
+      <p:sp>
+        <p:nvSpPr>
+          <p:cNvPr id="3" name="Rectangle: Rounded Corners 2">
+            <a:extLst>
+              <a:ext uri="{FF2B5EF4-FFF2-40B4-BE49-F238E27FC236}">
+                <a16:creationId xmlns:a16="http://schemas.microsoft.com/office/drawing/2014/main" id="{240B9930-7438-400B-BAFD-AC87C77C3732}"/>
+              </a:ext>
+            </a:extLst>
+          </p:cNvPr>
+          <p:cNvSpPr/>
+          <p:nvPr/>
+        </p:nvSpPr>
+        <p:spPr>
+          <a:xfrm>
+            <a:off x="3285111" y="2176353"/>
+            <a:ext cx="2573779" cy="2505295"/>
+          </a:xfrm>
+          <a:prstGeom prst="roundRect">
+            <a:avLst>
+              <a:gd name="adj" fmla="val 35307"/>
+            </a:avLst>
+          </a:prstGeom>
+          <a:solidFill>
+            <a:schemeClr val="accent5">
+              <a:lumMod val="75000"/>
+            </a:schemeClr>
+          </a:solidFill>
+          <a:ln>
+            <a:noFill/>
+          </a:ln>
+        </p:spPr>
+        <p:style>
+          <a:lnRef idx="2">
+            <a:schemeClr val="accent1">
+              <a:shade val="50000"/>
+            </a:schemeClr>
+          </a:lnRef>
+          <a:fillRef idx="1">
+            <a:schemeClr val="accent1"/>
+          </a:fillRef>
+          <a:effectRef idx="0">
+            <a:schemeClr val="accent1"/>
+          </a:effectRef>
+          <a:fontRef idx="minor">
+            <a:schemeClr val="lt1"/>
+          </a:fontRef>
+        </p:style>
+        <p:txBody>
+          <a:bodyPr rtlCol="0" anchor="ctr"/>
+          <a:lstStyle/>
+          <a:p>
+            <a:pPr algn="ctr"/>
+            <a:endParaRPr lang="en-US"/>
+          </a:p>
+        </p:txBody>
+      </p:sp>
+    </p:spTree>
+    <p:extLst>
+      <p:ext uri="{BB962C8B-B14F-4D97-AF65-F5344CB8AC3E}">
+        <p14:creationId xmlns:p14="http://schemas.microsoft.com/office/powerpoint/2010/main" val="2534236316"/>
+      </p:ext>
+    </p:extLst>
+  </p:cSld>
+  <p:clrMapOvr>
+    <a:masterClrMapping/>
+  </p:clrMapOvr>
+</p:sld>
+</file>
+
+<file path=ppt/slides/slide79.xml><?xml version="1.0" encoding="utf-8"?>
+<p:sld xmlns:a="http://schemas.openxmlformats.org/drawingml/2006/main" xmlns:r="http://schemas.openxmlformats.org/officeDocument/2006/relationships" xmlns:p="http://schemas.openxmlformats.org/presentationml/2006/main">
+  <p:cSld>
+    <p:bg>
+      <p:bgPr>
+        <a:solidFill>
+          <a:schemeClr val="tx1"/>
+        </a:solidFill>
+        <a:effectLst/>
+      </p:bgPr>
+    </p:bg>
+    <p:spTree>
+      <p:nvGrpSpPr>
+        <p:cNvPr id="1" name=""/>
+        <p:cNvGrpSpPr/>
+        <p:nvPr/>
+      </p:nvGrpSpPr>
+      <p:grpSpPr>
+        <a:xfrm>
+          <a:off x="0" y="0"/>
+          <a:ext cx="0" cy="0"/>
+          <a:chOff x="0" y="0"/>
+          <a:chExt cx="0" cy="0"/>
+        </a:xfrm>
+      </p:grpSpPr>
+      <p:sp>
+        <p:nvSpPr>
+          <p:cNvPr id="2" name="Diagonal Stripe 1">
+            <a:extLst>
+              <a:ext uri="{FF2B5EF4-FFF2-40B4-BE49-F238E27FC236}">
+                <a16:creationId xmlns:a16="http://schemas.microsoft.com/office/drawing/2014/main" id="{FA01542E-BBF2-491E-B017-79DA2164719A}"/>
+              </a:ext>
+            </a:extLst>
+          </p:cNvPr>
+          <p:cNvSpPr/>
+          <p:nvPr/>
+        </p:nvSpPr>
+        <p:spPr>
+          <a:xfrm>
+            <a:off x="2783541" y="1671918"/>
+            <a:ext cx="3554506" cy="3307976"/>
+          </a:xfrm>
+          <a:prstGeom prst="diagStripe">
+            <a:avLst/>
+          </a:prstGeom>
+          <a:solidFill>
+            <a:schemeClr val="accent5">
+              <a:lumMod val="75000"/>
+            </a:schemeClr>
+          </a:solidFill>
+          <a:ln>
+            <a:noFill/>
+          </a:ln>
+        </p:spPr>
+        <p:style>
+          <a:lnRef idx="2">
+            <a:schemeClr val="accent1">
+              <a:shade val="50000"/>
+            </a:schemeClr>
+          </a:lnRef>
+          <a:fillRef idx="1">
+            <a:schemeClr val="accent1"/>
+          </a:fillRef>
+          <a:effectRef idx="0">
+            <a:schemeClr val="accent1"/>
+          </a:effectRef>
+          <a:fontRef idx="minor">
+            <a:schemeClr val="lt1"/>
+          </a:fontRef>
+        </p:style>
+        <p:txBody>
+          <a:bodyPr rtlCol="0" anchor="ctr"/>
+          <a:lstStyle/>
+          <a:p>
+            <a:pPr algn="ctr"/>
+            <a:endParaRPr lang="en-US">
+              <a:solidFill>
+                <a:schemeClr val="tx1"/>
+              </a:solidFill>
+            </a:endParaRPr>
+          </a:p>
+        </p:txBody>
+      </p:sp>
+    </p:spTree>
+    <p:extLst>
+      <p:ext uri="{BB962C8B-B14F-4D97-AF65-F5344CB8AC3E}">
+        <p14:creationId xmlns:p14="http://schemas.microsoft.com/office/powerpoint/2010/main" val="1158776271"/>
+      </p:ext>
+    </p:extLst>
+  </p:cSld>
+  <p:clrMapOvr>
+    <a:masterClrMapping/>
+  </p:clrMapOvr>
+</p:sld>
+</file>
+
+<file path=ppt/slides/slide8.xml><?xml version="1.0" encoding="utf-8"?>
+<p:sld xmlns:a="http://schemas.openxmlformats.org/drawingml/2006/main" xmlns:r="http://schemas.openxmlformats.org/officeDocument/2006/relationships" xmlns:p="http://schemas.openxmlformats.org/presentationml/2006/main">
+  <p:cSld>
+    <p:bg>
+      <p:bgPr>
+        <a:solidFill>
+          <a:schemeClr val="tx1"/>
+        </a:solidFill>
+        <a:effectLst/>
+      </p:bgPr>
+    </p:bg>
+    <p:spTree>
+      <p:nvGrpSpPr>
+        <p:cNvPr id="1" name=""/>
+        <p:cNvGrpSpPr/>
+        <p:nvPr/>
+      </p:nvGrpSpPr>
+      <p:grpSpPr>
+        <a:xfrm>
+          <a:off x="0" y="0"/>
+          <a:ext cx="0" cy="0"/>
+          <a:chOff x="0" y="0"/>
+          <a:chExt cx="0" cy="0"/>
+        </a:xfrm>
+      </p:grpSpPr>
+      <p:sp>
+        <p:nvSpPr>
+          <p:cNvPr id="2" name="Octagon 1">
+            <a:extLst>
+              <a:ext uri="{FF2B5EF4-FFF2-40B4-BE49-F238E27FC236}">
+                <a16:creationId xmlns:a16="http://schemas.microsoft.com/office/drawing/2014/main" id="{6BA6FE1C-14E6-4E91-B765-5054B60543F5}"/>
+              </a:ext>
+            </a:extLst>
+          </p:cNvPr>
+          <p:cNvSpPr/>
+          <p:nvPr/>
+        </p:nvSpPr>
+        <p:spPr>
+          <a:xfrm>
+            <a:off x="2812648" y="1635889"/>
+            <a:ext cx="3518704" cy="3306501"/>
+          </a:xfrm>
+          <a:prstGeom prst="octagon">
+            <a:avLst/>
+          </a:prstGeom>
+          <a:solidFill>
+            <a:schemeClr val="bg1">
+              <a:lumMod val="75000"/>
+            </a:schemeClr>
+          </a:solidFill>
+        </p:spPr>
+        <p:style>
+          <a:lnRef idx="2">
+            <a:schemeClr val="accent1">
+              <a:shade val="50000"/>
+            </a:schemeClr>
+          </a:lnRef>
+          <a:fillRef idx="1">
+            <a:schemeClr val="accent1"/>
+          </a:fillRef>
+          <a:effectRef idx="0">
+            <a:schemeClr val="accent1"/>
+          </a:effectRef>
+          <a:fontRef idx="minor">
+            <a:schemeClr val="lt1"/>
+          </a:fontRef>
+        </p:style>
+        <p:txBody>
+          <a:bodyPr rtlCol="0" anchor="ctr"/>
+          <a:lstStyle/>
+          <a:p>
+            <a:pPr algn="ctr"/>
+            <a:endParaRPr lang="en-US"/>
+          </a:p>
+        </p:txBody>
+      </p:sp>
+    </p:spTree>
+    <p:extLst>
+      <p:ext uri="{BB962C8B-B14F-4D97-AF65-F5344CB8AC3E}">
+        <p14:creationId xmlns:p14="http://schemas.microsoft.com/office/powerpoint/2010/main" val="3157466785"/>
+      </p:ext>
+    </p:extLst>
+  </p:cSld>
+  <p:clrMapOvr>
+    <a:masterClrMapping/>
+  </p:clrMapOvr>
+</p:sld>
+</file>
+
+<file path=ppt/slides/slide80.xml><?xml version="1.0" encoding="utf-8"?>
+<p:sld xmlns:a="http://schemas.openxmlformats.org/drawingml/2006/main" xmlns:r="http://schemas.openxmlformats.org/officeDocument/2006/relationships" xmlns:p="http://schemas.openxmlformats.org/presentationml/2006/main">
+  <p:cSld>
+    <p:bg>
+      <p:bgPr>
+        <a:solidFill>
+          <a:schemeClr val="tx1"/>
+        </a:solidFill>
+        <a:effectLst/>
+      </p:bgPr>
+    </p:bg>
+    <p:spTree>
+      <p:nvGrpSpPr>
+        <p:cNvPr id="1" name=""/>
+        <p:cNvGrpSpPr/>
+        <p:nvPr/>
+      </p:nvGrpSpPr>
+      <p:grpSpPr>
+        <a:xfrm>
+          <a:off x="0" y="0"/>
+          <a:ext cx="0" cy="0"/>
+          <a:chOff x="0" y="0"/>
+          <a:chExt cx="0" cy="0"/>
+        </a:xfrm>
+      </p:grpSpPr>
+      <p:sp>
+        <p:nvSpPr>
+          <p:cNvPr id="2" name="Diagonal Stripe 1">
+            <a:extLst>
+              <a:ext uri="{FF2B5EF4-FFF2-40B4-BE49-F238E27FC236}">
+                <a16:creationId xmlns:a16="http://schemas.microsoft.com/office/drawing/2014/main" id="{FA01542E-BBF2-491E-B017-79DA2164719A}"/>
+              </a:ext>
+            </a:extLst>
+          </p:cNvPr>
+          <p:cNvSpPr/>
+          <p:nvPr/>
+        </p:nvSpPr>
+        <p:spPr>
+          <a:xfrm rot="5400000">
+            <a:off x="2783541" y="1671918"/>
+            <a:ext cx="3554506" cy="3307976"/>
+          </a:xfrm>
+          <a:prstGeom prst="diagStripe">
+            <a:avLst/>
+          </a:prstGeom>
+          <a:solidFill>
+            <a:srgbClr val="07BEDD"/>
+          </a:solidFill>
+          <a:ln>
+            <a:noFill/>
+          </a:ln>
+        </p:spPr>
+        <p:style>
+          <a:lnRef idx="2">
+            <a:schemeClr val="accent1">
+              <a:shade val="50000"/>
+            </a:schemeClr>
+          </a:lnRef>
+          <a:fillRef idx="1">
+            <a:schemeClr val="accent1"/>
+          </a:fillRef>
+          <a:effectRef idx="0">
+            <a:schemeClr val="accent1"/>
+          </a:effectRef>
+          <a:fontRef idx="minor">
+            <a:schemeClr val="lt1"/>
+          </a:fontRef>
+        </p:style>
+        <p:txBody>
+          <a:bodyPr rtlCol="0" anchor="ctr"/>
+          <a:lstStyle/>
+          <a:p>
+            <a:pPr algn="ctr"/>
+            <a:endParaRPr lang="en-US">
+              <a:solidFill>
+                <a:schemeClr val="tx1"/>
+              </a:solidFill>
+            </a:endParaRPr>
+          </a:p>
+        </p:txBody>
+      </p:sp>
+    </p:spTree>
+    <p:extLst>
+      <p:ext uri="{BB962C8B-B14F-4D97-AF65-F5344CB8AC3E}">
+        <p14:creationId xmlns:p14="http://schemas.microsoft.com/office/powerpoint/2010/main" val="3450508078"/>
+      </p:ext>
+    </p:extLst>
+  </p:cSld>
+  <p:clrMapOvr>
+    <a:masterClrMapping/>
+  </p:clrMapOvr>
+</p:sld>
+</file>
+
+<file path=ppt/slides/slide81.xml><?xml version="1.0" encoding="utf-8"?>
+<p:sld xmlns:a="http://schemas.openxmlformats.org/drawingml/2006/main" xmlns:r="http://schemas.openxmlformats.org/officeDocument/2006/relationships" xmlns:p="http://schemas.openxmlformats.org/presentationml/2006/main">
+  <p:cSld>
+    <p:bg>
+      <p:bgPr>
+        <a:solidFill>
+          <a:schemeClr val="tx1"/>
+        </a:solidFill>
+        <a:effectLst/>
+      </p:bgPr>
+    </p:bg>
+    <p:spTree>
+      <p:nvGrpSpPr>
+        <p:cNvPr id="1" name=""/>
+        <p:cNvGrpSpPr/>
+        <p:nvPr/>
+      </p:nvGrpSpPr>
+      <p:grpSpPr>
+        <a:xfrm>
+          <a:off x="0" y="0"/>
+          <a:ext cx="0" cy="0"/>
+          <a:chOff x="0" y="0"/>
+          <a:chExt cx="0" cy="0"/>
+        </a:xfrm>
+      </p:grpSpPr>
+      <p:sp>
+        <p:nvSpPr>
+          <p:cNvPr id="2" name="Diagonal Stripe 1">
+            <a:extLst>
+              <a:ext uri="{FF2B5EF4-FFF2-40B4-BE49-F238E27FC236}">
+                <a16:creationId xmlns:a16="http://schemas.microsoft.com/office/drawing/2014/main" id="{FA01542E-BBF2-491E-B017-79DA2164719A}"/>
+              </a:ext>
+            </a:extLst>
+          </p:cNvPr>
+          <p:cNvSpPr/>
+          <p:nvPr/>
+        </p:nvSpPr>
+        <p:spPr>
+          <a:xfrm rot="10800000">
+            <a:off x="2783541" y="1671918"/>
+            <a:ext cx="3554506" cy="3307976"/>
+          </a:xfrm>
+          <a:prstGeom prst="diagStripe">
+            <a:avLst/>
+          </a:prstGeom>
+          <a:solidFill>
+            <a:srgbClr val="E5B5AD"/>
+          </a:solidFill>
+          <a:ln>
+            <a:noFill/>
+          </a:ln>
+        </p:spPr>
+        <p:style>
+          <a:lnRef idx="2">
+            <a:schemeClr val="accent1">
+              <a:shade val="50000"/>
+            </a:schemeClr>
+          </a:lnRef>
+          <a:fillRef idx="1">
+            <a:schemeClr val="accent1"/>
+          </a:fillRef>
+          <a:effectRef idx="0">
+            <a:schemeClr val="accent1"/>
+          </a:effectRef>
+          <a:fontRef idx="minor">
+            <a:schemeClr val="lt1"/>
+          </a:fontRef>
+        </p:style>
+        <p:txBody>
+          <a:bodyPr rtlCol="0" anchor="ctr"/>
+          <a:lstStyle/>
+          <a:p>
+            <a:pPr algn="ctr"/>
+            <a:endParaRPr lang="en-US">
+              <a:solidFill>
+                <a:schemeClr val="tx1"/>
+              </a:solidFill>
+            </a:endParaRPr>
+          </a:p>
+        </p:txBody>
+      </p:sp>
+    </p:spTree>
+    <p:extLst>
+      <p:ext uri="{BB962C8B-B14F-4D97-AF65-F5344CB8AC3E}">
+        <p14:creationId xmlns:p14="http://schemas.microsoft.com/office/powerpoint/2010/main" val="441400323"/>
+      </p:ext>
+    </p:extLst>
+  </p:cSld>
+  <p:clrMapOvr>
+    <a:masterClrMapping/>
+  </p:clrMapOvr>
+</p:sld>
+</file>
+
+<file path=ppt/slides/slide82.xml><?xml version="1.0" encoding="utf-8"?>
+<p:sld xmlns:a="http://schemas.openxmlformats.org/drawingml/2006/main" xmlns:r="http://schemas.openxmlformats.org/officeDocument/2006/relationships" xmlns:p="http://schemas.openxmlformats.org/presentationml/2006/main">
+  <p:cSld>
+    <p:bg>
+      <p:bgPr>
+        <a:solidFill>
+          <a:schemeClr val="tx1"/>
+        </a:solidFill>
+        <a:effectLst/>
+      </p:bgPr>
+    </p:bg>
+    <p:spTree>
+      <p:nvGrpSpPr>
+        <p:cNvPr id="1" name=""/>
+        <p:cNvGrpSpPr/>
+        <p:nvPr/>
+      </p:nvGrpSpPr>
+      <p:grpSpPr>
+        <a:xfrm>
+          <a:off x="0" y="0"/>
+          <a:ext cx="0" cy="0"/>
+          <a:chOff x="0" y="0"/>
+          <a:chExt cx="0" cy="0"/>
+        </a:xfrm>
+      </p:grpSpPr>
+      <p:sp>
+        <p:nvSpPr>
+          <p:cNvPr id="2" name="Diagonal Stripe 1">
+            <a:extLst>
+              <a:ext uri="{FF2B5EF4-FFF2-40B4-BE49-F238E27FC236}">
+                <a16:creationId xmlns:a16="http://schemas.microsoft.com/office/drawing/2014/main" id="{FA01542E-BBF2-491E-B017-79DA2164719A}"/>
+              </a:ext>
+            </a:extLst>
+          </p:cNvPr>
+          <p:cNvSpPr/>
+          <p:nvPr/>
+        </p:nvSpPr>
+        <p:spPr>
+          <a:xfrm rot="16200000">
+            <a:off x="2783541" y="1671918"/>
+            <a:ext cx="3554506" cy="3307976"/>
+          </a:xfrm>
+          <a:prstGeom prst="diagStripe">
+            <a:avLst/>
+          </a:prstGeom>
+          <a:solidFill>
+            <a:srgbClr val="D0A3EF"/>
+          </a:solidFill>
+          <a:ln>
+            <a:noFill/>
+          </a:ln>
+        </p:spPr>
+        <p:style>
+          <a:lnRef idx="2">
+            <a:schemeClr val="accent1">
+              <a:shade val="50000"/>
+            </a:schemeClr>
+          </a:lnRef>
+          <a:fillRef idx="1">
+            <a:schemeClr val="accent1"/>
+          </a:fillRef>
+          <a:effectRef idx="0">
+            <a:schemeClr val="accent1"/>
+          </a:effectRef>
+          <a:fontRef idx="minor">
+            <a:schemeClr val="lt1"/>
+          </a:fontRef>
+        </p:style>
+        <p:txBody>
+          <a:bodyPr rtlCol="0" anchor="ctr"/>
+          <a:lstStyle/>
+          <a:p>
+            <a:pPr algn="ctr"/>
+            <a:endParaRPr lang="en-US">
+              <a:solidFill>
+                <a:schemeClr val="tx1"/>
+              </a:solidFill>
+            </a:endParaRPr>
+          </a:p>
+        </p:txBody>
+      </p:sp>
+    </p:spTree>
+    <p:extLst>
+      <p:ext uri="{BB962C8B-B14F-4D97-AF65-F5344CB8AC3E}">
+        <p14:creationId xmlns:p14="http://schemas.microsoft.com/office/powerpoint/2010/main" val="2741671800"/>
+      </p:ext>
+    </p:extLst>
+  </p:cSld>
+  <p:clrMapOvr>
+    <a:masterClrMapping/>
+  </p:clrMapOvr>
+</p:sld>
+</file>
+
+<file path=ppt/slides/slide83.xml><?xml version="1.0" encoding="utf-8"?>
+<p:sld xmlns:a="http://schemas.openxmlformats.org/drawingml/2006/main" xmlns:r="http://schemas.openxmlformats.org/officeDocument/2006/relationships" xmlns:p="http://schemas.openxmlformats.org/presentationml/2006/main">
+  <p:cSld>
+    <p:bg>
+      <p:bgPr>
+        <a:solidFill>
+          <a:schemeClr val="tx1"/>
+        </a:solidFill>
+        <a:effectLst/>
+      </p:bgPr>
+    </p:bg>
+    <p:spTree>
+      <p:nvGrpSpPr>
+        <p:cNvPr id="1" name=""/>
+        <p:cNvGrpSpPr/>
+        <p:nvPr/>
+      </p:nvGrpSpPr>
+      <p:grpSpPr>
+        <a:xfrm>
+          <a:off x="0" y="0"/>
+          <a:ext cx="0" cy="0"/>
+          <a:chOff x="0" y="0"/>
+          <a:chExt cx="0" cy="0"/>
+        </a:xfrm>
+      </p:grpSpPr>
+      <p:sp>
+        <p:nvSpPr>
+          <p:cNvPr id="4" name="L-Shape 3">
+            <a:extLst>
+              <a:ext uri="{FF2B5EF4-FFF2-40B4-BE49-F238E27FC236}">
+                <a16:creationId xmlns:a16="http://schemas.microsoft.com/office/drawing/2014/main" id="{B7970BF4-F887-45DC-9457-0B62C819FC69}"/>
+              </a:ext>
+            </a:extLst>
+          </p:cNvPr>
+          <p:cNvSpPr/>
+          <p:nvPr/>
+        </p:nvSpPr>
+        <p:spPr>
+          <a:xfrm rot="10800000">
+            <a:off x="2774576" y="1653988"/>
+            <a:ext cx="3585883" cy="3357283"/>
+          </a:xfrm>
+          <a:prstGeom prst="corner">
+            <a:avLst>
+              <a:gd name="adj1" fmla="val 50000"/>
+              <a:gd name="adj2" fmla="val 34913"/>
+            </a:avLst>
+          </a:prstGeom>
+          <a:solidFill>
+            <a:schemeClr val="accent4">
+              <a:lumMod val="40000"/>
+              <a:lumOff val="60000"/>
+            </a:schemeClr>
+          </a:solidFill>
+          <a:ln>
+            <a:noFill/>
+          </a:ln>
+        </p:spPr>
+        <p:style>
+          <a:lnRef idx="2">
+            <a:schemeClr val="accent1">
+              <a:shade val="50000"/>
+            </a:schemeClr>
+          </a:lnRef>
+          <a:fillRef idx="1">
+            <a:schemeClr val="accent1"/>
+          </a:fillRef>
+          <a:effectRef idx="0">
+            <a:schemeClr val="accent1"/>
+          </a:effectRef>
+          <a:fontRef idx="minor">
+            <a:schemeClr val="lt1"/>
+          </a:fontRef>
+        </p:style>
+        <p:txBody>
+          <a:bodyPr rtlCol="0" anchor="ctr"/>
+          <a:lstStyle/>
+          <a:p>
+            <a:pPr algn="ctr"/>
+            <a:endParaRPr lang="en-US"/>
+          </a:p>
+        </p:txBody>
+      </p:sp>
+    </p:spTree>
+    <p:extLst>
+      <p:ext uri="{BB962C8B-B14F-4D97-AF65-F5344CB8AC3E}">
+        <p14:creationId xmlns:p14="http://schemas.microsoft.com/office/powerpoint/2010/main" val="16205186"/>
+      </p:ext>
+    </p:extLst>
+  </p:cSld>
+  <p:clrMapOvr>
+    <a:masterClrMapping/>
+  </p:clrMapOvr>
+</p:sld>
+</file>
+
+<file path=ppt/slides/slide84.xml><?xml version="1.0" encoding="utf-8"?>
+<p:sld xmlns:a="http://schemas.openxmlformats.org/drawingml/2006/main" xmlns:r="http://schemas.openxmlformats.org/officeDocument/2006/relationships" xmlns:p="http://schemas.openxmlformats.org/presentationml/2006/main">
+  <p:cSld>
+    <p:bg>
+      <p:bgPr>
+        <a:solidFill>
+          <a:schemeClr val="tx1"/>
+        </a:solidFill>
+        <a:effectLst/>
+      </p:bgPr>
+    </p:bg>
+    <p:spTree>
+      <p:nvGrpSpPr>
+        <p:cNvPr id="1" name=""/>
+        <p:cNvGrpSpPr/>
+        <p:nvPr/>
+      </p:nvGrpSpPr>
+      <p:grpSpPr>
+        <a:xfrm>
+          <a:off x="0" y="0"/>
+          <a:ext cx="0" cy="0"/>
+          <a:chOff x="0" y="0"/>
+          <a:chExt cx="0" cy="0"/>
+        </a:xfrm>
+      </p:grpSpPr>
+      <p:sp>
+        <p:nvSpPr>
+          <p:cNvPr id="4" name="L-Shape 3">
+            <a:extLst>
+              <a:ext uri="{FF2B5EF4-FFF2-40B4-BE49-F238E27FC236}">
+                <a16:creationId xmlns:a16="http://schemas.microsoft.com/office/drawing/2014/main" id="{B7970BF4-F887-45DC-9457-0B62C819FC69}"/>
+              </a:ext>
+            </a:extLst>
+          </p:cNvPr>
+          <p:cNvSpPr/>
+          <p:nvPr/>
+        </p:nvSpPr>
+        <p:spPr>
+          <a:xfrm rot="5400000">
+            <a:off x="2774576" y="1653988"/>
+            <a:ext cx="3585883" cy="3357283"/>
+          </a:xfrm>
+          <a:prstGeom prst="corner">
+            <a:avLst>
+              <a:gd name="adj1" fmla="val 50000"/>
+              <a:gd name="adj2" fmla="val 75367"/>
+            </a:avLst>
+          </a:prstGeom>
+          <a:solidFill>
+            <a:schemeClr val="accent1"/>
+          </a:solidFill>
+        </p:spPr>
+        <p:style>
+          <a:lnRef idx="2">
+            <a:schemeClr val="accent1">
+              <a:shade val="50000"/>
+            </a:schemeClr>
+          </a:lnRef>
+          <a:fillRef idx="1">
+            <a:schemeClr val="accent1"/>
+          </a:fillRef>
+          <a:effectRef idx="0">
+            <a:schemeClr val="accent1"/>
+          </a:effectRef>
+          <a:fontRef idx="minor">
+            <a:schemeClr val="lt1"/>
+          </a:fontRef>
+        </p:style>
+        <p:txBody>
+          <a:bodyPr rtlCol="0" anchor="ctr"/>
+          <a:lstStyle/>
+          <a:p>
+            <a:pPr algn="ctr"/>
+            <a:endParaRPr lang="en-US"/>
+          </a:p>
+        </p:txBody>
+      </p:sp>
+    </p:spTree>
+    <p:extLst>
+      <p:ext uri="{BB962C8B-B14F-4D97-AF65-F5344CB8AC3E}">
+        <p14:creationId xmlns:p14="http://schemas.microsoft.com/office/powerpoint/2010/main" val="2296136650"/>
+      </p:ext>
+    </p:extLst>
+  </p:cSld>
+  <p:clrMapOvr>
+    <a:masterClrMapping/>
+  </p:clrMapOvr>
+</p:sld>
+</file>
+
+<file path=ppt/slides/slide85.xml><?xml version="1.0" encoding="utf-8"?>
+<p:sld xmlns:a="http://schemas.openxmlformats.org/drawingml/2006/main" xmlns:r="http://schemas.openxmlformats.org/officeDocument/2006/relationships" xmlns:p="http://schemas.openxmlformats.org/presentationml/2006/main">
+  <p:cSld>
+    <p:bg>
+      <p:bgPr>
+        <a:solidFill>
+          <a:schemeClr val="tx1"/>
+        </a:solidFill>
+        <a:effectLst/>
+      </p:bgPr>
+    </p:bg>
+    <p:spTree>
+      <p:nvGrpSpPr>
+        <p:cNvPr id="1" name=""/>
+        <p:cNvGrpSpPr/>
+        <p:nvPr/>
+      </p:nvGrpSpPr>
+      <p:grpSpPr>
+        <a:xfrm>
+          <a:off x="0" y="0"/>
+          <a:ext cx="0" cy="0"/>
+          <a:chOff x="0" y="0"/>
+          <a:chExt cx="0" cy="0"/>
+        </a:xfrm>
+      </p:grpSpPr>
+      <p:sp>
+        <p:nvSpPr>
+          <p:cNvPr id="4" name="L-Shape 3">
+            <a:extLst>
+              <a:ext uri="{FF2B5EF4-FFF2-40B4-BE49-F238E27FC236}">
+                <a16:creationId xmlns:a16="http://schemas.microsoft.com/office/drawing/2014/main" id="{B7970BF4-F887-45DC-9457-0B62C819FC69}"/>
+              </a:ext>
+            </a:extLst>
+          </p:cNvPr>
+          <p:cNvSpPr/>
+          <p:nvPr/>
+        </p:nvSpPr>
+        <p:spPr>
+          <a:xfrm rot="5400000">
+            <a:off x="2774576" y="1653988"/>
+            <a:ext cx="3585883" cy="3357283"/>
+          </a:xfrm>
+          <a:prstGeom prst="corner">
+            <a:avLst>
+              <a:gd name="adj1" fmla="val 50000"/>
+              <a:gd name="adj2" fmla="val 75367"/>
+            </a:avLst>
+          </a:prstGeom>
+          <a:solidFill>
+            <a:srgbClr val="D3BBD9"/>
+          </a:solidFill>
+        </p:spPr>
+        <p:style>
+          <a:lnRef idx="2">
+            <a:schemeClr val="accent1">
+              <a:shade val="50000"/>
+            </a:schemeClr>
+          </a:lnRef>
+          <a:fillRef idx="1">
+            <a:schemeClr val="accent1"/>
+          </a:fillRef>
+          <a:effectRef idx="0">
+            <a:schemeClr val="accent1"/>
+          </a:effectRef>
+          <a:fontRef idx="minor">
+            <a:schemeClr val="lt1"/>
+          </a:fontRef>
+        </p:style>
+        <p:txBody>
+          <a:bodyPr rtlCol="0" anchor="ctr"/>
+          <a:lstStyle/>
+          <a:p>
+            <a:pPr algn="ctr"/>
+            <a:endParaRPr lang="en-US"/>
+          </a:p>
+        </p:txBody>
+      </p:sp>
+    </p:spTree>
+    <p:extLst>
+      <p:ext uri="{BB962C8B-B14F-4D97-AF65-F5344CB8AC3E}">
+        <p14:creationId xmlns:p14="http://schemas.microsoft.com/office/powerpoint/2010/main" val="1147173423"/>
+      </p:ext>
+    </p:extLst>
+  </p:cSld>
+  <p:clrMapOvr>
+    <a:masterClrMapping/>
+  </p:clrMapOvr>
+</p:sld>
+</file>
+
+<file path=ppt/slides/slide86.xml><?xml version="1.0" encoding="utf-8"?>
+<p:sld xmlns:a="http://schemas.openxmlformats.org/drawingml/2006/main" xmlns:r="http://schemas.openxmlformats.org/officeDocument/2006/relationships" xmlns:p="http://schemas.openxmlformats.org/presentationml/2006/main">
+  <p:cSld>
+    <p:bg>
+      <p:bgPr>
+        <a:solidFill>
+          <a:schemeClr val="tx1"/>
+        </a:solidFill>
+        <a:effectLst/>
+      </p:bgPr>
+    </p:bg>
+    <p:spTree>
+      <p:nvGrpSpPr>
+        <p:cNvPr id="1" name=""/>
+        <p:cNvGrpSpPr/>
+        <p:nvPr/>
+      </p:nvGrpSpPr>
+      <p:grpSpPr>
+        <a:xfrm>
+          <a:off x="0" y="0"/>
+          <a:ext cx="0" cy="0"/>
+          <a:chOff x="0" y="0"/>
+          <a:chExt cx="0" cy="0"/>
+        </a:xfrm>
+      </p:grpSpPr>
+      <p:sp>
+        <p:nvSpPr>
+          <p:cNvPr id="4" name="L-Shape 3">
+            <a:extLst>
+              <a:ext uri="{FF2B5EF4-FFF2-40B4-BE49-F238E27FC236}">
+                <a16:creationId xmlns:a16="http://schemas.microsoft.com/office/drawing/2014/main" id="{B7970BF4-F887-45DC-9457-0B62C819FC69}"/>
+              </a:ext>
+            </a:extLst>
+          </p:cNvPr>
+          <p:cNvSpPr/>
+          <p:nvPr/>
+        </p:nvSpPr>
+        <p:spPr>
+          <a:xfrm rot="10800000">
+            <a:off x="3179181" y="2240823"/>
+            <a:ext cx="2785640" cy="2376354"/>
+          </a:xfrm>
+          <a:prstGeom prst="corner">
+            <a:avLst>
+              <a:gd name="adj1" fmla="val 50000"/>
+              <a:gd name="adj2" fmla="val 47671"/>
+            </a:avLst>
+          </a:prstGeom>
+          <a:solidFill>
+            <a:srgbClr val="00B050"/>
+          </a:solidFill>
+          <a:ln>
+            <a:noFill/>
+          </a:ln>
+        </p:spPr>
+        <p:style>
+          <a:lnRef idx="2">
+            <a:schemeClr val="accent1">
+              <a:shade val="50000"/>
+            </a:schemeClr>
+          </a:lnRef>
+          <a:fillRef idx="1">
+            <a:schemeClr val="accent1"/>
+          </a:fillRef>
+          <a:effectRef idx="0">
+            <a:schemeClr val="accent1"/>
+          </a:effectRef>
+          <a:fontRef idx="minor">
+            <a:schemeClr val="lt1"/>
+          </a:fontRef>
+        </p:style>
+        <p:txBody>
+          <a:bodyPr rtlCol="0" anchor="ctr"/>
+          <a:lstStyle/>
+          <a:p>
+            <a:pPr algn="ctr"/>
+            <a:endParaRPr lang="en-US"/>
+          </a:p>
+        </p:txBody>
+      </p:sp>
+    </p:spTree>
+    <p:extLst>
+      <p:ext uri="{BB962C8B-B14F-4D97-AF65-F5344CB8AC3E}">
+        <p14:creationId xmlns:p14="http://schemas.microsoft.com/office/powerpoint/2010/main" val="3355605430"/>
+      </p:ext>
+    </p:extLst>
+  </p:cSld>
+  <p:clrMapOvr>
+    <a:masterClrMapping/>
+  </p:clrMapOvr>
+</p:sld>
+</file>
+
+<file path=ppt/slides/slide87.xml><?xml version="1.0" encoding="utf-8"?>
+<p:sld xmlns:a="http://schemas.openxmlformats.org/drawingml/2006/main" xmlns:r="http://schemas.openxmlformats.org/officeDocument/2006/relationships" xmlns:p="http://schemas.openxmlformats.org/presentationml/2006/main">
+  <p:cSld>
+    <p:bg>
+      <p:bgPr>
+        <a:solidFill>
+          <a:schemeClr val="tx1"/>
+        </a:solidFill>
+        <a:effectLst/>
+      </p:bgPr>
+    </p:bg>
+    <p:spTree>
+      <p:nvGrpSpPr>
+        <p:cNvPr id="1" name=""/>
+        <p:cNvGrpSpPr/>
+        <p:nvPr/>
+      </p:nvGrpSpPr>
+      <p:grpSpPr>
+        <a:xfrm>
+          <a:off x="0" y="0"/>
+          <a:ext cx="0" cy="0"/>
+          <a:chOff x="0" y="0"/>
+          <a:chExt cx="0" cy="0"/>
+        </a:xfrm>
+      </p:grpSpPr>
+      <p:sp>
+        <p:nvSpPr>
+          <p:cNvPr id="4" name="L-Shape 3">
+            <a:extLst>
+              <a:ext uri="{FF2B5EF4-FFF2-40B4-BE49-F238E27FC236}">
+                <a16:creationId xmlns:a16="http://schemas.microsoft.com/office/drawing/2014/main" id="{B7970BF4-F887-45DC-9457-0B62C819FC69}"/>
+              </a:ext>
+            </a:extLst>
+          </p:cNvPr>
+          <p:cNvSpPr/>
+          <p:nvPr/>
+        </p:nvSpPr>
+        <p:spPr>
+          <a:xfrm rot="10800000">
+            <a:off x="3179181" y="2240823"/>
+            <a:ext cx="2785640" cy="2376354"/>
+          </a:xfrm>
+          <a:prstGeom prst="corner">
+            <a:avLst>
+              <a:gd name="adj1" fmla="val 50000"/>
+              <a:gd name="adj2" fmla="val 47671"/>
+            </a:avLst>
+          </a:prstGeom>
+          <a:solidFill>
+            <a:srgbClr val="0070C0"/>
+          </a:solidFill>
+        </p:spPr>
+        <p:style>
+          <a:lnRef idx="2">
+            <a:schemeClr val="accent1">
+              <a:shade val="50000"/>
+            </a:schemeClr>
+          </a:lnRef>
+          <a:fillRef idx="1">
+            <a:schemeClr val="accent1"/>
+          </a:fillRef>
+          <a:effectRef idx="0">
+            <a:schemeClr val="accent1"/>
+          </a:effectRef>
+          <a:fontRef idx="minor">
+            <a:schemeClr val="lt1"/>
+          </a:fontRef>
+        </p:style>
+        <p:txBody>
+          <a:bodyPr rtlCol="0" anchor="ctr"/>
+          <a:lstStyle/>
+          <a:p>
+            <a:pPr algn="ctr"/>
+            <a:endParaRPr lang="en-US"/>
+          </a:p>
+        </p:txBody>
+      </p:sp>
+    </p:spTree>
+    <p:extLst>
+      <p:ext uri="{BB962C8B-B14F-4D97-AF65-F5344CB8AC3E}">
+        <p14:creationId xmlns:p14="http://schemas.microsoft.com/office/powerpoint/2010/main" val="3171437277"/>
+      </p:ext>
+    </p:extLst>
+  </p:cSld>
+  <p:clrMapOvr>
+    <a:masterClrMapping/>
+  </p:clrMapOvr>
+</p:sld>
+</file>
+
+<file path=ppt/slides/slide88.xml><?xml version="1.0" encoding="utf-8"?>
+<p:sld xmlns:a="http://schemas.openxmlformats.org/drawingml/2006/main" xmlns:r="http://schemas.openxmlformats.org/officeDocument/2006/relationships" xmlns:p="http://schemas.openxmlformats.org/presentationml/2006/main">
+  <p:cSld>
+    <p:bg>
+      <p:bgPr>
+        <a:solidFill>
+          <a:schemeClr val="tx1"/>
+        </a:solidFill>
+        <a:effectLst/>
+      </p:bgPr>
+    </p:bg>
+    <p:spTree>
+      <p:nvGrpSpPr>
+        <p:cNvPr id="1" name=""/>
+        <p:cNvGrpSpPr/>
+        <p:nvPr/>
+      </p:nvGrpSpPr>
+      <p:grpSpPr>
+        <a:xfrm>
+          <a:off x="0" y="0"/>
+          <a:ext cx="0" cy="0"/>
+          <a:chOff x="0" y="0"/>
+          <a:chExt cx="0" cy="0"/>
+        </a:xfrm>
+      </p:grpSpPr>
+      <p:sp>
+        <p:nvSpPr>
+          <p:cNvPr id="4" name="L-Shape 3">
+            <a:extLst>
+              <a:ext uri="{FF2B5EF4-FFF2-40B4-BE49-F238E27FC236}">
+                <a16:creationId xmlns:a16="http://schemas.microsoft.com/office/drawing/2014/main" id="{B7970BF4-F887-45DC-9457-0B62C819FC69}"/>
+              </a:ext>
+            </a:extLst>
+          </p:cNvPr>
+          <p:cNvSpPr/>
+          <p:nvPr/>
+        </p:nvSpPr>
+        <p:spPr>
+          <a:xfrm rot="10800000">
+            <a:off x="3179181" y="2240823"/>
+            <a:ext cx="2785640" cy="2376354"/>
+          </a:xfrm>
+          <a:prstGeom prst="corner">
+            <a:avLst>
+              <a:gd name="adj1" fmla="val 50000"/>
+              <a:gd name="adj2" fmla="val 47671"/>
+            </a:avLst>
+          </a:prstGeom>
+          <a:solidFill>
+            <a:srgbClr val="F1D503"/>
+          </a:solidFill>
+        </p:spPr>
+        <p:style>
+          <a:lnRef idx="2">
+            <a:schemeClr val="accent1">
+              <a:shade val="50000"/>
+            </a:schemeClr>
+          </a:lnRef>
+          <a:fillRef idx="1">
+            <a:schemeClr val="accent1"/>
+          </a:fillRef>
+          <a:effectRef idx="0">
+            <a:schemeClr val="accent1"/>
+          </a:effectRef>
+          <a:fontRef idx="minor">
+            <a:schemeClr val="lt1"/>
+          </a:fontRef>
+        </p:style>
+        <p:txBody>
+          <a:bodyPr rtlCol="0" anchor="ctr"/>
+          <a:lstStyle/>
+          <a:p>
+            <a:pPr algn="ctr"/>
+            <a:endParaRPr lang="en-US"/>
+          </a:p>
+        </p:txBody>
+      </p:sp>
+    </p:spTree>
+    <p:extLst>
+      <p:ext uri="{BB962C8B-B14F-4D97-AF65-F5344CB8AC3E}">
+        <p14:creationId xmlns:p14="http://schemas.microsoft.com/office/powerpoint/2010/main" val="4257054816"/>
+      </p:ext>
+    </p:extLst>
+  </p:cSld>
+  <p:clrMapOvr>
+    <a:masterClrMapping/>
+  </p:clrMapOvr>
+</p:sld>
+</file>
+
+<file path=ppt/slides/slide89.xml><?xml version="1.0" encoding="utf-8"?>
+<p:sld xmlns:a="http://schemas.openxmlformats.org/drawingml/2006/main" xmlns:r="http://schemas.openxmlformats.org/officeDocument/2006/relationships" xmlns:p="http://schemas.openxmlformats.org/presentationml/2006/main">
+  <p:cSld>
+    <p:bg>
+      <p:bgPr>
+        <a:solidFill>
+          <a:schemeClr val="tx1"/>
+        </a:solidFill>
+        <a:effectLst/>
+      </p:bgPr>
+    </p:bg>
+    <p:spTree>
+      <p:nvGrpSpPr>
+        <p:cNvPr id="1" name=""/>
+        <p:cNvGrpSpPr/>
+        <p:nvPr/>
+      </p:nvGrpSpPr>
+      <p:grpSpPr>
+        <a:xfrm>
+          <a:off x="0" y="0"/>
+          <a:ext cx="0" cy="0"/>
+          <a:chOff x="0" y="0"/>
+          <a:chExt cx="0" cy="0"/>
+        </a:xfrm>
+      </p:grpSpPr>
+      <p:sp>
+        <p:nvSpPr>
+          <p:cNvPr id="2" name="Rectangle: Diagonal Corners Snipped 1">
+            <a:extLst>
+              <a:ext uri="{FF2B5EF4-FFF2-40B4-BE49-F238E27FC236}">
+                <a16:creationId xmlns:a16="http://schemas.microsoft.com/office/drawing/2014/main" id="{C4D9BBB0-5019-458D-B9CD-CADA9D51456F}"/>
+              </a:ext>
+            </a:extLst>
+          </p:cNvPr>
+          <p:cNvSpPr/>
+          <p:nvPr/>
+        </p:nvSpPr>
+        <p:spPr>
+          <a:xfrm>
+            <a:off x="2770094" y="1658471"/>
+            <a:ext cx="3612777" cy="3370729"/>
+          </a:xfrm>
+          <a:prstGeom prst="snip2DiagRect">
+            <a:avLst>
+              <a:gd name="adj1" fmla="val 0"/>
+              <a:gd name="adj2" fmla="val 50000"/>
+            </a:avLst>
+          </a:prstGeom>
+          <a:solidFill>
+            <a:srgbClr val="7030A0"/>
+          </a:solidFill>
+          <a:ln>
+            <a:noFill/>
+          </a:ln>
+        </p:spPr>
+        <p:style>
+          <a:lnRef idx="2">
+            <a:schemeClr val="accent1">
+              <a:shade val="50000"/>
+            </a:schemeClr>
+          </a:lnRef>
+          <a:fillRef idx="1">
+            <a:schemeClr val="accent1"/>
+          </a:fillRef>
+          <a:effectRef idx="0">
+            <a:schemeClr val="accent1"/>
+          </a:effectRef>
+          <a:fontRef idx="minor">
+            <a:schemeClr val="lt1"/>
+          </a:fontRef>
+        </p:style>
+        <p:txBody>
+          <a:bodyPr rtlCol="0" anchor="ctr"/>
+          <a:lstStyle/>
+          <a:p>
+            <a:pPr algn="ctr"/>
+            <a:endParaRPr lang="en-US"/>
+          </a:p>
+        </p:txBody>
+      </p:sp>
+    </p:spTree>
+    <p:extLst>
+      <p:ext uri="{BB962C8B-B14F-4D97-AF65-F5344CB8AC3E}">
+        <p14:creationId xmlns:p14="http://schemas.microsoft.com/office/powerpoint/2010/main" val="843412525"/>
+      </p:ext>
+    </p:extLst>
+  </p:cSld>
+  <p:clrMapOvr>
+    <a:masterClrMapping/>
+  </p:clrMapOvr>
+</p:sld>
+</file>
+
+<file path=ppt/slides/slide9.xml><?xml version="1.0" encoding="utf-8"?>
+<p:sld xmlns:a="http://schemas.openxmlformats.org/drawingml/2006/main" xmlns:r="http://schemas.openxmlformats.org/officeDocument/2006/relationships" xmlns:p="http://schemas.openxmlformats.org/presentationml/2006/main">
+  <p:cSld>
+    <p:bg>
+      <p:bgPr>
+        <a:solidFill>
+          <a:schemeClr val="tx1"/>
+        </a:solidFill>
+        <a:effectLst/>
+      </p:bgPr>
+    </p:bg>
+    <p:spTree>
+      <p:nvGrpSpPr>
+        <p:cNvPr id="1" name=""/>
+        <p:cNvGrpSpPr/>
+        <p:nvPr/>
+      </p:nvGrpSpPr>
+      <p:grpSpPr>
+        <a:xfrm>
+          <a:off x="0" y="0"/>
+          <a:ext cx="0" cy="0"/>
+          <a:chOff x="0" y="0"/>
+          <a:chExt cx="0" cy="0"/>
+        </a:xfrm>
+      </p:grpSpPr>
+      <p:sp>
+        <p:nvSpPr>
+          <p:cNvPr id="3" name="Plaque 2">
+            <a:extLst>
+              <a:ext uri="{FF2B5EF4-FFF2-40B4-BE49-F238E27FC236}">
+                <a16:creationId xmlns:a16="http://schemas.microsoft.com/office/drawing/2014/main" id="{02566730-B4A5-4076-BF2E-FF2629D1987C}"/>
+              </a:ext>
+            </a:extLst>
+          </p:cNvPr>
+          <p:cNvSpPr/>
+          <p:nvPr/>
+        </p:nvSpPr>
+        <p:spPr>
+          <a:xfrm>
+            <a:off x="2808790" y="1773821"/>
+            <a:ext cx="3526420" cy="3310359"/>
+          </a:xfrm>
+          <a:prstGeom prst="plaque">
+            <a:avLst>
+              <a:gd name="adj" fmla="val 32518"/>
+            </a:avLst>
+          </a:prstGeom>
+        </p:spPr>
+        <p:style>
+          <a:lnRef idx="2">
+            <a:schemeClr val="accent1">
+              <a:shade val="50000"/>
+            </a:schemeClr>
+          </a:lnRef>
+          <a:fillRef idx="1">
+            <a:schemeClr val="accent1"/>
+          </a:fillRef>
+          <a:effectRef idx="0">
+            <a:schemeClr val="accent1"/>
+          </a:effectRef>
+          <a:fontRef idx="minor">
+            <a:schemeClr val="lt1"/>
+          </a:fontRef>
+        </p:style>
+        <p:txBody>
+          <a:bodyPr rtlCol="0" anchor="ctr"/>
+          <a:lstStyle/>
+          <a:p>
+            <a:pPr algn="ctr"/>
+            <a:endParaRPr lang="en-US" dirty="0"/>
+          </a:p>
+        </p:txBody>
+      </p:sp>
+    </p:spTree>
+    <p:extLst>
+      <p:ext uri="{BB962C8B-B14F-4D97-AF65-F5344CB8AC3E}">
+        <p14:creationId xmlns:p14="http://schemas.microsoft.com/office/powerpoint/2010/main" val="768080655"/>
+      </p:ext>
+    </p:extLst>
+  </p:cSld>
+  <p:clrMapOvr>
+    <a:masterClrMapping/>
+  </p:clrMapOvr>
+</p:sld>
+</file>
+
+<file path=ppt/slides/slide90.xml><?xml version="1.0" encoding="utf-8"?>
+<p:sld xmlns:a="http://schemas.openxmlformats.org/drawingml/2006/main" xmlns:r="http://schemas.openxmlformats.org/officeDocument/2006/relationships" xmlns:p="http://schemas.openxmlformats.org/presentationml/2006/main">
+  <p:cSld>
+    <p:bg>
+      <p:bgPr>
+        <a:solidFill>
+          <a:schemeClr val="tx1"/>
+        </a:solidFill>
+        <a:effectLst/>
+      </p:bgPr>
+    </p:bg>
+    <p:spTree>
+      <p:nvGrpSpPr>
+        <p:cNvPr id="1" name=""/>
+        <p:cNvGrpSpPr/>
+        <p:nvPr/>
+      </p:nvGrpSpPr>
+      <p:grpSpPr>
+        <a:xfrm>
+          <a:off x="0" y="0"/>
+          <a:ext cx="0" cy="0"/>
+          <a:chOff x="0" y="0"/>
+          <a:chExt cx="0" cy="0"/>
+        </a:xfrm>
+      </p:grpSpPr>
+      <p:sp>
+        <p:nvSpPr>
+          <p:cNvPr id="2" name="Rectangle: Diagonal Corners Snipped 1">
+            <a:extLst>
+              <a:ext uri="{FF2B5EF4-FFF2-40B4-BE49-F238E27FC236}">
+                <a16:creationId xmlns:a16="http://schemas.microsoft.com/office/drawing/2014/main" id="{C4D9BBB0-5019-458D-B9CD-CADA9D51456F}"/>
+              </a:ext>
+            </a:extLst>
+          </p:cNvPr>
+          <p:cNvSpPr/>
+          <p:nvPr/>
+        </p:nvSpPr>
+        <p:spPr>
+          <a:xfrm>
+            <a:off x="2770094" y="1658471"/>
+            <a:ext cx="3612777" cy="3370729"/>
+          </a:xfrm>
+          <a:prstGeom prst="snip2DiagRect">
+            <a:avLst>
+              <a:gd name="adj1" fmla="val 0"/>
+              <a:gd name="adj2" fmla="val 50000"/>
+            </a:avLst>
+          </a:prstGeom>
+          <a:solidFill>
+            <a:srgbClr val="D3BBD9"/>
+          </a:solidFill>
+          <a:ln>
+            <a:noFill/>
+          </a:ln>
+        </p:spPr>
+        <p:style>
+          <a:lnRef idx="2">
+            <a:schemeClr val="accent1">
+              <a:shade val="50000"/>
+            </a:schemeClr>
+          </a:lnRef>
+          <a:fillRef idx="1">
+            <a:schemeClr val="accent1"/>
+          </a:fillRef>
+          <a:effectRef idx="0">
+            <a:schemeClr val="accent1"/>
+          </a:effectRef>
+          <a:fontRef idx="minor">
+            <a:schemeClr val="lt1"/>
+          </a:fontRef>
+        </p:style>
+        <p:txBody>
+          <a:bodyPr rtlCol="0" anchor="ctr"/>
+          <a:lstStyle/>
+          <a:p>
+            <a:pPr algn="ctr"/>
+            <a:endParaRPr lang="en-US"/>
+          </a:p>
+        </p:txBody>
+      </p:sp>
+    </p:spTree>
+    <p:extLst>
+      <p:ext uri="{BB962C8B-B14F-4D97-AF65-F5344CB8AC3E}">
+        <p14:creationId xmlns:p14="http://schemas.microsoft.com/office/powerpoint/2010/main" val="2631080279"/>
+      </p:ext>
+    </p:extLst>
+  </p:cSld>
+  <p:clrMapOvr>
+    <a:masterClrMapping/>
+  </p:clrMapOvr>
+</p:sld>
+</file>
+
+<file path=ppt/slides/slide91.xml><?xml version="1.0" encoding="utf-8"?>
+<p:sld xmlns:a="http://schemas.openxmlformats.org/drawingml/2006/main" xmlns:r="http://schemas.openxmlformats.org/officeDocument/2006/relationships" xmlns:p="http://schemas.openxmlformats.org/presentationml/2006/main">
+  <p:cSld>
+    <p:bg>
+      <p:bgPr>
+        <a:solidFill>
+          <a:schemeClr val="tx1"/>
+        </a:solidFill>
+        <a:effectLst/>
+      </p:bgPr>
+    </p:bg>
+    <p:spTree>
+      <p:nvGrpSpPr>
+        <p:cNvPr id="1" name=""/>
+        <p:cNvGrpSpPr/>
+        <p:nvPr/>
+      </p:nvGrpSpPr>
+      <p:grpSpPr>
+        <a:xfrm>
+          <a:off x="0" y="0"/>
+          <a:ext cx="0" cy="0"/>
+          <a:chOff x="0" y="0"/>
+          <a:chExt cx="0" cy="0"/>
+        </a:xfrm>
+      </p:grpSpPr>
+      <p:sp>
+        <p:nvSpPr>
+          <p:cNvPr id="2" name="Rectangle: Diagonal Corners Snipped 1">
+            <a:extLst>
+              <a:ext uri="{FF2B5EF4-FFF2-40B4-BE49-F238E27FC236}">
+                <a16:creationId xmlns:a16="http://schemas.microsoft.com/office/drawing/2014/main" id="{C4D9BBB0-5019-458D-B9CD-CADA9D51456F}"/>
+              </a:ext>
+            </a:extLst>
+          </p:cNvPr>
+          <p:cNvSpPr/>
+          <p:nvPr/>
+        </p:nvSpPr>
+        <p:spPr>
+          <a:xfrm rot="16200000">
+            <a:off x="2770094" y="1658471"/>
+            <a:ext cx="3612777" cy="3370729"/>
+          </a:xfrm>
+          <a:prstGeom prst="snip2DiagRect">
+            <a:avLst>
+              <a:gd name="adj1" fmla="val 0"/>
+              <a:gd name="adj2" fmla="val 50000"/>
+            </a:avLst>
+          </a:prstGeom>
+          <a:solidFill>
+            <a:schemeClr val="accent4">
+              <a:lumMod val="60000"/>
+              <a:lumOff val="40000"/>
+            </a:schemeClr>
+          </a:solidFill>
+          <a:ln>
+            <a:noFill/>
+          </a:ln>
+        </p:spPr>
+        <p:style>
+          <a:lnRef idx="2">
+            <a:schemeClr val="accent1">
+              <a:shade val="50000"/>
+            </a:schemeClr>
+          </a:lnRef>
+          <a:fillRef idx="1">
+            <a:schemeClr val="accent1"/>
+          </a:fillRef>
+          <a:effectRef idx="0">
+            <a:schemeClr val="accent1"/>
+          </a:effectRef>
+          <a:fontRef idx="minor">
+            <a:schemeClr val="lt1"/>
+          </a:fontRef>
+        </p:style>
+        <p:txBody>
+          <a:bodyPr rtlCol="0" anchor="ctr"/>
+          <a:lstStyle/>
+          <a:p>
+            <a:pPr algn="ctr"/>
+            <a:endParaRPr lang="en-US"/>
+          </a:p>
+        </p:txBody>
+      </p:sp>
+    </p:spTree>
+    <p:extLst>
+      <p:ext uri="{BB962C8B-B14F-4D97-AF65-F5344CB8AC3E}">
+        <p14:creationId xmlns:p14="http://schemas.microsoft.com/office/powerpoint/2010/main" val="2219913008"/>
+      </p:ext>
+    </p:extLst>
+  </p:cSld>
+  <p:clrMapOvr>
+    <a:masterClrMapping/>
+  </p:clrMapOvr>
+</p:sld>
+</file>
+
+<file path=ppt/slides/slide92.xml><?xml version="1.0" encoding="utf-8"?>
+<p:sld xmlns:a="http://schemas.openxmlformats.org/drawingml/2006/main" xmlns:r="http://schemas.openxmlformats.org/officeDocument/2006/relationships" xmlns:p="http://schemas.openxmlformats.org/presentationml/2006/main">
+  <p:cSld>
+    <p:bg>
+      <p:bgPr>
+        <a:solidFill>
+          <a:schemeClr val="tx1"/>
+        </a:solidFill>
+        <a:effectLst/>
+      </p:bgPr>
+    </p:bg>
+    <p:spTree>
+      <p:nvGrpSpPr>
+        <p:cNvPr id="1" name=""/>
+        <p:cNvGrpSpPr/>
+        <p:nvPr/>
+      </p:nvGrpSpPr>
+      <p:grpSpPr>
+        <a:xfrm>
+          <a:off x="0" y="0"/>
+          <a:ext cx="0" cy="0"/>
+          <a:chOff x="0" y="0"/>
+          <a:chExt cx="0" cy="0"/>
+        </a:xfrm>
+      </p:grpSpPr>
+      <p:sp>
+        <p:nvSpPr>
+          <p:cNvPr id="2" name="Rectangle: Diagonal Corners Snipped 1">
+            <a:extLst>
+              <a:ext uri="{FF2B5EF4-FFF2-40B4-BE49-F238E27FC236}">
+                <a16:creationId xmlns:a16="http://schemas.microsoft.com/office/drawing/2014/main" id="{C4D9BBB0-5019-458D-B9CD-CADA9D51456F}"/>
+              </a:ext>
+            </a:extLst>
+          </p:cNvPr>
+          <p:cNvSpPr/>
+          <p:nvPr/>
+        </p:nvSpPr>
+        <p:spPr>
+          <a:xfrm rot="16200000">
+            <a:off x="2770094" y="1658471"/>
+            <a:ext cx="3612777" cy="3370729"/>
+          </a:xfrm>
+          <a:prstGeom prst="snip2DiagRect">
+            <a:avLst>
+              <a:gd name="adj1" fmla="val 0"/>
+              <a:gd name="adj2" fmla="val 50000"/>
+            </a:avLst>
+          </a:prstGeom>
+          <a:solidFill>
+            <a:schemeClr val="accent5">
+              <a:lumMod val="75000"/>
+            </a:schemeClr>
+          </a:solidFill>
+        </p:spPr>
+        <p:style>
+          <a:lnRef idx="2">
+            <a:schemeClr val="accent1">
+              <a:shade val="50000"/>
+            </a:schemeClr>
+          </a:lnRef>
+          <a:fillRef idx="1">
+            <a:schemeClr val="accent1"/>
+          </a:fillRef>
+          <a:effectRef idx="0">
+            <a:schemeClr val="accent1"/>
+          </a:effectRef>
+          <a:fontRef idx="minor">
+            <a:schemeClr val="lt1"/>
+          </a:fontRef>
+        </p:style>
+        <p:txBody>
+          <a:bodyPr rtlCol="0" anchor="ctr"/>
+          <a:lstStyle/>
+          <a:p>
+            <a:pPr algn="ctr"/>
+            <a:endParaRPr lang="en-US" dirty="0"/>
+          </a:p>
+        </p:txBody>
+      </p:sp>
+    </p:spTree>
+    <p:extLst>
+      <p:ext uri="{BB962C8B-B14F-4D97-AF65-F5344CB8AC3E}">
+        <p14:creationId xmlns:p14="http://schemas.microsoft.com/office/powerpoint/2010/main" val="3595721256"/>
+      </p:ext>
+    </p:extLst>
+  </p:cSld>
+  <p:clrMapOvr>
+    <a:masterClrMapping/>
+  </p:clrMapOvr>
+</p:sld>
+</file>
+
+<file path=ppt/slides/slide93.xml><?xml version="1.0" encoding="utf-8"?>
+<p:sld xmlns:a="http://schemas.openxmlformats.org/drawingml/2006/main" xmlns:r="http://schemas.openxmlformats.org/officeDocument/2006/relationships" xmlns:p="http://schemas.openxmlformats.org/presentationml/2006/main">
+  <p:cSld>
+    <p:bg>
+      <p:bgPr>
+        <a:solidFill>
+          <a:schemeClr val="tx1"/>
+        </a:solidFill>
+        <a:effectLst/>
+      </p:bgPr>
+    </p:bg>
+    <p:spTree>
+      <p:nvGrpSpPr>
+        <p:cNvPr id="1" name=""/>
+        <p:cNvGrpSpPr/>
+        <p:nvPr/>
+      </p:nvGrpSpPr>
+      <p:grpSpPr>
+        <a:xfrm>
+          <a:off x="0" y="0"/>
+          <a:ext cx="0" cy="0"/>
+          <a:chOff x="0" y="0"/>
+          <a:chExt cx="0" cy="0"/>
+        </a:xfrm>
+      </p:grpSpPr>
+      <p:sp>
+        <p:nvSpPr>
+          <p:cNvPr id="3" name="Circle: Hollow 2">
+            <a:extLst>
+              <a:ext uri="{FF2B5EF4-FFF2-40B4-BE49-F238E27FC236}">
+                <a16:creationId xmlns:a16="http://schemas.microsoft.com/office/drawing/2014/main" id="{16065A1E-2DE7-457D-A66F-D51B8CC704D6}"/>
+              </a:ext>
+            </a:extLst>
+          </p:cNvPr>
+          <p:cNvSpPr/>
+          <p:nvPr/>
+        </p:nvSpPr>
+        <p:spPr>
+          <a:xfrm>
+            <a:off x="2774576" y="1676400"/>
+            <a:ext cx="3617259" cy="3366247"/>
+          </a:xfrm>
+          <a:prstGeom prst="donut">
+            <a:avLst>
+              <a:gd name="adj" fmla="val 18293"/>
+            </a:avLst>
+          </a:prstGeom>
+          <a:solidFill>
+            <a:schemeClr val="tx2">
+              <a:lumMod val="20000"/>
+              <a:lumOff val="80000"/>
+            </a:schemeClr>
+          </a:solidFill>
+        </p:spPr>
+        <p:style>
+          <a:lnRef idx="2">
+            <a:schemeClr val="accent1">
+              <a:shade val="50000"/>
+            </a:schemeClr>
+          </a:lnRef>
+          <a:fillRef idx="1">
+            <a:schemeClr val="accent1"/>
+          </a:fillRef>
+          <a:effectRef idx="0">
+            <a:schemeClr val="accent1"/>
+          </a:effectRef>
+          <a:fontRef idx="minor">
+            <a:schemeClr val="lt1"/>
+          </a:fontRef>
+        </p:style>
+        <p:txBody>
+          <a:bodyPr rtlCol="0" anchor="ctr"/>
+          <a:lstStyle/>
+          <a:p>
+            <a:pPr algn="ctr"/>
+            <a:endParaRPr lang="en-US">
+              <a:solidFill>
+                <a:schemeClr val="tx1"/>
+              </a:solidFill>
+            </a:endParaRPr>
+          </a:p>
+        </p:txBody>
+      </p:sp>
+    </p:spTree>
+    <p:extLst>
+      <p:ext uri="{BB962C8B-B14F-4D97-AF65-F5344CB8AC3E}">
+        <p14:creationId xmlns:p14="http://schemas.microsoft.com/office/powerpoint/2010/main" val="2734550581"/>
+      </p:ext>
+    </p:extLst>
+  </p:cSld>
+  <p:clrMapOvr>
+    <a:masterClrMapping/>
+  </p:clrMapOvr>
+</p:sld>
+</file>
+
+<file path=ppt/slides/slide94.xml><?xml version="1.0" encoding="utf-8"?>
+<p:sld xmlns:a="http://schemas.openxmlformats.org/drawingml/2006/main" xmlns:r="http://schemas.openxmlformats.org/officeDocument/2006/relationships" xmlns:p="http://schemas.openxmlformats.org/presentationml/2006/main">
+  <p:cSld>
+    <p:bg>
+      <p:bgPr>
+        <a:solidFill>
+          <a:schemeClr val="tx1"/>
+        </a:solidFill>
+        <a:effectLst/>
+      </p:bgPr>
+    </p:bg>
+    <p:spTree>
+      <p:nvGrpSpPr>
+        <p:cNvPr id="1" name=""/>
+        <p:cNvGrpSpPr/>
+        <p:nvPr/>
+      </p:nvGrpSpPr>
+      <p:grpSpPr>
+        <a:xfrm>
+          <a:off x="0" y="0"/>
+          <a:ext cx="0" cy="0"/>
+          <a:chOff x="0" y="0"/>
+          <a:chExt cx="0" cy="0"/>
+        </a:xfrm>
+      </p:grpSpPr>
+      <p:sp>
+        <p:nvSpPr>
+          <p:cNvPr id="3" name="Circle: Hollow 2">
+            <a:extLst>
+              <a:ext uri="{FF2B5EF4-FFF2-40B4-BE49-F238E27FC236}">
+                <a16:creationId xmlns:a16="http://schemas.microsoft.com/office/drawing/2014/main" id="{16065A1E-2DE7-457D-A66F-D51B8CC704D6}"/>
+              </a:ext>
+            </a:extLst>
+          </p:cNvPr>
+          <p:cNvSpPr/>
+          <p:nvPr/>
+        </p:nvSpPr>
+        <p:spPr>
+          <a:xfrm>
+            <a:off x="2774576" y="1676400"/>
+            <a:ext cx="3617259" cy="3366247"/>
+          </a:xfrm>
+          <a:prstGeom prst="donut">
+            <a:avLst>
+              <a:gd name="adj" fmla="val 18293"/>
+            </a:avLst>
+          </a:prstGeom>
+          <a:solidFill>
+            <a:schemeClr val="accent2"/>
+          </a:solidFill>
+        </p:spPr>
+        <p:style>
+          <a:lnRef idx="2">
+            <a:schemeClr val="accent1">
+              <a:shade val="50000"/>
+            </a:schemeClr>
+          </a:lnRef>
+          <a:fillRef idx="1">
+            <a:schemeClr val="accent1"/>
+          </a:fillRef>
+          <a:effectRef idx="0">
+            <a:schemeClr val="accent1"/>
+          </a:effectRef>
+          <a:fontRef idx="minor">
+            <a:schemeClr val="lt1"/>
+          </a:fontRef>
+        </p:style>
+        <p:txBody>
+          <a:bodyPr rtlCol="0" anchor="ctr"/>
+          <a:lstStyle/>
+          <a:p>
+            <a:pPr algn="ctr"/>
+            <a:endParaRPr lang="en-US">
+              <a:solidFill>
+                <a:schemeClr val="tx1"/>
+              </a:solidFill>
+            </a:endParaRPr>
+          </a:p>
+        </p:txBody>
+      </p:sp>
+    </p:spTree>
+    <p:extLst>
+      <p:ext uri="{BB962C8B-B14F-4D97-AF65-F5344CB8AC3E}">
+        <p14:creationId xmlns:p14="http://schemas.microsoft.com/office/powerpoint/2010/main" val="1790315714"/>
+      </p:ext>
+    </p:extLst>
+  </p:cSld>
+  <p:clrMapOvr>
+    <a:masterClrMapping/>
+  </p:clrMapOvr>
+</p:sld>
+</file>
+
+<file path=ppt/slides/slide95.xml><?xml version="1.0" encoding="utf-8"?>
+<p:sld xmlns:a="http://schemas.openxmlformats.org/drawingml/2006/main" xmlns:r="http://schemas.openxmlformats.org/officeDocument/2006/relationships" xmlns:p="http://schemas.openxmlformats.org/presentationml/2006/main">
+  <p:cSld>
+    <p:bg>
+      <p:bgPr>
+        <a:solidFill>
+          <a:schemeClr val="tx1"/>
+        </a:solidFill>
+        <a:effectLst/>
+      </p:bgPr>
+    </p:bg>
+    <p:spTree>
+      <p:nvGrpSpPr>
+        <p:cNvPr id="1" name=""/>
+        <p:cNvGrpSpPr/>
+        <p:nvPr/>
+      </p:nvGrpSpPr>
+      <p:grpSpPr>
+        <a:xfrm>
+          <a:off x="0" y="0"/>
+          <a:ext cx="0" cy="0"/>
+          <a:chOff x="0" y="0"/>
+          <a:chExt cx="0" cy="0"/>
+        </a:xfrm>
+      </p:grpSpPr>
+      <p:sp>
+        <p:nvSpPr>
+          <p:cNvPr id="3" name="Circle: Hollow 2">
+            <a:extLst>
+              <a:ext uri="{FF2B5EF4-FFF2-40B4-BE49-F238E27FC236}">
+                <a16:creationId xmlns:a16="http://schemas.microsoft.com/office/drawing/2014/main" id="{16065A1E-2DE7-457D-A66F-D51B8CC704D6}"/>
+              </a:ext>
+            </a:extLst>
+          </p:cNvPr>
+          <p:cNvSpPr/>
+          <p:nvPr/>
+        </p:nvSpPr>
+        <p:spPr>
+          <a:xfrm>
+            <a:off x="2774576" y="1676400"/>
+            <a:ext cx="3617259" cy="3366247"/>
+          </a:xfrm>
+          <a:prstGeom prst="donut">
+            <a:avLst>
+              <a:gd name="adj" fmla="val 18293"/>
+            </a:avLst>
+          </a:prstGeom>
+          <a:solidFill>
+            <a:schemeClr val="accent5">
+              <a:lumMod val="75000"/>
+            </a:schemeClr>
+          </a:solidFill>
+        </p:spPr>
+        <p:style>
+          <a:lnRef idx="2">
+            <a:schemeClr val="accent1">
+              <a:shade val="50000"/>
+            </a:schemeClr>
+          </a:lnRef>
+          <a:fillRef idx="1">
+            <a:schemeClr val="accent1"/>
+          </a:fillRef>
+          <a:effectRef idx="0">
+            <a:schemeClr val="accent1"/>
+          </a:effectRef>
+          <a:fontRef idx="minor">
+            <a:schemeClr val="lt1"/>
+          </a:fontRef>
+        </p:style>
+        <p:txBody>
+          <a:bodyPr rtlCol="0" anchor="ctr"/>
+          <a:lstStyle/>
+          <a:p>
+            <a:pPr algn="ctr"/>
+            <a:endParaRPr lang="en-US">
+              <a:solidFill>
+                <a:schemeClr val="tx1"/>
+              </a:solidFill>
+            </a:endParaRPr>
+          </a:p>
+        </p:txBody>
+      </p:sp>
+    </p:spTree>
+    <p:extLst>
+      <p:ext uri="{BB962C8B-B14F-4D97-AF65-F5344CB8AC3E}">
+        <p14:creationId xmlns:p14="http://schemas.microsoft.com/office/powerpoint/2010/main" val="918186260"/>
+      </p:ext>
+    </p:extLst>
+  </p:cSld>
+  <p:clrMapOvr>
+    <a:masterClrMapping/>
+  </p:clrMapOvr>
+</p:sld>
+</file>
+
+<file path=ppt/slides/slide96.xml><?xml version="1.0" encoding="utf-8"?>
+<p:sld xmlns:a="http://schemas.openxmlformats.org/drawingml/2006/main" xmlns:r="http://schemas.openxmlformats.org/officeDocument/2006/relationships" xmlns:p="http://schemas.openxmlformats.org/presentationml/2006/main">
+  <p:cSld>
+    <p:bg>
+      <p:bgPr>
+        <a:solidFill>
+          <a:schemeClr val="tx1"/>
+        </a:solidFill>
+        <a:effectLst/>
+      </p:bgPr>
+    </p:bg>
+    <p:spTree>
+      <p:nvGrpSpPr>
+        <p:cNvPr id="1" name=""/>
+        <p:cNvGrpSpPr/>
+        <p:nvPr/>
+      </p:nvGrpSpPr>
+      <p:grpSpPr>
+        <a:xfrm>
+          <a:off x="0" y="0"/>
+          <a:ext cx="0" cy="0"/>
+          <a:chOff x="0" y="0"/>
+          <a:chExt cx="0" cy="0"/>
+        </a:xfrm>
+      </p:grpSpPr>
+      <p:sp>
+        <p:nvSpPr>
+          <p:cNvPr id="3" name="Circle: Hollow 2">
+            <a:extLst>
+              <a:ext uri="{FF2B5EF4-FFF2-40B4-BE49-F238E27FC236}">
+                <a16:creationId xmlns:a16="http://schemas.microsoft.com/office/drawing/2014/main" id="{16065A1E-2DE7-457D-A66F-D51B8CC704D6}"/>
+              </a:ext>
+            </a:extLst>
+          </p:cNvPr>
+          <p:cNvSpPr/>
+          <p:nvPr/>
+        </p:nvSpPr>
+        <p:spPr>
+          <a:xfrm>
+            <a:off x="2774576" y="1676400"/>
+            <a:ext cx="3617259" cy="3366247"/>
+          </a:xfrm>
+          <a:prstGeom prst="donut">
+            <a:avLst>
+              <a:gd name="adj" fmla="val 18293"/>
+            </a:avLst>
+          </a:prstGeom>
+          <a:solidFill>
+            <a:schemeClr val="accent6">
+              <a:lumMod val="40000"/>
+              <a:lumOff val="60000"/>
+            </a:schemeClr>
+          </a:solidFill>
+        </p:spPr>
+        <p:style>
+          <a:lnRef idx="2">
+            <a:schemeClr val="accent1">
+              <a:shade val="50000"/>
+            </a:schemeClr>
+          </a:lnRef>
+          <a:fillRef idx="1">
+            <a:schemeClr val="accent1"/>
+          </a:fillRef>
+          <a:effectRef idx="0">
+            <a:schemeClr val="accent1"/>
+          </a:effectRef>
+          <a:fontRef idx="minor">
+            <a:schemeClr val="lt1"/>
+          </a:fontRef>
+        </p:style>
+        <p:txBody>
+          <a:bodyPr rtlCol="0" anchor="ctr"/>
+          <a:lstStyle/>
+          <a:p>
+            <a:pPr algn="ctr"/>
+            <a:endParaRPr lang="en-US">
+              <a:solidFill>
+                <a:schemeClr val="tx1"/>
+              </a:solidFill>
+            </a:endParaRPr>
+          </a:p>
+        </p:txBody>
+      </p:sp>
+    </p:spTree>
+    <p:extLst>
+      <p:ext uri="{BB962C8B-B14F-4D97-AF65-F5344CB8AC3E}">
+        <p14:creationId xmlns:p14="http://schemas.microsoft.com/office/powerpoint/2010/main" val="4052619186"/>
       </p:ext>
     </p:extLst>
   </p:cSld>

--- a/expt/img/stim1.jpg.pptx
+++ b/expt/img/stim1.jpg.pptx
@@ -342,7 +342,7 @@
           <a:p>
             <a:fld id="{4E95AE80-254C-4611-8652-5529B52F0554}" type="datetimeFigureOut">
               <a:rPr lang="en-US" smtClean="0"/>
-              <a:t>11/5/2017</a:t>
+              <a:t>11/27/2017</a:t>
             </a:fld>
             <a:endParaRPr lang="en-US"/>
           </a:p>
@@ -512,7 +512,7 @@
           <a:p>
             <a:fld id="{4E95AE80-254C-4611-8652-5529B52F0554}" type="datetimeFigureOut">
               <a:rPr lang="en-US" smtClean="0"/>
-              <a:t>11/5/2017</a:t>
+              <a:t>11/27/2017</a:t>
             </a:fld>
             <a:endParaRPr lang="en-US"/>
           </a:p>
@@ -692,7 +692,7 @@
           <a:p>
             <a:fld id="{4E95AE80-254C-4611-8652-5529B52F0554}" type="datetimeFigureOut">
               <a:rPr lang="en-US" smtClean="0"/>
-              <a:t>11/5/2017</a:t>
+              <a:t>11/27/2017</a:t>
             </a:fld>
             <a:endParaRPr lang="en-US"/>
           </a:p>
@@ -862,7 +862,7 @@
           <a:p>
             <a:fld id="{4E95AE80-254C-4611-8652-5529B52F0554}" type="datetimeFigureOut">
               <a:rPr lang="en-US" smtClean="0"/>
-              <a:t>11/5/2017</a:t>
+              <a:t>11/27/2017</a:t>
             </a:fld>
             <a:endParaRPr lang="en-US"/>
           </a:p>
@@ -1106,7 +1106,7 @@
           <a:p>
             <a:fld id="{4E95AE80-254C-4611-8652-5529B52F0554}" type="datetimeFigureOut">
               <a:rPr lang="en-US" smtClean="0"/>
-              <a:t>11/5/2017</a:t>
+              <a:t>11/27/2017</a:t>
             </a:fld>
             <a:endParaRPr lang="en-US"/>
           </a:p>
@@ -1338,7 +1338,7 @@
           <a:p>
             <a:fld id="{4E95AE80-254C-4611-8652-5529B52F0554}" type="datetimeFigureOut">
               <a:rPr lang="en-US" smtClean="0"/>
-              <a:t>11/5/2017</a:t>
+              <a:t>11/27/2017</a:t>
             </a:fld>
             <a:endParaRPr lang="en-US"/>
           </a:p>
@@ -1705,7 +1705,7 @@
           <a:p>
             <a:fld id="{4E95AE80-254C-4611-8652-5529B52F0554}" type="datetimeFigureOut">
               <a:rPr lang="en-US" smtClean="0"/>
-              <a:t>11/5/2017</a:t>
+              <a:t>11/27/2017</a:t>
             </a:fld>
             <a:endParaRPr lang="en-US"/>
           </a:p>
@@ -1823,7 +1823,7 @@
           <a:p>
             <a:fld id="{4E95AE80-254C-4611-8652-5529B52F0554}" type="datetimeFigureOut">
               <a:rPr lang="en-US" smtClean="0"/>
-              <a:t>11/5/2017</a:t>
+              <a:t>11/27/2017</a:t>
             </a:fld>
             <a:endParaRPr lang="en-US"/>
           </a:p>
@@ -1918,7 +1918,7 @@
           <a:p>
             <a:fld id="{4E95AE80-254C-4611-8652-5529B52F0554}" type="datetimeFigureOut">
               <a:rPr lang="en-US" smtClean="0"/>
-              <a:t>11/5/2017</a:t>
+              <a:t>11/27/2017</a:t>
             </a:fld>
             <a:endParaRPr lang="en-US"/>
           </a:p>
@@ -2195,7 +2195,7 @@
           <a:p>
             <a:fld id="{4E95AE80-254C-4611-8652-5529B52F0554}" type="datetimeFigureOut">
               <a:rPr lang="en-US" smtClean="0"/>
-              <a:t>11/5/2017</a:t>
+              <a:t>11/27/2017</a:t>
             </a:fld>
             <a:endParaRPr lang="en-US"/>
           </a:p>
@@ -2452,7 +2452,7 @@
           <a:p>
             <a:fld id="{4E95AE80-254C-4611-8652-5529B52F0554}" type="datetimeFigureOut">
               <a:rPr lang="en-US" smtClean="0"/>
-              <a:t>11/5/2017</a:t>
+              <a:t>11/27/2017</a:t>
             </a:fld>
             <a:endParaRPr lang="en-US"/>
           </a:p>
@@ -2665,7 +2665,7 @@
           <a:p>
             <a:fld id="{4E95AE80-254C-4611-8652-5529B52F0554}" type="datetimeFigureOut">
               <a:rPr lang="en-US" smtClean="0"/>
-              <a:t>11/5/2017</a:t>
+              <a:t>11/27/2017</a:t>
             </a:fld>
             <a:endParaRPr lang="en-US"/>
           </a:p>
